--- a/Documents/TelasPadrõesProjeto.pptx
+++ b/Documents/TelasPadrõesProjeto.pptx
@@ -5,10 +5,11 @@
     <p:sldMasterId id="2147483648" r:id="rId1"/>
   </p:sldMasterIdLst>
   <p:sldIdLst>
-    <p:sldId id="256" r:id="rId2"/>
-    <p:sldId id="257" r:id="rId3"/>
-    <p:sldId id="258" r:id="rId4"/>
-    <p:sldId id="259" r:id="rId5"/>
+    <p:sldId id="260" r:id="rId2"/>
+    <p:sldId id="256" r:id="rId3"/>
+    <p:sldId id="257" r:id="rId4"/>
+    <p:sldId id="258" r:id="rId5"/>
+    <p:sldId id="259" r:id="rId6"/>
   </p:sldIdLst>
   <p:sldSz cx="9144000" cy="6858000" type="screen4x3"/>
   <p:notesSz cx="6858000" cy="9144000"/>
@@ -107,6 +108,22 @@
       </a:defRPr>
     </a:lvl9pPr>
   </p:defaultTextStyle>
+  <p:extLst>
+    <p:ext uri="{EFAFB233-063F-42B5-8137-9DF3F51BA10A}">
+      <p15:sldGuideLst xmlns:p15="http://schemas.microsoft.com/office/powerpoint/2012/main">
+        <p15:guide id="1" orient="horz" pos="2160">
+          <p15:clr>
+            <a:srgbClr val="A4A3A4"/>
+          </p15:clr>
+        </p15:guide>
+        <p15:guide id="2" pos="2880">
+          <p15:clr>
+            <a:srgbClr val="A4A3A4"/>
+          </p15:clr>
+        </p15:guide>
+      </p15:sldGuideLst>
+    </p:ext>
+  </p:extLst>
 </p:presentation>
 </file>
 
@@ -291,7 +308,7 @@
           <a:p>
             <a:fld id="{C5760480-F540-4C1B-9241-A55F1CF7F70F}" type="datetimeFigureOut">
               <a:rPr lang="pt-BR" smtClean="0"/>
-              <a:t>01/04/2016</a:t>
+              <a:t>02/04/2016</a:t>
             </a:fld>
             <a:endParaRPr lang="pt-BR"/>
           </a:p>
@@ -461,7 +478,7 @@
           <a:p>
             <a:fld id="{C5760480-F540-4C1B-9241-A55F1CF7F70F}" type="datetimeFigureOut">
               <a:rPr lang="pt-BR" smtClean="0"/>
-              <a:t>01/04/2016</a:t>
+              <a:t>02/04/2016</a:t>
             </a:fld>
             <a:endParaRPr lang="pt-BR"/>
           </a:p>
@@ -641,7 +658,7 @@
           <a:p>
             <a:fld id="{C5760480-F540-4C1B-9241-A55F1CF7F70F}" type="datetimeFigureOut">
               <a:rPr lang="pt-BR" smtClean="0"/>
-              <a:t>01/04/2016</a:t>
+              <a:t>02/04/2016</a:t>
             </a:fld>
             <a:endParaRPr lang="pt-BR"/>
           </a:p>
@@ -811,7 +828,7 @@
           <a:p>
             <a:fld id="{C5760480-F540-4C1B-9241-A55F1CF7F70F}" type="datetimeFigureOut">
               <a:rPr lang="pt-BR" smtClean="0"/>
-              <a:t>01/04/2016</a:t>
+              <a:t>02/04/2016</a:t>
             </a:fld>
             <a:endParaRPr lang="pt-BR"/>
           </a:p>
@@ -1057,7 +1074,7 @@
           <a:p>
             <a:fld id="{C5760480-F540-4C1B-9241-A55F1CF7F70F}" type="datetimeFigureOut">
               <a:rPr lang="pt-BR" smtClean="0"/>
-              <a:t>01/04/2016</a:t>
+              <a:t>02/04/2016</a:t>
             </a:fld>
             <a:endParaRPr lang="pt-BR"/>
           </a:p>
@@ -1345,7 +1362,7 @@
           <a:p>
             <a:fld id="{C5760480-F540-4C1B-9241-A55F1CF7F70F}" type="datetimeFigureOut">
               <a:rPr lang="pt-BR" smtClean="0"/>
-              <a:t>01/04/2016</a:t>
+              <a:t>02/04/2016</a:t>
             </a:fld>
             <a:endParaRPr lang="pt-BR"/>
           </a:p>
@@ -1767,7 +1784,7 @@
           <a:p>
             <a:fld id="{C5760480-F540-4C1B-9241-A55F1CF7F70F}" type="datetimeFigureOut">
               <a:rPr lang="pt-BR" smtClean="0"/>
-              <a:t>01/04/2016</a:t>
+              <a:t>02/04/2016</a:t>
             </a:fld>
             <a:endParaRPr lang="pt-BR"/>
           </a:p>
@@ -1885,7 +1902,7 @@
           <a:p>
             <a:fld id="{C5760480-F540-4C1B-9241-A55F1CF7F70F}" type="datetimeFigureOut">
               <a:rPr lang="pt-BR" smtClean="0"/>
-              <a:t>01/04/2016</a:t>
+              <a:t>02/04/2016</a:t>
             </a:fld>
             <a:endParaRPr lang="pt-BR"/>
           </a:p>
@@ -1980,7 +1997,7 @@
           <a:p>
             <a:fld id="{C5760480-F540-4C1B-9241-A55F1CF7F70F}" type="datetimeFigureOut">
               <a:rPr lang="pt-BR" smtClean="0"/>
-              <a:t>01/04/2016</a:t>
+              <a:t>02/04/2016</a:t>
             </a:fld>
             <a:endParaRPr lang="pt-BR"/>
           </a:p>
@@ -2257,7 +2274,7 @@
           <a:p>
             <a:fld id="{C5760480-F540-4C1B-9241-A55F1CF7F70F}" type="datetimeFigureOut">
               <a:rPr lang="pt-BR" smtClean="0"/>
-              <a:t>01/04/2016</a:t>
+              <a:t>02/04/2016</a:t>
             </a:fld>
             <a:endParaRPr lang="pt-BR"/>
           </a:p>
@@ -2510,7 +2527,7 @@
           <a:p>
             <a:fld id="{C5760480-F540-4C1B-9241-A55F1CF7F70F}" type="datetimeFigureOut">
               <a:rPr lang="pt-BR" smtClean="0"/>
-              <a:t>01/04/2016</a:t>
+              <a:t>02/04/2016</a:t>
             </a:fld>
             <a:endParaRPr lang="pt-BR"/>
           </a:p>
@@ -2723,7 +2740,7 @@
           <a:p>
             <a:fld id="{C5760480-F540-4C1B-9241-A55F1CF7F70F}" type="datetimeFigureOut">
               <a:rPr lang="pt-BR" smtClean="0"/>
-              <a:t>01/04/2016</a:t>
+              <a:t>02/04/2016</a:t>
             </a:fld>
             <a:endParaRPr lang="pt-BR"/>
           </a:p>
@@ -3163,16 +3180,18 @@
                 </a:solidFill>
                 <a:latin typeface="+mj-lt"/>
               </a:rPr>
-              <a:t>     </a:t>
+              <a:t>    </a:t>
             </a:r>
             <a:r>
               <a:rPr lang="pt-BR" sz="1400" dirty="0" smtClean="0">
                 <a:solidFill>
-                  <a:schemeClr val="bg1"/>
+                  <a:schemeClr val="bg1">
+                    <a:lumMod val="95000"/>
+                  </a:schemeClr>
                 </a:solidFill>
                 <a:latin typeface="+mj-lt"/>
               </a:rPr>
-              <a:t>Meu Perfil</a:t>
+              <a:t> Cadastro </a:t>
             </a:r>
             <a:endParaRPr lang="pt-BR" sz="1400" dirty="0">
               <a:solidFill>
@@ -3185,53 +3204,13 @@
       </p:sp>
       <p:sp>
         <p:nvSpPr>
-          <p:cNvPr id="6" name="CaixaDeTexto 5"/>
-          <p:cNvSpPr txBox="1"/>
-          <p:nvPr/>
-        </p:nvSpPr>
-        <p:spPr>
-          <a:xfrm>
-            <a:off x="179512" y="2071881"/>
-            <a:ext cx="567656" cy="307777"/>
-          </a:xfrm>
-          <a:prstGeom prst="rect">
-            <a:avLst/>
-          </a:prstGeom>
-          <a:noFill/>
-        </p:spPr>
-        <p:txBody>
-          <a:bodyPr wrap="none" rtlCol="0">
-            <a:spAutoFit/>
-          </a:bodyPr>
-          <a:lstStyle/>
-          <a:p>
-            <a:r>
-              <a:rPr lang="pt-BR" sz="1400" dirty="0" smtClean="0">
-                <a:solidFill>
-                  <a:schemeClr val="bg1"/>
-                </a:solidFill>
-                <a:latin typeface="+mj-lt"/>
-              </a:rPr>
-              <a:t>Jogar</a:t>
-            </a:r>
-            <a:endParaRPr lang="pt-BR" sz="1400" dirty="0">
-              <a:solidFill>
-                <a:schemeClr val="bg1"/>
-              </a:solidFill>
-              <a:latin typeface="+mj-lt"/>
-            </a:endParaRPr>
-          </a:p>
-        </p:txBody>
-      </p:sp>
-      <p:sp>
-        <p:nvSpPr>
           <p:cNvPr id="7" name="CaixaDeTexto 6"/>
           <p:cNvSpPr txBox="1"/>
           <p:nvPr/>
         </p:nvSpPr>
         <p:spPr>
           <a:xfrm>
-            <a:off x="2339752" y="2401143"/>
+            <a:off x="1859979" y="2404704"/>
             <a:ext cx="2332595" cy="307777"/>
           </a:xfrm>
           <a:prstGeom prst="rect">
@@ -3294,7 +3273,7 @@
         </p:nvSpPr>
         <p:spPr>
           <a:xfrm>
-            <a:off x="2123728" y="1588730"/>
+            <a:off x="1643955" y="1592291"/>
             <a:ext cx="1478931" cy="400110"/>
           </a:xfrm>
           <a:prstGeom prst="rect">
@@ -3338,7 +3317,7 @@
         </p:nvSpPr>
         <p:spPr>
           <a:xfrm>
-            <a:off x="2267744" y="2113111"/>
+            <a:off x="1787971" y="2116672"/>
             <a:ext cx="1166297" cy="338554"/>
           </a:xfrm>
           <a:prstGeom prst="rect">
@@ -3398,7 +3377,7 @@
         </p:nvSpPr>
         <p:spPr>
           <a:xfrm>
-            <a:off x="2339752" y="3121223"/>
+            <a:off x="1859979" y="3124784"/>
             <a:ext cx="2332595" cy="307777"/>
           </a:xfrm>
           <a:prstGeom prst="rect">
@@ -3461,7 +3440,7 @@
         </p:nvSpPr>
         <p:spPr>
           <a:xfrm>
-            <a:off x="2267744" y="2833191"/>
+            <a:off x="1787971" y="2836752"/>
             <a:ext cx="1166297" cy="338554"/>
           </a:xfrm>
           <a:prstGeom prst="rect">
@@ -3521,7 +3500,7 @@
         </p:nvSpPr>
         <p:spPr>
           <a:xfrm>
-            <a:off x="2339752" y="3841303"/>
+            <a:off x="1859979" y="3844864"/>
             <a:ext cx="2332595" cy="307777"/>
           </a:xfrm>
           <a:prstGeom prst="rect">
@@ -3584,7 +3563,7 @@
         </p:nvSpPr>
         <p:spPr>
           <a:xfrm>
-            <a:off x="2267744" y="3553271"/>
+            <a:off x="1787971" y="3556832"/>
             <a:ext cx="1166297" cy="338554"/>
           </a:xfrm>
           <a:prstGeom prst="rect">
@@ -3638,76 +3617,13 @@
       </p:sp>
       <p:sp>
         <p:nvSpPr>
-          <p:cNvPr id="20" name="CaixaDeTexto 19"/>
-          <p:cNvSpPr txBox="1"/>
-          <p:nvPr/>
-        </p:nvSpPr>
-        <p:spPr>
-          <a:xfrm>
-            <a:off x="5724128" y="2401143"/>
-            <a:ext cx="2332595" cy="307777"/>
-          </a:xfrm>
-          <a:prstGeom prst="rect">
-            <a:avLst/>
-          </a:prstGeom>
-          <a:ln w="19050">
-            <a:solidFill>
-              <a:schemeClr val="tx2">
-                <a:lumMod val="75000"/>
-              </a:schemeClr>
-            </a:solidFill>
-          </a:ln>
-          <a:effectLst/>
-        </p:spPr>
-        <p:style>
-          <a:lnRef idx="2">
-            <a:schemeClr val="accent5"/>
-          </a:lnRef>
-          <a:fillRef idx="1">
-            <a:schemeClr val="lt1"/>
-          </a:fillRef>
-          <a:effectRef idx="0">
-            <a:schemeClr val="accent5"/>
-          </a:effectRef>
-          <a:fontRef idx="minor">
-            <a:schemeClr val="dk1"/>
-          </a:fontRef>
-        </p:style>
-        <p:txBody>
-          <a:bodyPr wrap="square" rtlCol="0">
-            <a:spAutoFit/>
-          </a:bodyPr>
-          <a:lstStyle/>
-          <a:p>
-            <a:r>
-              <a:rPr lang="pt-BR" sz="1400" dirty="0" smtClean="0">
-                <a:solidFill>
-                  <a:schemeClr val="bg1">
-                    <a:lumMod val="75000"/>
-                  </a:schemeClr>
-                </a:solidFill>
-              </a:rPr>
-              <a:t>Faculdade</a:t>
-            </a:r>
-            <a:endParaRPr lang="pt-BR" sz="1600" dirty="0" smtClean="0">
-              <a:solidFill>
-                <a:schemeClr val="bg1">
-                  <a:lumMod val="75000"/>
-                </a:schemeClr>
-              </a:solidFill>
-            </a:endParaRPr>
-          </a:p>
-        </p:txBody>
-      </p:sp>
-      <p:sp>
-        <p:nvSpPr>
           <p:cNvPr id="21" name="CaixaDeTexto 20"/>
           <p:cNvSpPr txBox="1"/>
           <p:nvPr/>
         </p:nvSpPr>
         <p:spPr>
           <a:xfrm>
-            <a:off x="5652120" y="2113111"/>
+            <a:off x="4776714" y="2116672"/>
             <a:ext cx="1166297" cy="338554"/>
           </a:xfrm>
           <a:prstGeom prst="rect">
@@ -3761,76 +3677,13 @@
       </p:sp>
       <p:sp>
         <p:nvSpPr>
-          <p:cNvPr id="22" name="CaixaDeTexto 21"/>
-          <p:cNvSpPr txBox="1"/>
-          <p:nvPr/>
-        </p:nvSpPr>
-        <p:spPr>
-          <a:xfrm>
-            <a:off x="5724128" y="3121223"/>
-            <a:ext cx="2332595" cy="307777"/>
-          </a:xfrm>
-          <a:prstGeom prst="rect">
-            <a:avLst/>
-          </a:prstGeom>
-          <a:ln w="19050">
-            <a:solidFill>
-              <a:schemeClr val="tx2">
-                <a:lumMod val="75000"/>
-              </a:schemeClr>
-            </a:solidFill>
-          </a:ln>
-          <a:effectLst/>
-        </p:spPr>
-        <p:style>
-          <a:lnRef idx="2">
-            <a:schemeClr val="accent5"/>
-          </a:lnRef>
-          <a:fillRef idx="1">
-            <a:schemeClr val="lt1"/>
-          </a:fillRef>
-          <a:effectRef idx="0">
-            <a:schemeClr val="accent5"/>
-          </a:effectRef>
-          <a:fontRef idx="minor">
-            <a:schemeClr val="dk1"/>
-          </a:fontRef>
-        </p:style>
-        <p:txBody>
-          <a:bodyPr wrap="square" rtlCol="0">
-            <a:spAutoFit/>
-          </a:bodyPr>
-          <a:lstStyle/>
-          <a:p>
-            <a:r>
-              <a:rPr lang="pt-BR" sz="1400" dirty="0" smtClean="0">
-                <a:solidFill>
-                  <a:schemeClr val="bg1">
-                    <a:lumMod val="75000"/>
-                  </a:schemeClr>
-                </a:solidFill>
-              </a:rPr>
-              <a:t>Curso</a:t>
-            </a:r>
-            <a:endParaRPr lang="pt-BR" sz="1600" dirty="0" smtClean="0">
-              <a:solidFill>
-                <a:schemeClr val="bg1">
-                  <a:lumMod val="75000"/>
-                </a:schemeClr>
-              </a:solidFill>
-            </a:endParaRPr>
-          </a:p>
-        </p:txBody>
-      </p:sp>
-      <p:sp>
-        <p:nvSpPr>
           <p:cNvPr id="23" name="CaixaDeTexto 22"/>
           <p:cNvSpPr txBox="1"/>
           <p:nvPr/>
         </p:nvSpPr>
         <p:spPr>
           <a:xfrm>
-            <a:off x="5652120" y="2833191"/>
+            <a:off x="7182308" y="2062443"/>
             <a:ext cx="1166297" cy="338554"/>
           </a:xfrm>
           <a:prstGeom prst="rect">
@@ -3890,7 +3743,7 @@
         </p:nvSpPr>
         <p:spPr>
           <a:xfrm>
-            <a:off x="2383421" y="4779152"/>
+            <a:off x="2371119" y="5133071"/>
             <a:ext cx="5716971" cy="36000"/>
           </a:xfrm>
           <a:prstGeom prst="rect">
@@ -3938,7 +3791,7 @@
         </p:nvSpPr>
         <p:spPr>
           <a:xfrm>
-            <a:off x="5097890" y="4725144"/>
+            <a:off x="5072937" y="5033411"/>
             <a:ext cx="144016" cy="144016"/>
           </a:xfrm>
           <a:prstGeom prst="ellipse">
@@ -3984,7 +3837,7 @@
         </p:nvSpPr>
         <p:spPr>
           <a:xfrm>
-            <a:off x="5076056" y="4441975"/>
+            <a:off x="5144945" y="4816450"/>
             <a:ext cx="583814" cy="369332"/>
           </a:xfrm>
           <a:prstGeom prst="rect">
@@ -4028,8 +3881,8 @@
         </p:nvSpPr>
         <p:spPr>
           <a:xfrm>
-            <a:off x="6624984" y="3841303"/>
-            <a:ext cx="1431739" cy="307777"/>
+            <a:off x="7454024" y="4662561"/>
+            <a:ext cx="622863" cy="307777"/>
           </a:xfrm>
           <a:prstGeom prst="rect">
             <a:avLst/>
@@ -4053,7 +3906,7 @@
                 </a:solidFill>
                 <a:latin typeface="+mj-lt"/>
               </a:rPr>
-              <a:t>Salvar Alterações</a:t>
+              <a:t>Salvar</a:t>
             </a:r>
             <a:endParaRPr lang="pt-BR" dirty="0">
               <a:solidFill>
@@ -4072,7 +3925,7 @@
         </p:nvSpPr>
         <p:spPr>
           <a:xfrm>
-            <a:off x="2267744" y="4242574"/>
+            <a:off x="2371119" y="4744687"/>
             <a:ext cx="1166297" cy="338554"/>
           </a:xfrm>
           <a:prstGeom prst="rect">
@@ -4126,22 +3979,41 @@
       </p:sp>
       <p:sp>
         <p:nvSpPr>
-          <p:cNvPr id="31" name="CaixaDeTexto 30"/>
+          <p:cNvPr id="27" name="CaixaDeTexto 26"/>
           <p:cNvSpPr txBox="1"/>
           <p:nvPr/>
         </p:nvSpPr>
         <p:spPr>
           <a:xfrm>
-            <a:off x="0" y="2379658"/>
-            <a:ext cx="1360800" cy="307777"/>
-          </a:xfrm>
-          <a:prstGeom prst="rect">
-            <a:avLst/>
-          </a:prstGeom>
-          <a:solidFill>
-            <a:srgbClr val="364150"/>
-          </a:solidFill>
-        </p:spPr>
+            <a:off x="4854046" y="2400997"/>
+            <a:ext cx="1878193" cy="307777"/>
+          </a:xfrm>
+          <a:prstGeom prst="rect">
+            <a:avLst/>
+          </a:prstGeom>
+          <a:ln w="19050">
+            <a:solidFill>
+              <a:schemeClr val="tx2">
+                <a:lumMod val="75000"/>
+              </a:schemeClr>
+            </a:solidFill>
+          </a:ln>
+          <a:effectLst/>
+        </p:spPr>
+        <p:style>
+          <a:lnRef idx="2">
+            <a:schemeClr val="accent5"/>
+          </a:lnRef>
+          <a:fillRef idx="1">
+            <a:schemeClr val="lt1"/>
+          </a:fillRef>
+          <a:effectRef idx="0">
+            <a:schemeClr val="accent5"/>
+          </a:effectRef>
+          <a:fontRef idx="minor">
+            <a:schemeClr val="dk1"/>
+          </a:fontRef>
+        </p:style>
         <p:txBody>
           <a:bodyPr wrap="square" rtlCol="0">
             <a:spAutoFit/>
@@ -4151,17 +4023,428 @@
             <a:r>
               <a:rPr lang="pt-BR" sz="1400" dirty="0" smtClean="0">
                 <a:solidFill>
-                  <a:schemeClr val="bg1"/>
-                </a:solidFill>
-                <a:latin typeface="+mj-lt"/>
+                  <a:schemeClr val="tx1">
+                    <a:lumMod val="65000"/>
+                    <a:lumOff val="35000"/>
+                  </a:schemeClr>
+                </a:solidFill>
               </a:rPr>
-              <a:t>     Sair</a:t>
-            </a:r>
-            <a:endParaRPr lang="pt-BR" sz="1400" dirty="0">
+              <a:t>Faculdade</a:t>
+            </a:r>
+            <a:endParaRPr lang="pt-BR" sz="1600" dirty="0" smtClean="0">
               <a:solidFill>
-                <a:schemeClr val="bg1"/>
+                <a:schemeClr val="tx1">
+                  <a:lumMod val="65000"/>
+                  <a:lumOff val="35000"/>
+                </a:schemeClr>
               </a:solidFill>
-              <a:latin typeface="+mj-lt"/>
+            </a:endParaRPr>
+          </a:p>
+        </p:txBody>
+      </p:sp>
+      <p:sp>
+        <p:nvSpPr>
+          <p:cNvPr id="30" name="Triângulo isósceles 29"/>
+          <p:cNvSpPr/>
+          <p:nvPr/>
+        </p:nvSpPr>
+        <p:spPr>
+          <a:xfrm rot="10800000">
+            <a:off x="6471740" y="2500778"/>
+            <a:ext cx="196414" cy="97269"/>
+          </a:xfrm>
+          <a:prstGeom prst="triangle">
+            <a:avLst/>
+          </a:prstGeom>
+          <a:solidFill>
+            <a:schemeClr val="tx2">
+              <a:lumMod val="50000"/>
+            </a:schemeClr>
+          </a:solidFill>
+          <a:ln>
+            <a:noFill/>
+          </a:ln>
+        </p:spPr>
+        <p:style>
+          <a:lnRef idx="2">
+            <a:schemeClr val="accent1">
+              <a:shade val="50000"/>
+            </a:schemeClr>
+          </a:lnRef>
+          <a:fillRef idx="1">
+            <a:schemeClr val="accent1"/>
+          </a:fillRef>
+          <a:effectRef idx="0">
+            <a:schemeClr val="accent1"/>
+          </a:effectRef>
+          <a:fontRef idx="minor">
+            <a:schemeClr val="lt1"/>
+          </a:fontRef>
+        </p:style>
+        <p:txBody>
+          <a:bodyPr rtlCol="0" anchor="ctr"/>
+          <a:lstStyle/>
+          <a:p>
+            <a:pPr algn="ctr"/>
+            <a:endParaRPr lang="pt-BR"/>
+          </a:p>
+        </p:txBody>
+      </p:sp>
+      <p:sp>
+        <p:nvSpPr>
+          <p:cNvPr id="32" name="CaixaDeTexto 31"/>
+          <p:cNvSpPr txBox="1"/>
+          <p:nvPr/>
+        </p:nvSpPr>
+        <p:spPr>
+          <a:xfrm>
+            <a:off x="7213810" y="2379658"/>
+            <a:ext cx="1872208" cy="307777"/>
+          </a:xfrm>
+          <a:prstGeom prst="rect">
+            <a:avLst/>
+          </a:prstGeom>
+          <a:ln w="19050">
+            <a:solidFill>
+              <a:schemeClr val="tx2">
+                <a:lumMod val="75000"/>
+              </a:schemeClr>
+            </a:solidFill>
+          </a:ln>
+          <a:effectLst/>
+        </p:spPr>
+        <p:style>
+          <a:lnRef idx="2">
+            <a:schemeClr val="accent5"/>
+          </a:lnRef>
+          <a:fillRef idx="1">
+            <a:schemeClr val="lt1"/>
+          </a:fillRef>
+          <a:effectRef idx="0">
+            <a:schemeClr val="accent5"/>
+          </a:effectRef>
+          <a:fontRef idx="minor">
+            <a:schemeClr val="dk1"/>
+          </a:fontRef>
+        </p:style>
+        <p:txBody>
+          <a:bodyPr wrap="square" rtlCol="0">
+            <a:spAutoFit/>
+          </a:bodyPr>
+          <a:lstStyle/>
+          <a:p>
+            <a:r>
+              <a:rPr lang="pt-BR" sz="1400" dirty="0" smtClean="0">
+                <a:solidFill>
+                  <a:schemeClr val="tx1">
+                    <a:lumMod val="65000"/>
+                    <a:lumOff val="35000"/>
+                  </a:schemeClr>
+                </a:solidFill>
+              </a:rPr>
+              <a:t>Curso</a:t>
+            </a:r>
+            <a:endParaRPr lang="pt-BR" sz="1600" dirty="0" smtClean="0">
+              <a:solidFill>
+                <a:schemeClr val="tx1">
+                  <a:lumMod val="65000"/>
+                  <a:lumOff val="35000"/>
+                </a:schemeClr>
+              </a:solidFill>
+            </a:endParaRPr>
+          </a:p>
+        </p:txBody>
+      </p:sp>
+      <p:sp>
+        <p:nvSpPr>
+          <p:cNvPr id="33" name="Triângulo isósceles 32"/>
+          <p:cNvSpPr/>
+          <p:nvPr/>
+        </p:nvSpPr>
+        <p:spPr>
+          <a:xfrm rot="10800000">
+            <a:off x="8748464" y="2507440"/>
+            <a:ext cx="196414" cy="97269"/>
+          </a:xfrm>
+          <a:prstGeom prst="triangle">
+            <a:avLst/>
+          </a:prstGeom>
+          <a:solidFill>
+            <a:schemeClr val="tx2">
+              <a:lumMod val="50000"/>
+            </a:schemeClr>
+          </a:solidFill>
+          <a:ln>
+            <a:noFill/>
+          </a:ln>
+        </p:spPr>
+        <p:style>
+          <a:lnRef idx="2">
+            <a:schemeClr val="accent1">
+              <a:shade val="50000"/>
+            </a:schemeClr>
+          </a:lnRef>
+          <a:fillRef idx="1">
+            <a:schemeClr val="accent1"/>
+          </a:fillRef>
+          <a:effectRef idx="0">
+            <a:schemeClr val="accent1"/>
+          </a:effectRef>
+          <a:fontRef idx="minor">
+            <a:schemeClr val="lt1"/>
+          </a:fontRef>
+        </p:style>
+        <p:txBody>
+          <a:bodyPr rtlCol="0" anchor="ctr"/>
+          <a:lstStyle/>
+          <a:p>
+            <a:pPr algn="ctr"/>
+            <a:endParaRPr lang="pt-BR"/>
+          </a:p>
+        </p:txBody>
+      </p:sp>
+      <p:sp>
+        <p:nvSpPr>
+          <p:cNvPr id="34" name="CaixaDeTexto 33"/>
+          <p:cNvSpPr txBox="1"/>
+          <p:nvPr/>
+        </p:nvSpPr>
+        <p:spPr>
+          <a:xfrm>
+            <a:off x="4854047" y="3130510"/>
+            <a:ext cx="2332595" cy="307777"/>
+          </a:xfrm>
+          <a:prstGeom prst="rect">
+            <a:avLst/>
+          </a:prstGeom>
+          <a:ln w="19050">
+            <a:solidFill>
+              <a:schemeClr val="tx2">
+                <a:lumMod val="75000"/>
+              </a:schemeClr>
+            </a:solidFill>
+          </a:ln>
+          <a:effectLst/>
+        </p:spPr>
+        <p:style>
+          <a:lnRef idx="2">
+            <a:schemeClr val="accent5"/>
+          </a:lnRef>
+          <a:fillRef idx="1">
+            <a:schemeClr val="lt1"/>
+          </a:fillRef>
+          <a:effectRef idx="0">
+            <a:schemeClr val="accent5"/>
+          </a:effectRef>
+          <a:fontRef idx="minor">
+            <a:schemeClr val="dk1"/>
+          </a:fontRef>
+        </p:style>
+        <p:txBody>
+          <a:bodyPr wrap="square" rtlCol="0">
+            <a:spAutoFit/>
+          </a:bodyPr>
+          <a:lstStyle/>
+          <a:p>
+            <a:r>
+              <a:rPr lang="pt-BR" sz="1400" dirty="0" smtClean="0">
+                <a:solidFill>
+                  <a:schemeClr val="bg1">
+                    <a:lumMod val="75000"/>
+                  </a:schemeClr>
+                </a:solidFill>
+              </a:rPr>
+              <a:t>E-mail</a:t>
+            </a:r>
+            <a:endParaRPr lang="pt-BR" sz="1600" dirty="0" smtClean="0">
+              <a:solidFill>
+                <a:schemeClr val="bg1">
+                  <a:lumMod val="75000"/>
+                </a:schemeClr>
+              </a:solidFill>
+            </a:endParaRPr>
+          </a:p>
+        </p:txBody>
+      </p:sp>
+      <p:sp>
+        <p:nvSpPr>
+          <p:cNvPr id="35" name="CaixaDeTexto 34"/>
+          <p:cNvSpPr txBox="1"/>
+          <p:nvPr/>
+        </p:nvSpPr>
+        <p:spPr>
+          <a:xfrm>
+            <a:off x="4854047" y="3843914"/>
+            <a:ext cx="2332595" cy="307777"/>
+          </a:xfrm>
+          <a:prstGeom prst="rect">
+            <a:avLst/>
+          </a:prstGeom>
+          <a:ln w="19050">
+            <a:solidFill>
+              <a:schemeClr val="tx2">
+                <a:lumMod val="75000"/>
+              </a:schemeClr>
+            </a:solidFill>
+          </a:ln>
+          <a:effectLst/>
+        </p:spPr>
+        <p:style>
+          <a:lnRef idx="2">
+            <a:schemeClr val="accent5"/>
+          </a:lnRef>
+          <a:fillRef idx="1">
+            <a:schemeClr val="lt1"/>
+          </a:fillRef>
+          <a:effectRef idx="0">
+            <a:schemeClr val="accent5"/>
+          </a:effectRef>
+          <a:fontRef idx="minor">
+            <a:schemeClr val="dk1"/>
+          </a:fontRef>
+        </p:style>
+        <p:txBody>
+          <a:bodyPr wrap="square" rtlCol="0">
+            <a:spAutoFit/>
+          </a:bodyPr>
+          <a:lstStyle/>
+          <a:p>
+            <a:r>
+              <a:rPr lang="pt-BR" sz="1400" dirty="0" smtClean="0">
+                <a:solidFill>
+                  <a:schemeClr val="bg1">
+                    <a:lumMod val="75000"/>
+                  </a:schemeClr>
+                </a:solidFill>
+              </a:rPr>
+              <a:t>Senha</a:t>
+            </a:r>
+            <a:endParaRPr lang="pt-BR" sz="1600" dirty="0" smtClean="0">
+              <a:solidFill>
+                <a:schemeClr val="bg1">
+                  <a:lumMod val="75000"/>
+                </a:schemeClr>
+              </a:solidFill>
+            </a:endParaRPr>
+          </a:p>
+        </p:txBody>
+      </p:sp>
+      <p:sp>
+        <p:nvSpPr>
+          <p:cNvPr id="36" name="CaixaDeTexto 35"/>
+          <p:cNvSpPr txBox="1"/>
+          <p:nvPr/>
+        </p:nvSpPr>
+        <p:spPr>
+          <a:xfrm>
+            <a:off x="4799906" y="2836752"/>
+            <a:ext cx="2148358" cy="338554"/>
+          </a:xfrm>
+          <a:prstGeom prst="rect">
+            <a:avLst/>
+          </a:prstGeom>
+          <a:noFill/>
+          <a:ln>
+            <a:noFill/>
+          </a:ln>
+          <a:effectLst/>
+        </p:spPr>
+        <p:style>
+          <a:lnRef idx="2">
+            <a:schemeClr val="accent5"/>
+          </a:lnRef>
+          <a:fillRef idx="1">
+            <a:schemeClr val="lt1"/>
+          </a:fillRef>
+          <a:effectRef idx="0">
+            <a:schemeClr val="accent5"/>
+          </a:effectRef>
+          <a:fontRef idx="minor">
+            <a:schemeClr val="dk1"/>
+          </a:fontRef>
+        </p:style>
+        <p:txBody>
+          <a:bodyPr wrap="square" rtlCol="0">
+            <a:spAutoFit/>
+          </a:bodyPr>
+          <a:lstStyle/>
+          <a:p>
+            <a:r>
+              <a:rPr lang="pt-BR" sz="1600" dirty="0" smtClean="0">
+                <a:solidFill>
+                  <a:schemeClr val="tx2">
+                    <a:lumMod val="75000"/>
+                  </a:schemeClr>
+                </a:solidFill>
+              </a:rPr>
+              <a:t>Confirmar E-mail</a:t>
+            </a:r>
+            <a:endParaRPr lang="pt-BR" dirty="0" smtClean="0">
+              <a:solidFill>
+                <a:schemeClr val="tx2">
+                  <a:lumMod val="75000"/>
+                </a:schemeClr>
+              </a:solidFill>
+            </a:endParaRPr>
+          </a:p>
+        </p:txBody>
+      </p:sp>
+      <p:sp>
+        <p:nvSpPr>
+          <p:cNvPr id="37" name="CaixaDeTexto 36"/>
+          <p:cNvSpPr txBox="1"/>
+          <p:nvPr/>
+        </p:nvSpPr>
+        <p:spPr>
+          <a:xfrm>
+            <a:off x="4799906" y="3556832"/>
+            <a:ext cx="2148358" cy="338554"/>
+          </a:xfrm>
+          <a:prstGeom prst="rect">
+            <a:avLst/>
+          </a:prstGeom>
+          <a:noFill/>
+          <a:ln>
+            <a:noFill/>
+          </a:ln>
+          <a:effectLst/>
+        </p:spPr>
+        <p:style>
+          <a:lnRef idx="2">
+            <a:schemeClr val="accent5"/>
+          </a:lnRef>
+          <a:fillRef idx="1">
+            <a:schemeClr val="lt1"/>
+          </a:fillRef>
+          <a:effectRef idx="0">
+            <a:schemeClr val="accent5"/>
+          </a:effectRef>
+          <a:fontRef idx="minor">
+            <a:schemeClr val="dk1"/>
+          </a:fontRef>
+        </p:style>
+        <p:txBody>
+          <a:bodyPr wrap="square" rtlCol="0">
+            <a:spAutoFit/>
+          </a:bodyPr>
+          <a:lstStyle/>
+          <a:p>
+            <a:r>
+              <a:rPr lang="pt-BR" sz="1600" dirty="0" smtClean="0">
+                <a:solidFill>
+                  <a:schemeClr val="tx2">
+                    <a:lumMod val="75000"/>
+                  </a:schemeClr>
+                </a:solidFill>
+              </a:rPr>
+              <a:t>Confirmar Senha</a:t>
+            </a:r>
+            <a:endParaRPr lang="pt-BR" dirty="0" smtClean="0">
+              <a:solidFill>
+                <a:schemeClr val="tx2">
+                  <a:lumMod val="75000"/>
+                </a:schemeClr>
+              </a:solidFill>
             </a:endParaRPr>
           </a:p>
         </p:txBody>
@@ -4169,7 +4452,7 @@
     </p:spTree>
     <p:extLst>
       <p:ext uri="{BB962C8B-B14F-4D97-AF65-F5344CB8AC3E}">
-        <p14:creationId xmlns:p14="http://schemas.microsoft.com/office/powerpoint/2010/main" val="170276056"/>
+        <p14:creationId xmlns:p14="http://schemas.microsoft.com/office/powerpoint/2010/main" val="2422398279"/>
       </p:ext>
     </p:extLst>
   </p:cSld>
@@ -4225,7 +4508,7 @@
         </p:blipFill>
         <p:spPr>
           <a:xfrm>
-            <a:off x="0" y="1121256"/>
+            <a:off x="-12302" y="1112759"/>
             <a:ext cx="9144000" cy="4615487"/>
           </a:xfrm>
           <a:prstGeom prst="rect">
@@ -4235,7 +4518,7 @@
       </p:pic>
       <p:sp>
         <p:nvSpPr>
-          <p:cNvPr id="8" name="CaixaDeTexto 7"/>
+          <p:cNvPr id="5" name="CaixaDeTexto 4"/>
           <p:cNvSpPr txBox="1"/>
           <p:nvPr/>
         </p:nvSpPr>
@@ -4248,7 +4531,9 @@
             <a:avLst/>
           </a:prstGeom>
           <a:solidFill>
-            <a:srgbClr val="364150"/>
+            <a:schemeClr val="accent5">
+              <a:lumMod val="50000"/>
+            </a:schemeClr>
           </a:solidFill>
         </p:spPr>
         <p:txBody>
@@ -4288,26 +4573,22 @@
       </p:sp>
       <p:sp>
         <p:nvSpPr>
-          <p:cNvPr id="9" name="CaixaDeTexto 8"/>
+          <p:cNvPr id="6" name="CaixaDeTexto 5"/>
           <p:cNvSpPr txBox="1"/>
           <p:nvPr/>
         </p:nvSpPr>
         <p:spPr>
           <a:xfrm>
-            <a:off x="0" y="2071881"/>
-            <a:ext cx="1360800" cy="307777"/>
-          </a:xfrm>
-          <a:prstGeom prst="rect">
-            <a:avLst/>
-          </a:prstGeom>
-          <a:solidFill>
-            <a:schemeClr val="accent5">
-              <a:lumMod val="50000"/>
-            </a:schemeClr>
-          </a:solidFill>
-        </p:spPr>
-        <p:txBody>
-          <a:bodyPr wrap="square" rtlCol="0">
+            <a:off x="179512" y="2071881"/>
+            <a:ext cx="567656" cy="307777"/>
+          </a:xfrm>
+          <a:prstGeom prst="rect">
+            <a:avLst/>
+          </a:prstGeom>
+          <a:noFill/>
+        </p:spPr>
+        <p:txBody>
+          <a:bodyPr wrap="none" rtlCol="0">
             <a:spAutoFit/>
           </a:bodyPr>
           <a:lstStyle/>
@@ -4319,7 +4600,7 @@
                 </a:solidFill>
                 <a:latin typeface="+mj-lt"/>
               </a:rPr>
-              <a:t>     Jogar</a:t>
+              <a:t>Jogar</a:t>
             </a:r>
             <a:endParaRPr lang="pt-BR" sz="1400" dirty="0">
               <a:solidFill>
@@ -4330,31 +4611,123 @@
           </a:p>
         </p:txBody>
       </p:sp>
-      <p:pic>
-        <p:nvPicPr>
-          <p:cNvPr id="2050" name="Picture 2"/>
-          <p:cNvPicPr>
-            <a:picLocks noChangeAspect="1" noChangeArrowheads="1"/>
-          </p:cNvPicPr>
-          <p:nvPr/>
-        </p:nvPicPr>
-        <p:blipFill>
-          <a:blip r:embed="rId3">
-            <a:extLst>
-              <a:ext uri="{28A0092B-C50C-407E-A947-70E740481C1C}">
-                <a14:useLocalDpi xmlns:a14="http://schemas.microsoft.com/office/drawing/2010/main" val="0"/>
-              </a:ext>
-            </a:extLst>
-          </a:blip>
-          <a:srcRect/>
-          <a:stretch>
-            <a:fillRect/>
-          </a:stretch>
-        </p:blipFill>
-        <p:spPr bwMode="auto">
-          <a:xfrm>
-            <a:off x="1360800" y="1420709"/>
-            <a:ext cx="7783200" cy="4166737"/>
+      <p:sp>
+        <p:nvSpPr>
+          <p:cNvPr id="7" name="CaixaDeTexto 6"/>
+          <p:cNvSpPr txBox="1"/>
+          <p:nvPr/>
+        </p:nvSpPr>
+        <p:spPr>
+          <a:xfrm>
+            <a:off x="2274509" y="2484184"/>
+            <a:ext cx="2332595" cy="307777"/>
+          </a:xfrm>
+          <a:prstGeom prst="rect">
+            <a:avLst/>
+          </a:prstGeom>
+          <a:ln w="19050">
+            <a:solidFill>
+              <a:schemeClr val="tx2">
+                <a:lumMod val="75000"/>
+              </a:schemeClr>
+            </a:solidFill>
+          </a:ln>
+          <a:effectLst/>
+        </p:spPr>
+        <p:style>
+          <a:lnRef idx="2">
+            <a:schemeClr val="accent5"/>
+          </a:lnRef>
+          <a:fillRef idx="1">
+            <a:schemeClr val="lt1"/>
+          </a:fillRef>
+          <a:effectRef idx="0">
+            <a:schemeClr val="accent5"/>
+          </a:effectRef>
+          <a:fontRef idx="minor">
+            <a:schemeClr val="dk1"/>
+          </a:fontRef>
+        </p:style>
+        <p:txBody>
+          <a:bodyPr wrap="square" rtlCol="0">
+            <a:spAutoFit/>
+          </a:bodyPr>
+          <a:lstStyle/>
+          <a:p>
+            <a:r>
+              <a:rPr lang="pt-BR" sz="1400" dirty="0" smtClean="0">
+                <a:solidFill>
+                  <a:schemeClr val="bg1">
+                    <a:lumMod val="75000"/>
+                  </a:schemeClr>
+                </a:solidFill>
+              </a:rPr>
+              <a:t>Nome</a:t>
+            </a:r>
+            <a:endParaRPr lang="pt-BR" sz="1600" dirty="0" smtClean="0">
+              <a:solidFill>
+                <a:schemeClr val="bg1">
+                  <a:lumMod val="75000"/>
+                </a:schemeClr>
+              </a:solidFill>
+            </a:endParaRPr>
+          </a:p>
+        </p:txBody>
+      </p:sp>
+      <p:sp>
+        <p:nvSpPr>
+          <p:cNvPr id="13" name="CaixaDeTexto 12"/>
+          <p:cNvSpPr txBox="1"/>
+          <p:nvPr/>
+        </p:nvSpPr>
+        <p:spPr>
+          <a:xfrm>
+            <a:off x="2058485" y="1671771"/>
+            <a:ext cx="1478931" cy="400110"/>
+          </a:xfrm>
+          <a:prstGeom prst="rect">
+            <a:avLst/>
+          </a:prstGeom>
+          <a:noFill/>
+        </p:spPr>
+        <p:txBody>
+          <a:bodyPr wrap="none" rtlCol="0">
+            <a:spAutoFit/>
+          </a:bodyPr>
+          <a:lstStyle/>
+          <a:p>
+            <a:r>
+              <a:rPr lang="pt-BR" sz="2000" dirty="0" smtClean="0">
+                <a:solidFill>
+                  <a:schemeClr val="tx2">
+                    <a:lumMod val="50000"/>
+                  </a:schemeClr>
+                </a:solidFill>
+                <a:latin typeface="+mj-lt"/>
+              </a:rPr>
+              <a:t>Informações</a:t>
+            </a:r>
+            <a:endParaRPr lang="pt-BR" sz="2800" dirty="0">
+              <a:solidFill>
+                <a:schemeClr val="tx2">
+                  <a:lumMod val="50000"/>
+                </a:schemeClr>
+              </a:solidFill>
+              <a:latin typeface="+mj-lt"/>
+            </a:endParaRPr>
+          </a:p>
+        </p:txBody>
+      </p:sp>
+      <p:sp>
+        <p:nvSpPr>
+          <p:cNvPr id="14" name="CaixaDeTexto 13"/>
+          <p:cNvSpPr txBox="1"/>
+          <p:nvPr/>
+        </p:nvSpPr>
+        <p:spPr>
+          <a:xfrm>
+            <a:off x="2202501" y="2196152"/>
+            <a:ext cx="1166297" cy="338554"/>
           </a:xfrm>
           <a:prstGeom prst="rect">
             <a:avLst/>
@@ -4363,43 +4736,432 @@
           <a:ln>
             <a:noFill/>
           </a:ln>
-          <a:extLst>
-            <a:ext uri="{909E8E84-426E-40DD-AFC4-6F175D3DCCD1}">
-              <a14:hiddenFill xmlns:a14="http://schemas.microsoft.com/office/drawing/2010/main">
-                <a:solidFill>
-                  <a:schemeClr val="accent1"/>
-                </a:solidFill>
-              </a14:hiddenFill>
-            </a:ext>
-            <a:ext uri="{91240B29-F687-4F45-9708-019B960494DF}">
-              <a14:hiddenLine xmlns:a14="http://schemas.microsoft.com/office/drawing/2010/main" w="9525">
-                <a:solidFill>
-                  <a:schemeClr val="tx1"/>
-                </a:solidFill>
-                <a:miter lim="800000"/>
-                <a:headEnd/>
-                <a:tailEnd/>
-              </a14:hiddenLine>
-            </a:ext>
-          </a:extLst>
-        </p:spPr>
-      </p:pic>
-      <p:sp>
-        <p:nvSpPr>
-          <p:cNvPr id="11" name="Retângulo 10"/>
+          <a:effectLst/>
+        </p:spPr>
+        <p:style>
+          <a:lnRef idx="2">
+            <a:schemeClr val="accent5"/>
+          </a:lnRef>
+          <a:fillRef idx="1">
+            <a:schemeClr val="lt1"/>
+          </a:fillRef>
+          <a:effectRef idx="0">
+            <a:schemeClr val="accent5"/>
+          </a:effectRef>
+          <a:fontRef idx="minor">
+            <a:schemeClr val="dk1"/>
+          </a:fontRef>
+        </p:style>
+        <p:txBody>
+          <a:bodyPr wrap="square" rtlCol="0">
+            <a:spAutoFit/>
+          </a:bodyPr>
+          <a:lstStyle/>
+          <a:p>
+            <a:r>
+              <a:rPr lang="pt-BR" sz="1600" dirty="0" smtClean="0">
+                <a:solidFill>
+                  <a:schemeClr val="tx2">
+                    <a:lumMod val="75000"/>
+                  </a:schemeClr>
+                </a:solidFill>
+              </a:rPr>
+              <a:t>Nome</a:t>
+            </a:r>
+            <a:endParaRPr lang="pt-BR" dirty="0" smtClean="0">
+              <a:solidFill>
+                <a:schemeClr val="tx2">
+                  <a:lumMod val="75000"/>
+                </a:schemeClr>
+              </a:solidFill>
+            </a:endParaRPr>
+          </a:p>
+        </p:txBody>
+      </p:sp>
+      <p:sp>
+        <p:nvSpPr>
+          <p:cNvPr id="16" name="CaixaDeTexto 15"/>
+          <p:cNvSpPr txBox="1"/>
+          <p:nvPr/>
+        </p:nvSpPr>
+        <p:spPr>
+          <a:xfrm>
+            <a:off x="2274509" y="3204264"/>
+            <a:ext cx="2332595" cy="307777"/>
+          </a:xfrm>
+          <a:prstGeom prst="rect">
+            <a:avLst/>
+          </a:prstGeom>
+          <a:ln w="19050">
+            <a:solidFill>
+              <a:schemeClr val="tx2">
+                <a:lumMod val="75000"/>
+              </a:schemeClr>
+            </a:solidFill>
+          </a:ln>
+          <a:effectLst/>
+        </p:spPr>
+        <p:style>
+          <a:lnRef idx="2">
+            <a:schemeClr val="accent5"/>
+          </a:lnRef>
+          <a:fillRef idx="1">
+            <a:schemeClr val="lt1"/>
+          </a:fillRef>
+          <a:effectRef idx="0">
+            <a:schemeClr val="accent5"/>
+          </a:effectRef>
+          <a:fontRef idx="minor">
+            <a:schemeClr val="dk1"/>
+          </a:fontRef>
+        </p:style>
+        <p:txBody>
+          <a:bodyPr wrap="square" rtlCol="0">
+            <a:spAutoFit/>
+          </a:bodyPr>
+          <a:lstStyle/>
+          <a:p>
+            <a:r>
+              <a:rPr lang="pt-BR" sz="1400" dirty="0" smtClean="0">
+                <a:solidFill>
+                  <a:schemeClr val="bg1">
+                    <a:lumMod val="75000"/>
+                  </a:schemeClr>
+                </a:solidFill>
+              </a:rPr>
+              <a:t>E-mail</a:t>
+            </a:r>
+            <a:endParaRPr lang="pt-BR" sz="1600" dirty="0" smtClean="0">
+              <a:solidFill>
+                <a:schemeClr val="bg1">
+                  <a:lumMod val="75000"/>
+                </a:schemeClr>
+              </a:solidFill>
+            </a:endParaRPr>
+          </a:p>
+        </p:txBody>
+      </p:sp>
+      <p:sp>
+        <p:nvSpPr>
+          <p:cNvPr id="17" name="CaixaDeTexto 16"/>
+          <p:cNvSpPr txBox="1"/>
+          <p:nvPr/>
+        </p:nvSpPr>
+        <p:spPr>
+          <a:xfrm>
+            <a:off x="2202501" y="2916232"/>
+            <a:ext cx="1166297" cy="338554"/>
+          </a:xfrm>
+          <a:prstGeom prst="rect">
+            <a:avLst/>
+          </a:prstGeom>
+          <a:noFill/>
+          <a:ln>
+            <a:noFill/>
+          </a:ln>
+          <a:effectLst/>
+        </p:spPr>
+        <p:style>
+          <a:lnRef idx="2">
+            <a:schemeClr val="accent5"/>
+          </a:lnRef>
+          <a:fillRef idx="1">
+            <a:schemeClr val="lt1"/>
+          </a:fillRef>
+          <a:effectRef idx="0">
+            <a:schemeClr val="accent5"/>
+          </a:effectRef>
+          <a:fontRef idx="minor">
+            <a:schemeClr val="dk1"/>
+          </a:fontRef>
+        </p:style>
+        <p:txBody>
+          <a:bodyPr wrap="square" rtlCol="0">
+            <a:spAutoFit/>
+          </a:bodyPr>
+          <a:lstStyle/>
+          <a:p>
+            <a:r>
+              <a:rPr lang="pt-BR" sz="1600" dirty="0" smtClean="0">
+                <a:solidFill>
+                  <a:schemeClr val="tx2">
+                    <a:lumMod val="75000"/>
+                  </a:schemeClr>
+                </a:solidFill>
+              </a:rPr>
+              <a:t>E-mail</a:t>
+            </a:r>
+            <a:endParaRPr lang="pt-BR" dirty="0" smtClean="0">
+              <a:solidFill>
+                <a:schemeClr val="tx2">
+                  <a:lumMod val="75000"/>
+                </a:schemeClr>
+              </a:solidFill>
+            </a:endParaRPr>
+          </a:p>
+        </p:txBody>
+      </p:sp>
+      <p:sp>
+        <p:nvSpPr>
+          <p:cNvPr id="18" name="CaixaDeTexto 17"/>
+          <p:cNvSpPr txBox="1"/>
+          <p:nvPr/>
+        </p:nvSpPr>
+        <p:spPr>
+          <a:xfrm>
+            <a:off x="2274509" y="3924344"/>
+            <a:ext cx="2332595" cy="307777"/>
+          </a:xfrm>
+          <a:prstGeom prst="rect">
+            <a:avLst/>
+          </a:prstGeom>
+          <a:ln w="19050">
+            <a:solidFill>
+              <a:schemeClr val="tx2">
+                <a:lumMod val="75000"/>
+              </a:schemeClr>
+            </a:solidFill>
+          </a:ln>
+          <a:effectLst/>
+        </p:spPr>
+        <p:style>
+          <a:lnRef idx="2">
+            <a:schemeClr val="accent5"/>
+          </a:lnRef>
+          <a:fillRef idx="1">
+            <a:schemeClr val="lt1"/>
+          </a:fillRef>
+          <a:effectRef idx="0">
+            <a:schemeClr val="accent5"/>
+          </a:effectRef>
+          <a:fontRef idx="minor">
+            <a:schemeClr val="dk1"/>
+          </a:fontRef>
+        </p:style>
+        <p:txBody>
+          <a:bodyPr wrap="square" rtlCol="0">
+            <a:spAutoFit/>
+          </a:bodyPr>
+          <a:lstStyle/>
+          <a:p>
+            <a:r>
+              <a:rPr lang="pt-BR" sz="1400" dirty="0" smtClean="0">
+                <a:solidFill>
+                  <a:schemeClr val="bg1">
+                    <a:lumMod val="75000"/>
+                  </a:schemeClr>
+                </a:solidFill>
+              </a:rPr>
+              <a:t>Senha</a:t>
+            </a:r>
+            <a:endParaRPr lang="pt-BR" sz="1600" dirty="0" smtClean="0">
+              <a:solidFill>
+                <a:schemeClr val="bg1">
+                  <a:lumMod val="75000"/>
+                </a:schemeClr>
+              </a:solidFill>
+            </a:endParaRPr>
+          </a:p>
+        </p:txBody>
+      </p:sp>
+      <p:sp>
+        <p:nvSpPr>
+          <p:cNvPr id="19" name="CaixaDeTexto 18"/>
+          <p:cNvSpPr txBox="1"/>
+          <p:nvPr/>
+        </p:nvSpPr>
+        <p:spPr>
+          <a:xfrm>
+            <a:off x="2202501" y="3636312"/>
+            <a:ext cx="1166297" cy="338554"/>
+          </a:xfrm>
+          <a:prstGeom prst="rect">
+            <a:avLst/>
+          </a:prstGeom>
+          <a:noFill/>
+          <a:ln>
+            <a:noFill/>
+          </a:ln>
+          <a:effectLst/>
+        </p:spPr>
+        <p:style>
+          <a:lnRef idx="2">
+            <a:schemeClr val="accent5"/>
+          </a:lnRef>
+          <a:fillRef idx="1">
+            <a:schemeClr val="lt1"/>
+          </a:fillRef>
+          <a:effectRef idx="0">
+            <a:schemeClr val="accent5"/>
+          </a:effectRef>
+          <a:fontRef idx="minor">
+            <a:schemeClr val="dk1"/>
+          </a:fontRef>
+        </p:style>
+        <p:txBody>
+          <a:bodyPr wrap="square" rtlCol="0">
+            <a:spAutoFit/>
+          </a:bodyPr>
+          <a:lstStyle/>
+          <a:p>
+            <a:r>
+              <a:rPr lang="pt-BR" sz="1600" dirty="0" smtClean="0">
+                <a:solidFill>
+                  <a:schemeClr val="tx2">
+                    <a:lumMod val="75000"/>
+                  </a:schemeClr>
+                </a:solidFill>
+              </a:rPr>
+              <a:t>Senha</a:t>
+            </a:r>
+            <a:endParaRPr lang="pt-BR" dirty="0" smtClean="0">
+              <a:solidFill>
+                <a:schemeClr val="tx2">
+                  <a:lumMod val="75000"/>
+                </a:schemeClr>
+              </a:solidFill>
+            </a:endParaRPr>
+          </a:p>
+        </p:txBody>
+      </p:sp>
+      <p:sp>
+        <p:nvSpPr>
+          <p:cNvPr id="21" name="CaixaDeTexto 20"/>
+          <p:cNvSpPr txBox="1"/>
+          <p:nvPr/>
+        </p:nvSpPr>
+        <p:spPr>
+          <a:xfrm>
+            <a:off x="5191244" y="2196152"/>
+            <a:ext cx="1166297" cy="338554"/>
+          </a:xfrm>
+          <a:prstGeom prst="rect">
+            <a:avLst/>
+          </a:prstGeom>
+          <a:noFill/>
+          <a:ln>
+            <a:noFill/>
+          </a:ln>
+          <a:effectLst/>
+        </p:spPr>
+        <p:style>
+          <a:lnRef idx="2">
+            <a:schemeClr val="accent5"/>
+          </a:lnRef>
+          <a:fillRef idx="1">
+            <a:schemeClr val="lt1"/>
+          </a:fillRef>
+          <a:effectRef idx="0">
+            <a:schemeClr val="accent5"/>
+          </a:effectRef>
+          <a:fontRef idx="minor">
+            <a:schemeClr val="dk1"/>
+          </a:fontRef>
+        </p:style>
+        <p:txBody>
+          <a:bodyPr wrap="square" rtlCol="0">
+            <a:spAutoFit/>
+          </a:bodyPr>
+          <a:lstStyle/>
+          <a:p>
+            <a:r>
+              <a:rPr lang="pt-BR" sz="1600" dirty="0" smtClean="0">
+                <a:solidFill>
+                  <a:schemeClr val="tx2">
+                    <a:lumMod val="75000"/>
+                  </a:schemeClr>
+                </a:solidFill>
+              </a:rPr>
+              <a:t>Faculdade</a:t>
+            </a:r>
+            <a:endParaRPr lang="pt-BR" dirty="0" smtClean="0">
+              <a:solidFill>
+                <a:schemeClr val="tx2">
+                  <a:lumMod val="75000"/>
+                </a:schemeClr>
+              </a:solidFill>
+            </a:endParaRPr>
+          </a:p>
+        </p:txBody>
+      </p:sp>
+      <p:sp>
+        <p:nvSpPr>
+          <p:cNvPr id="23" name="CaixaDeTexto 22"/>
+          <p:cNvSpPr txBox="1"/>
+          <p:nvPr/>
+        </p:nvSpPr>
+        <p:spPr>
+          <a:xfrm>
+            <a:off x="5209099" y="2922105"/>
+            <a:ext cx="1166297" cy="338554"/>
+          </a:xfrm>
+          <a:prstGeom prst="rect">
+            <a:avLst/>
+          </a:prstGeom>
+          <a:noFill/>
+          <a:ln>
+            <a:noFill/>
+          </a:ln>
+          <a:effectLst/>
+        </p:spPr>
+        <p:style>
+          <a:lnRef idx="2">
+            <a:schemeClr val="accent5"/>
+          </a:lnRef>
+          <a:fillRef idx="1">
+            <a:schemeClr val="lt1"/>
+          </a:fillRef>
+          <a:effectRef idx="0">
+            <a:schemeClr val="accent5"/>
+          </a:effectRef>
+          <a:fontRef idx="minor">
+            <a:schemeClr val="dk1"/>
+          </a:fontRef>
+        </p:style>
+        <p:txBody>
+          <a:bodyPr wrap="square" rtlCol="0">
+            <a:spAutoFit/>
+          </a:bodyPr>
+          <a:lstStyle/>
+          <a:p>
+            <a:r>
+              <a:rPr lang="pt-BR" sz="1600" dirty="0" smtClean="0">
+                <a:solidFill>
+                  <a:schemeClr val="tx2">
+                    <a:lumMod val="75000"/>
+                  </a:schemeClr>
+                </a:solidFill>
+              </a:rPr>
+              <a:t>Curso</a:t>
+            </a:r>
+            <a:endParaRPr lang="pt-BR" dirty="0" smtClean="0">
+              <a:solidFill>
+                <a:schemeClr val="tx2">
+                  <a:lumMod val="75000"/>
+                </a:schemeClr>
+              </a:solidFill>
+            </a:endParaRPr>
+          </a:p>
+        </p:txBody>
+      </p:sp>
+      <p:sp>
+        <p:nvSpPr>
+          <p:cNvPr id="24" name="Retângulo 23"/>
           <p:cNvSpPr/>
           <p:nvPr/>
         </p:nvSpPr>
         <p:spPr>
           <a:xfrm>
-            <a:off x="8105979" y="4859051"/>
-            <a:ext cx="797675" cy="410342"/>
+            <a:off x="2371119" y="5133071"/>
+            <a:ext cx="5716971" cy="36000"/>
           </a:xfrm>
           <a:prstGeom prst="rect">
             <a:avLst/>
           </a:prstGeom>
           <a:solidFill>
-            <a:srgbClr val="364150"/>
+            <a:schemeClr val="tx2">
+              <a:lumMod val="75000"/>
+            </a:schemeClr>
           </a:solidFill>
           <a:ln>
             <a:noFill/>
@@ -4426,17 +5188,207 @@
           <a:lstStyle/>
           <a:p>
             <a:pPr algn="ctr"/>
-            <a:r>
-              <a:rPr lang="pt-BR" sz="1400" dirty="0" smtClean="0"/>
-              <a:t>INICIAR</a:t>
-            </a:r>
-            <a:endParaRPr lang="pt-BR" sz="1400" dirty="0"/>
-          </a:p>
-        </p:txBody>
-      </p:sp>
-      <p:sp>
-        <p:nvSpPr>
-          <p:cNvPr id="13" name="CaixaDeTexto 12"/>
+            <a:endParaRPr lang="pt-BR"/>
+          </a:p>
+        </p:txBody>
+      </p:sp>
+      <p:sp>
+        <p:nvSpPr>
+          <p:cNvPr id="25" name="Elipse 24"/>
+          <p:cNvSpPr/>
+          <p:nvPr/>
+        </p:nvSpPr>
+        <p:spPr>
+          <a:xfrm>
+            <a:off x="5072937" y="5033411"/>
+            <a:ext cx="144016" cy="144016"/>
+          </a:xfrm>
+          <a:prstGeom prst="ellipse">
+            <a:avLst/>
+          </a:prstGeom>
+          <a:solidFill>
+            <a:srgbClr val="0070C0"/>
+          </a:solidFill>
+          <a:ln>
+            <a:noFill/>
+          </a:ln>
+        </p:spPr>
+        <p:style>
+          <a:lnRef idx="2">
+            <a:schemeClr val="accent1">
+              <a:shade val="50000"/>
+            </a:schemeClr>
+          </a:lnRef>
+          <a:fillRef idx="1">
+            <a:schemeClr val="accent1"/>
+          </a:fillRef>
+          <a:effectRef idx="0">
+            <a:schemeClr val="accent1"/>
+          </a:effectRef>
+          <a:fontRef idx="minor">
+            <a:schemeClr val="lt1"/>
+          </a:fontRef>
+        </p:style>
+        <p:txBody>
+          <a:bodyPr rtlCol="0" anchor="ctr"/>
+          <a:lstStyle/>
+          <a:p>
+            <a:pPr algn="ctr"/>
+            <a:endParaRPr lang="pt-BR"/>
+          </a:p>
+        </p:txBody>
+      </p:sp>
+      <p:sp>
+        <p:nvSpPr>
+          <p:cNvPr id="26" name="CaixaDeTexto 25"/>
+          <p:cNvSpPr txBox="1"/>
+          <p:nvPr/>
+        </p:nvSpPr>
+        <p:spPr>
+          <a:xfrm>
+            <a:off x="5144945" y="4816450"/>
+            <a:ext cx="583814" cy="369332"/>
+          </a:xfrm>
+          <a:prstGeom prst="rect">
+            <a:avLst/>
+          </a:prstGeom>
+          <a:noFill/>
+        </p:spPr>
+        <p:txBody>
+          <a:bodyPr wrap="none" rtlCol="0">
+            <a:spAutoFit/>
+          </a:bodyPr>
+          <a:lstStyle/>
+          <a:p>
+            <a:r>
+              <a:rPr lang="pt-BR" dirty="0" smtClean="0">
+                <a:solidFill>
+                  <a:schemeClr val="tx2">
+                    <a:lumMod val="50000"/>
+                  </a:schemeClr>
+                </a:solidFill>
+                <a:latin typeface="+mj-lt"/>
+              </a:rPr>
+              <a:t>50%</a:t>
+            </a:r>
+            <a:endParaRPr lang="pt-BR" dirty="0">
+              <a:solidFill>
+                <a:schemeClr val="tx2">
+                  <a:lumMod val="50000"/>
+                </a:schemeClr>
+              </a:solidFill>
+              <a:latin typeface="+mj-lt"/>
+            </a:endParaRPr>
+          </a:p>
+        </p:txBody>
+      </p:sp>
+      <p:sp>
+        <p:nvSpPr>
+          <p:cNvPr id="28" name="CaixaDeTexto 27"/>
+          <p:cNvSpPr txBox="1"/>
+          <p:nvPr/>
+        </p:nvSpPr>
+        <p:spPr>
+          <a:xfrm>
+            <a:off x="6649069" y="4583025"/>
+            <a:ext cx="1431739" cy="307777"/>
+          </a:xfrm>
+          <a:prstGeom prst="rect">
+            <a:avLst/>
+          </a:prstGeom>
+          <a:solidFill>
+            <a:schemeClr val="tx2">
+              <a:lumMod val="75000"/>
+            </a:schemeClr>
+          </a:solidFill>
+        </p:spPr>
+        <p:txBody>
+          <a:bodyPr wrap="none" rtlCol="0">
+            <a:spAutoFit/>
+          </a:bodyPr>
+          <a:lstStyle/>
+          <a:p>
+            <a:r>
+              <a:rPr lang="pt-BR" sz="1400" dirty="0" smtClean="0">
+                <a:solidFill>
+                  <a:schemeClr val="bg1"/>
+                </a:solidFill>
+                <a:latin typeface="+mj-lt"/>
+              </a:rPr>
+              <a:t>Salvar Alterações</a:t>
+            </a:r>
+            <a:endParaRPr lang="pt-BR" dirty="0">
+              <a:solidFill>
+                <a:schemeClr val="bg1"/>
+              </a:solidFill>
+              <a:latin typeface="+mj-lt"/>
+            </a:endParaRPr>
+          </a:p>
+        </p:txBody>
+      </p:sp>
+      <p:sp>
+        <p:nvSpPr>
+          <p:cNvPr id="29" name="CaixaDeTexto 28"/>
+          <p:cNvSpPr txBox="1"/>
+          <p:nvPr/>
+        </p:nvSpPr>
+        <p:spPr>
+          <a:xfrm>
+            <a:off x="2371119" y="4744687"/>
+            <a:ext cx="1166297" cy="338554"/>
+          </a:xfrm>
+          <a:prstGeom prst="rect">
+            <a:avLst/>
+          </a:prstGeom>
+          <a:noFill/>
+          <a:ln>
+            <a:noFill/>
+          </a:ln>
+          <a:effectLst/>
+        </p:spPr>
+        <p:style>
+          <a:lnRef idx="2">
+            <a:schemeClr val="accent5"/>
+          </a:lnRef>
+          <a:fillRef idx="1">
+            <a:schemeClr val="lt1"/>
+          </a:fillRef>
+          <a:effectRef idx="0">
+            <a:schemeClr val="accent5"/>
+          </a:effectRef>
+          <a:fontRef idx="minor">
+            <a:schemeClr val="dk1"/>
+          </a:fontRef>
+        </p:style>
+        <p:txBody>
+          <a:bodyPr wrap="square" rtlCol="0">
+            <a:spAutoFit/>
+          </a:bodyPr>
+          <a:lstStyle/>
+          <a:p>
+            <a:r>
+              <a:rPr lang="pt-BR" sz="1600" dirty="0" smtClean="0">
+                <a:solidFill>
+                  <a:schemeClr val="tx2">
+                    <a:lumMod val="75000"/>
+                  </a:schemeClr>
+                </a:solidFill>
+              </a:rPr>
+              <a:t>Progresso</a:t>
+            </a:r>
+            <a:endParaRPr lang="pt-BR" dirty="0" smtClean="0">
+              <a:solidFill>
+                <a:schemeClr val="tx2">
+                  <a:lumMod val="75000"/>
+                </a:schemeClr>
+              </a:solidFill>
+            </a:endParaRPr>
+          </a:p>
+        </p:txBody>
+      </p:sp>
+      <p:sp>
+        <p:nvSpPr>
+          <p:cNvPr id="31" name="CaixaDeTexto 30"/>
           <p:cNvSpPr txBox="1"/>
           <p:nvPr/>
         </p:nvSpPr>
@@ -4476,10 +5428,236 @@
           </a:p>
         </p:txBody>
       </p:sp>
+      <p:sp>
+        <p:nvSpPr>
+          <p:cNvPr id="27" name="CaixaDeTexto 26"/>
+          <p:cNvSpPr txBox="1"/>
+          <p:nvPr/>
+        </p:nvSpPr>
+        <p:spPr>
+          <a:xfrm>
+            <a:off x="5268576" y="2480477"/>
+            <a:ext cx="1878193" cy="307777"/>
+          </a:xfrm>
+          <a:prstGeom prst="rect">
+            <a:avLst/>
+          </a:prstGeom>
+          <a:ln w="19050">
+            <a:solidFill>
+              <a:schemeClr val="tx2">
+                <a:lumMod val="75000"/>
+              </a:schemeClr>
+            </a:solidFill>
+          </a:ln>
+          <a:effectLst/>
+        </p:spPr>
+        <p:style>
+          <a:lnRef idx="2">
+            <a:schemeClr val="accent5"/>
+          </a:lnRef>
+          <a:fillRef idx="1">
+            <a:schemeClr val="lt1"/>
+          </a:fillRef>
+          <a:effectRef idx="0">
+            <a:schemeClr val="accent5"/>
+          </a:effectRef>
+          <a:fontRef idx="minor">
+            <a:schemeClr val="dk1"/>
+          </a:fontRef>
+        </p:style>
+        <p:txBody>
+          <a:bodyPr wrap="square" rtlCol="0">
+            <a:spAutoFit/>
+          </a:bodyPr>
+          <a:lstStyle/>
+          <a:p>
+            <a:r>
+              <a:rPr lang="pt-BR" sz="1400" dirty="0" smtClean="0">
+                <a:solidFill>
+                  <a:schemeClr val="tx1">
+                    <a:lumMod val="65000"/>
+                    <a:lumOff val="35000"/>
+                  </a:schemeClr>
+                </a:solidFill>
+              </a:rPr>
+              <a:t>Faculdade</a:t>
+            </a:r>
+            <a:endParaRPr lang="pt-BR" sz="1600" dirty="0" smtClean="0">
+              <a:solidFill>
+                <a:schemeClr val="tx1">
+                  <a:lumMod val="65000"/>
+                  <a:lumOff val="35000"/>
+                </a:schemeClr>
+              </a:solidFill>
+            </a:endParaRPr>
+          </a:p>
+        </p:txBody>
+      </p:sp>
+      <p:sp>
+        <p:nvSpPr>
+          <p:cNvPr id="30" name="Triângulo isósceles 29"/>
+          <p:cNvSpPr/>
+          <p:nvPr/>
+        </p:nvSpPr>
+        <p:spPr>
+          <a:xfrm rot="10800000">
+            <a:off x="6840454" y="2579678"/>
+            <a:ext cx="196414" cy="97269"/>
+          </a:xfrm>
+          <a:prstGeom prst="triangle">
+            <a:avLst/>
+          </a:prstGeom>
+          <a:solidFill>
+            <a:schemeClr val="tx2">
+              <a:lumMod val="50000"/>
+            </a:schemeClr>
+          </a:solidFill>
+          <a:ln>
+            <a:noFill/>
+          </a:ln>
+        </p:spPr>
+        <p:style>
+          <a:lnRef idx="2">
+            <a:schemeClr val="accent1">
+              <a:shade val="50000"/>
+            </a:schemeClr>
+          </a:lnRef>
+          <a:fillRef idx="1">
+            <a:schemeClr val="accent1"/>
+          </a:fillRef>
+          <a:effectRef idx="0">
+            <a:schemeClr val="accent1"/>
+          </a:effectRef>
+          <a:fontRef idx="minor">
+            <a:schemeClr val="lt1"/>
+          </a:fontRef>
+        </p:style>
+        <p:txBody>
+          <a:bodyPr rtlCol="0" anchor="ctr"/>
+          <a:lstStyle/>
+          <a:p>
+            <a:pPr algn="ctr"/>
+            <a:endParaRPr lang="pt-BR"/>
+          </a:p>
+        </p:txBody>
+      </p:sp>
+      <p:sp>
+        <p:nvSpPr>
+          <p:cNvPr id="32" name="CaixaDeTexto 31"/>
+          <p:cNvSpPr txBox="1"/>
+          <p:nvPr/>
+        </p:nvSpPr>
+        <p:spPr>
+          <a:xfrm>
+            <a:off x="5271568" y="3199402"/>
+            <a:ext cx="1872208" cy="307777"/>
+          </a:xfrm>
+          <a:prstGeom prst="rect">
+            <a:avLst/>
+          </a:prstGeom>
+          <a:ln w="19050">
+            <a:solidFill>
+              <a:schemeClr val="tx2">
+                <a:lumMod val="75000"/>
+              </a:schemeClr>
+            </a:solidFill>
+          </a:ln>
+          <a:effectLst/>
+        </p:spPr>
+        <p:style>
+          <a:lnRef idx="2">
+            <a:schemeClr val="accent5"/>
+          </a:lnRef>
+          <a:fillRef idx="1">
+            <a:schemeClr val="lt1"/>
+          </a:fillRef>
+          <a:effectRef idx="0">
+            <a:schemeClr val="accent5"/>
+          </a:effectRef>
+          <a:fontRef idx="minor">
+            <a:schemeClr val="dk1"/>
+          </a:fontRef>
+        </p:style>
+        <p:txBody>
+          <a:bodyPr wrap="square" rtlCol="0">
+            <a:spAutoFit/>
+          </a:bodyPr>
+          <a:lstStyle/>
+          <a:p>
+            <a:r>
+              <a:rPr lang="pt-BR" sz="1400" dirty="0" smtClean="0">
+                <a:solidFill>
+                  <a:schemeClr val="tx1">
+                    <a:lumMod val="65000"/>
+                    <a:lumOff val="35000"/>
+                  </a:schemeClr>
+                </a:solidFill>
+              </a:rPr>
+              <a:t>Curso</a:t>
+            </a:r>
+            <a:endParaRPr lang="pt-BR" sz="1600" dirty="0" smtClean="0">
+              <a:solidFill>
+                <a:schemeClr val="tx1">
+                  <a:lumMod val="65000"/>
+                  <a:lumOff val="35000"/>
+                </a:schemeClr>
+              </a:solidFill>
+            </a:endParaRPr>
+          </a:p>
+        </p:txBody>
+      </p:sp>
+      <p:sp>
+        <p:nvSpPr>
+          <p:cNvPr id="33" name="Triângulo isósceles 32"/>
+          <p:cNvSpPr/>
+          <p:nvPr/>
+        </p:nvSpPr>
+        <p:spPr>
+          <a:xfrm rot="10800000">
+            <a:off x="6821369" y="3285051"/>
+            <a:ext cx="196414" cy="97269"/>
+          </a:xfrm>
+          <a:prstGeom prst="triangle">
+            <a:avLst/>
+          </a:prstGeom>
+          <a:solidFill>
+            <a:schemeClr val="tx2">
+              <a:lumMod val="50000"/>
+            </a:schemeClr>
+          </a:solidFill>
+          <a:ln>
+            <a:noFill/>
+          </a:ln>
+        </p:spPr>
+        <p:style>
+          <a:lnRef idx="2">
+            <a:schemeClr val="accent1">
+              <a:shade val="50000"/>
+            </a:schemeClr>
+          </a:lnRef>
+          <a:fillRef idx="1">
+            <a:schemeClr val="accent1"/>
+          </a:fillRef>
+          <a:effectRef idx="0">
+            <a:schemeClr val="accent1"/>
+          </a:effectRef>
+          <a:fontRef idx="minor">
+            <a:schemeClr val="lt1"/>
+          </a:fontRef>
+        </p:style>
+        <p:txBody>
+          <a:bodyPr rtlCol="0" anchor="ctr"/>
+          <a:lstStyle/>
+          <a:p>
+            <a:pPr algn="ctr"/>
+            <a:endParaRPr lang="pt-BR"/>
+          </a:p>
+        </p:txBody>
+      </p:sp>
     </p:spTree>
     <p:extLst>
       <p:ext uri="{BB962C8B-B14F-4D97-AF65-F5344CB8AC3E}">
-        <p14:creationId xmlns:p14="http://schemas.microsoft.com/office/powerpoint/2010/main" val="2009971738"/>
+        <p14:creationId xmlns:p14="http://schemas.microsoft.com/office/powerpoint/2010/main" val="170276056"/>
       </p:ext>
     </p:extLst>
   </p:cSld>
@@ -4545,13 +5723,66 @@
       </p:pic>
       <p:sp>
         <p:nvSpPr>
-          <p:cNvPr id="5" name="CaixaDeTexto 4"/>
+          <p:cNvPr id="8" name="CaixaDeTexto 7"/>
           <p:cNvSpPr txBox="1"/>
           <p:nvPr/>
         </p:nvSpPr>
         <p:spPr>
           <a:xfrm>
             <a:off x="0" y="1783849"/>
+            <a:ext cx="1360800" cy="307777"/>
+          </a:xfrm>
+          <a:prstGeom prst="rect">
+            <a:avLst/>
+          </a:prstGeom>
+          <a:solidFill>
+            <a:srgbClr val="364150"/>
+          </a:solidFill>
+        </p:spPr>
+        <p:txBody>
+          <a:bodyPr wrap="square" rtlCol="0">
+            <a:spAutoFit/>
+          </a:bodyPr>
+          <a:lstStyle/>
+          <a:p>
+            <a:r>
+              <a:rPr lang="pt-BR" sz="1400" dirty="0" smtClean="0">
+                <a:solidFill>
+                  <a:schemeClr val="bg1">
+                    <a:lumMod val="95000"/>
+                  </a:schemeClr>
+                </a:solidFill>
+                <a:latin typeface="+mj-lt"/>
+              </a:rPr>
+              <a:t>     </a:t>
+            </a:r>
+            <a:r>
+              <a:rPr lang="pt-BR" sz="1400" dirty="0" smtClean="0">
+                <a:solidFill>
+                  <a:schemeClr val="bg1"/>
+                </a:solidFill>
+                <a:latin typeface="+mj-lt"/>
+              </a:rPr>
+              <a:t>Meu Perfil</a:t>
+            </a:r>
+            <a:endParaRPr lang="pt-BR" sz="1400" dirty="0">
+              <a:solidFill>
+                <a:schemeClr val="bg1"/>
+              </a:solidFill>
+              <a:latin typeface="+mj-lt"/>
+            </a:endParaRPr>
+          </a:p>
+        </p:txBody>
+      </p:sp>
+      <p:sp>
+        <p:nvSpPr>
+          <p:cNvPr id="9" name="CaixaDeTexto 8"/>
+          <p:cNvSpPr txBox="1"/>
+          <p:nvPr/>
+        </p:nvSpPr>
+        <p:spPr>
+          <a:xfrm>
+            <a:off x="0" y="2071881"/>
             <a:ext cx="1360800" cy="307777"/>
           </a:xfrm>
           <a:prstGeom prst="rect">
@@ -4570,26 +5801,15 @@
           <a:lstStyle/>
           <a:p>
             <a:r>
-              <a:rPr lang="pt-BR" sz="1200" dirty="0" smtClean="0">
-                <a:solidFill>
-                  <a:schemeClr val="bg1">
-                    <a:lumMod val="95000"/>
-                  </a:schemeClr>
+              <a:rPr lang="pt-BR" sz="1400" dirty="0" smtClean="0">
+                <a:solidFill>
+                  <a:schemeClr val="bg1"/>
                 </a:solidFill>
                 <a:latin typeface="+mj-lt"/>
               </a:rPr>
-              <a:t>     </a:t>
-            </a:r>
-            <a:r>
-              <a:rPr lang="pt-BR" sz="1400" dirty="0" smtClean="0">
-                <a:solidFill>
-                  <a:schemeClr val="bg1"/>
-                </a:solidFill>
-                <a:latin typeface="+mj-lt"/>
-              </a:rPr>
-              <a:t>Avaliação</a:t>
-            </a:r>
-            <a:endParaRPr lang="pt-BR" sz="1200" dirty="0">
+              <a:t>     Jogar</a:t>
+            </a:r>
+            <a:endParaRPr lang="pt-BR" sz="1400" dirty="0">
               <a:solidFill>
                 <a:schemeClr val="bg1"/>
               </a:solidFill>
@@ -4598,255 +5818,31 @@
           </a:p>
         </p:txBody>
       </p:sp>
-      <p:sp>
-        <p:nvSpPr>
-          <p:cNvPr id="7" name="CaixaDeTexto 6"/>
-          <p:cNvSpPr txBox="1"/>
-          <p:nvPr/>
-        </p:nvSpPr>
-        <p:spPr>
-          <a:xfrm>
-            <a:off x="1835697" y="2041103"/>
-            <a:ext cx="1872208" cy="307777"/>
-          </a:xfrm>
-          <a:prstGeom prst="rect">
-            <a:avLst/>
-          </a:prstGeom>
-          <a:ln w="19050">
-            <a:solidFill>
-              <a:schemeClr val="tx2">
-                <a:lumMod val="75000"/>
-              </a:schemeClr>
-            </a:solidFill>
-          </a:ln>
-          <a:effectLst/>
-        </p:spPr>
-        <p:style>
-          <a:lnRef idx="2">
-            <a:schemeClr val="accent5"/>
-          </a:lnRef>
-          <a:fillRef idx="1">
-            <a:schemeClr val="lt1"/>
-          </a:fillRef>
-          <a:effectRef idx="0">
-            <a:schemeClr val="accent5"/>
-          </a:effectRef>
-          <a:fontRef idx="minor">
-            <a:schemeClr val="dk1"/>
-          </a:fontRef>
-        </p:style>
-        <p:txBody>
-          <a:bodyPr wrap="square" rtlCol="0">
-            <a:spAutoFit/>
-          </a:bodyPr>
-          <a:lstStyle/>
-          <a:p>
-            <a:r>
-              <a:rPr lang="pt-BR" sz="1400" dirty="0" smtClean="0">
-                <a:solidFill>
-                  <a:schemeClr val="tx1">
-                    <a:lumMod val="65000"/>
-                    <a:lumOff val="35000"/>
-                  </a:schemeClr>
-                </a:solidFill>
-              </a:rPr>
-              <a:t>Faculdade</a:t>
-            </a:r>
-            <a:endParaRPr lang="pt-BR" sz="1600" dirty="0" smtClean="0">
-              <a:solidFill>
-                <a:schemeClr val="tx1">
-                  <a:lumMod val="65000"/>
-                  <a:lumOff val="35000"/>
-                </a:schemeClr>
-              </a:solidFill>
-            </a:endParaRPr>
-          </a:p>
-        </p:txBody>
-      </p:sp>
-      <p:sp>
-        <p:nvSpPr>
-          <p:cNvPr id="8" name="CaixaDeTexto 7"/>
-          <p:cNvSpPr txBox="1"/>
-          <p:nvPr/>
-        </p:nvSpPr>
-        <p:spPr>
-          <a:xfrm>
-            <a:off x="2123728" y="1588730"/>
-            <a:ext cx="1171090" cy="400110"/>
-          </a:xfrm>
-          <a:prstGeom prst="rect">
-            <a:avLst/>
-          </a:prstGeom>
-          <a:noFill/>
-        </p:spPr>
-        <p:txBody>
-          <a:bodyPr wrap="none" rtlCol="0">
-            <a:spAutoFit/>
-          </a:bodyPr>
-          <a:lstStyle/>
-          <a:p>
-            <a:r>
-              <a:rPr lang="pt-BR" sz="2000" dirty="0" smtClean="0">
-                <a:solidFill>
-                  <a:schemeClr val="tx2">
-                    <a:lumMod val="50000"/>
-                  </a:schemeClr>
-                </a:solidFill>
-                <a:latin typeface="+mj-lt"/>
-              </a:rPr>
-              <a:t>Avaliação</a:t>
-            </a:r>
-            <a:endParaRPr lang="pt-BR" sz="2800" dirty="0">
-              <a:solidFill>
-                <a:schemeClr val="tx2">
-                  <a:lumMod val="50000"/>
-                </a:schemeClr>
-              </a:solidFill>
-              <a:latin typeface="+mj-lt"/>
-            </a:endParaRPr>
-          </a:p>
-        </p:txBody>
-      </p:sp>
-      <p:sp>
-        <p:nvSpPr>
-          <p:cNvPr id="10" name="CaixaDeTexto 9"/>
-          <p:cNvSpPr txBox="1"/>
-          <p:nvPr/>
-        </p:nvSpPr>
-        <p:spPr>
-          <a:xfrm>
-            <a:off x="3851920" y="2041103"/>
-            <a:ext cx="1872208" cy="307777"/>
-          </a:xfrm>
-          <a:prstGeom prst="rect">
-            <a:avLst/>
-          </a:prstGeom>
-          <a:ln w="19050">
-            <a:solidFill>
-              <a:schemeClr val="tx2">
-                <a:lumMod val="75000"/>
-              </a:schemeClr>
-            </a:solidFill>
-          </a:ln>
-          <a:effectLst/>
-        </p:spPr>
-        <p:style>
-          <a:lnRef idx="2">
-            <a:schemeClr val="accent5"/>
-          </a:lnRef>
-          <a:fillRef idx="1">
-            <a:schemeClr val="lt1"/>
-          </a:fillRef>
-          <a:effectRef idx="0">
-            <a:schemeClr val="accent5"/>
-          </a:effectRef>
-          <a:fontRef idx="minor">
-            <a:schemeClr val="dk1"/>
-          </a:fontRef>
-        </p:style>
-        <p:txBody>
-          <a:bodyPr wrap="square" rtlCol="0">
-            <a:spAutoFit/>
-          </a:bodyPr>
-          <a:lstStyle/>
-          <a:p>
-            <a:r>
-              <a:rPr lang="pt-BR" sz="1400" dirty="0" smtClean="0">
-                <a:solidFill>
-                  <a:schemeClr val="tx1">
-                    <a:lumMod val="65000"/>
-                    <a:lumOff val="35000"/>
-                  </a:schemeClr>
-                </a:solidFill>
-              </a:rPr>
-              <a:t>Curso</a:t>
-            </a:r>
-            <a:endParaRPr lang="pt-BR" sz="1600" dirty="0" smtClean="0">
-              <a:solidFill>
-                <a:schemeClr val="tx1">
-                  <a:lumMod val="65000"/>
-                  <a:lumOff val="35000"/>
-                </a:schemeClr>
-              </a:solidFill>
-            </a:endParaRPr>
-          </a:p>
-        </p:txBody>
-      </p:sp>
-      <p:sp>
-        <p:nvSpPr>
-          <p:cNvPr id="11" name="CaixaDeTexto 10"/>
-          <p:cNvSpPr txBox="1"/>
-          <p:nvPr/>
-        </p:nvSpPr>
-        <p:spPr>
-          <a:xfrm>
-            <a:off x="5868144" y="2041103"/>
-            <a:ext cx="1152128" cy="307777"/>
-          </a:xfrm>
-          <a:prstGeom prst="rect">
-            <a:avLst/>
-          </a:prstGeom>
-          <a:ln w="19050">
-            <a:solidFill>
-              <a:schemeClr val="tx2">
-                <a:lumMod val="75000"/>
-              </a:schemeClr>
-            </a:solidFill>
-          </a:ln>
-          <a:effectLst/>
-        </p:spPr>
-        <p:style>
-          <a:lnRef idx="2">
-            <a:schemeClr val="accent5"/>
-          </a:lnRef>
-          <a:fillRef idx="1">
-            <a:schemeClr val="lt1"/>
-          </a:fillRef>
-          <a:effectRef idx="0">
-            <a:schemeClr val="accent5"/>
-          </a:effectRef>
-          <a:fontRef idx="minor">
-            <a:schemeClr val="dk1"/>
-          </a:fontRef>
-        </p:style>
-        <p:txBody>
-          <a:bodyPr wrap="square" rtlCol="0">
-            <a:spAutoFit/>
-          </a:bodyPr>
-          <a:lstStyle/>
-          <a:p>
-            <a:r>
-              <a:rPr lang="pt-BR" sz="1400" dirty="0" smtClean="0">
-                <a:solidFill>
-                  <a:schemeClr val="tx1">
-                    <a:lumMod val="65000"/>
-                    <a:lumOff val="35000"/>
-                  </a:schemeClr>
-                </a:solidFill>
-              </a:rPr>
-              <a:t>Ano</a:t>
-            </a:r>
-            <a:endParaRPr lang="pt-BR" sz="1600" dirty="0" smtClean="0">
-              <a:solidFill>
-                <a:schemeClr val="tx1">
-                  <a:lumMod val="65000"/>
-                  <a:lumOff val="35000"/>
-                </a:schemeClr>
-              </a:solidFill>
-            </a:endParaRPr>
-          </a:p>
-        </p:txBody>
-      </p:sp>
-      <p:sp>
-        <p:nvSpPr>
-          <p:cNvPr id="15" name="CaixaDeTexto 14"/>
-          <p:cNvSpPr txBox="1"/>
-          <p:nvPr/>
-        </p:nvSpPr>
-        <p:spPr>
-          <a:xfrm>
-            <a:off x="7351975" y="1891571"/>
-            <a:ext cx="1238305" cy="338554"/>
+      <p:pic>
+        <p:nvPicPr>
+          <p:cNvPr id="2050" name="Picture 2"/>
+          <p:cNvPicPr>
+            <a:picLocks noChangeAspect="1" noChangeArrowheads="1"/>
+          </p:cNvPicPr>
+          <p:nvPr/>
+        </p:nvPicPr>
+        <p:blipFill>
+          <a:blip r:embed="rId3">
+            <a:extLst>
+              <a:ext uri="{28A0092B-C50C-407E-A947-70E740481C1C}">
+                <a14:useLocalDpi xmlns:a14="http://schemas.microsoft.com/office/drawing/2010/main" val="0"/>
+              </a:ext>
+            </a:extLst>
+          </a:blip>
+          <a:srcRect/>
+          <a:stretch>
+            <a:fillRect/>
+          </a:stretch>
+        </p:blipFill>
+        <p:spPr bwMode="auto">
+          <a:xfrm>
+            <a:off x="1360800" y="1420709"/>
+            <a:ext cx="7783200" cy="4166737"/>
           </a:xfrm>
           <a:prstGeom prst="rect">
             <a:avLst/>
@@ -4855,65 +5851,46 @@
           <a:ln>
             <a:noFill/>
           </a:ln>
-          <a:effectLst/>
-        </p:spPr>
-        <p:style>
-          <a:lnRef idx="2">
-            <a:schemeClr val="accent5"/>
-          </a:lnRef>
-          <a:fillRef idx="1">
-            <a:schemeClr val="lt1"/>
-          </a:fillRef>
-          <a:effectRef idx="0">
-            <a:schemeClr val="accent5"/>
-          </a:effectRef>
-          <a:fontRef idx="minor">
-            <a:schemeClr val="dk1"/>
-          </a:fontRef>
-        </p:style>
-        <p:txBody>
-          <a:bodyPr wrap="square" rtlCol="0">
-            <a:spAutoFit/>
-          </a:bodyPr>
-          <a:lstStyle/>
-          <a:p>
-            <a:r>
-              <a:rPr lang="pt-BR" sz="1600" dirty="0" smtClean="0">
-                <a:solidFill>
-                  <a:srgbClr val="364150"/>
-                </a:solidFill>
-              </a:rPr>
-              <a:t>1º Semestre</a:t>
-            </a:r>
-            <a:endParaRPr lang="pt-BR" dirty="0" smtClean="0">
-              <a:solidFill>
-                <a:srgbClr val="364150"/>
-              </a:solidFill>
-            </a:endParaRPr>
-          </a:p>
-        </p:txBody>
-      </p:sp>
-      <p:sp>
-        <p:nvSpPr>
-          <p:cNvPr id="12" name="Elipse 11"/>
+          <a:extLst>
+            <a:ext uri="{909E8E84-426E-40DD-AFC4-6F175D3DCCD1}">
+              <a14:hiddenFill xmlns:a14="http://schemas.microsoft.com/office/drawing/2010/main">
+                <a:solidFill>
+                  <a:schemeClr val="accent1"/>
+                </a:solidFill>
+              </a14:hiddenFill>
+            </a:ext>
+            <a:ext uri="{91240B29-F687-4F45-9708-019B960494DF}">
+              <a14:hiddenLine xmlns:a14="http://schemas.microsoft.com/office/drawing/2010/main" w="9525">
+                <a:solidFill>
+                  <a:schemeClr val="tx1"/>
+                </a:solidFill>
+                <a:miter lim="800000"/>
+                <a:headEnd/>
+                <a:tailEnd/>
+              </a14:hiddenLine>
+            </a:ext>
+          </a:extLst>
+        </p:spPr>
+      </p:pic>
+      <p:sp>
+        <p:nvSpPr>
+          <p:cNvPr id="11" name="Retângulo 10"/>
           <p:cNvSpPr/>
           <p:nvPr/>
         </p:nvSpPr>
         <p:spPr>
           <a:xfrm>
-            <a:off x="7222128" y="1988840"/>
-            <a:ext cx="144016" cy="144016"/>
-          </a:xfrm>
-          <a:prstGeom prst="ellipse">
+            <a:off x="8105979" y="4859051"/>
+            <a:ext cx="797675" cy="410342"/>
+          </a:xfrm>
+          <a:prstGeom prst="rect">
             <a:avLst/>
           </a:prstGeom>
           <a:solidFill>
             <a:srgbClr val="364150"/>
           </a:solidFill>
-          <a:ln w="19050">
-            <a:solidFill>
-              <a:srgbClr val="364150"/>
-            </a:solidFill>
+          <a:ln>
+            <a:noFill/>
           </a:ln>
         </p:spPr>
         <p:style>
@@ -4937,26 +5914,519 @@
           <a:lstStyle/>
           <a:p>
             <a:pPr algn="ctr"/>
-            <a:endParaRPr lang="pt-BR"/>
-          </a:p>
-        </p:txBody>
-      </p:sp>
-      <p:sp>
-        <p:nvSpPr>
-          <p:cNvPr id="13" name="Elipse 12"/>
+            <a:r>
+              <a:rPr lang="pt-BR" sz="1400" dirty="0" smtClean="0"/>
+              <a:t>INICIAR</a:t>
+            </a:r>
+            <a:endParaRPr lang="pt-BR" sz="1400" dirty="0"/>
+          </a:p>
+        </p:txBody>
+      </p:sp>
+      <p:sp>
+        <p:nvSpPr>
+          <p:cNvPr id="13" name="CaixaDeTexto 12"/>
+          <p:cNvSpPr txBox="1"/>
+          <p:nvPr/>
+        </p:nvSpPr>
+        <p:spPr>
+          <a:xfrm>
+            <a:off x="0" y="2379658"/>
+            <a:ext cx="1360800" cy="307777"/>
+          </a:xfrm>
+          <a:prstGeom prst="rect">
+            <a:avLst/>
+          </a:prstGeom>
+          <a:solidFill>
+            <a:srgbClr val="364150"/>
+          </a:solidFill>
+        </p:spPr>
+        <p:txBody>
+          <a:bodyPr wrap="square" rtlCol="0">
+            <a:spAutoFit/>
+          </a:bodyPr>
+          <a:lstStyle/>
+          <a:p>
+            <a:r>
+              <a:rPr lang="pt-BR" sz="1400" dirty="0" smtClean="0">
+                <a:solidFill>
+                  <a:schemeClr val="bg1"/>
+                </a:solidFill>
+                <a:latin typeface="+mj-lt"/>
+              </a:rPr>
+              <a:t>     Sair</a:t>
+            </a:r>
+            <a:endParaRPr lang="pt-BR" sz="1400" dirty="0">
+              <a:solidFill>
+                <a:schemeClr val="bg1"/>
+              </a:solidFill>
+              <a:latin typeface="+mj-lt"/>
+            </a:endParaRPr>
+          </a:p>
+        </p:txBody>
+      </p:sp>
+      <p:sp>
+        <p:nvSpPr>
+          <p:cNvPr id="2" name="CaixaDeTexto 1"/>
+          <p:cNvSpPr txBox="1"/>
+          <p:nvPr/>
+        </p:nvSpPr>
+        <p:spPr>
+          <a:xfrm>
+            <a:off x="6604709" y="0"/>
+            <a:ext cx="2560995" cy="369332"/>
+          </a:xfrm>
+          <a:prstGeom prst="rect">
+            <a:avLst/>
+          </a:prstGeom>
+          <a:noFill/>
+        </p:spPr>
+        <p:txBody>
+          <a:bodyPr wrap="square" rtlCol="0">
+            <a:spAutoFit/>
+          </a:bodyPr>
+          <a:lstStyle/>
+          <a:p>
+            <a:r>
+              <a:rPr lang="pt-BR" dirty="0" smtClean="0"/>
+              <a:t>Tela principal do aluno.</a:t>
+            </a:r>
+            <a:endParaRPr lang="pt-BR" dirty="0"/>
+          </a:p>
+        </p:txBody>
+      </p:sp>
+    </p:spTree>
+    <p:extLst>
+      <p:ext uri="{BB962C8B-B14F-4D97-AF65-F5344CB8AC3E}">
+        <p14:creationId xmlns:p14="http://schemas.microsoft.com/office/powerpoint/2010/main" val="2009971738"/>
+      </p:ext>
+    </p:extLst>
+  </p:cSld>
+  <p:clrMapOvr>
+    <a:masterClrMapping/>
+  </p:clrMapOvr>
+  <p:timing>
+    <p:tnLst>
+      <p:par>
+        <p:cTn id="1" dur="indefinite" restart="never" nodeType="tmRoot"/>
+      </p:par>
+    </p:tnLst>
+  </p:timing>
+</p:sld>
+</file>
+
+<file path=ppt/slides/slide4.xml><?xml version="1.0" encoding="utf-8"?>
+<p:sld xmlns:a="http://schemas.openxmlformats.org/drawingml/2006/main" xmlns:r="http://schemas.openxmlformats.org/officeDocument/2006/relationships" xmlns:p="http://schemas.openxmlformats.org/presentationml/2006/main">
+  <p:cSld>
+    <p:spTree>
+      <p:nvGrpSpPr>
+        <p:cNvPr id="1" name=""/>
+        <p:cNvGrpSpPr/>
+        <p:nvPr/>
+      </p:nvGrpSpPr>
+      <p:grpSpPr>
+        <a:xfrm>
+          <a:off x="0" y="0"/>
+          <a:ext cx="0" cy="0"/>
+          <a:chOff x="0" y="0"/>
+          <a:chExt cx="0" cy="0"/>
+        </a:xfrm>
+      </p:grpSpPr>
+      <p:pic>
+        <p:nvPicPr>
+          <p:cNvPr id="4" name="Imagem 3"/>
+          <p:cNvPicPr>
+            <a:picLocks noChangeAspect="1"/>
+          </p:cNvPicPr>
+          <p:nvPr/>
+        </p:nvPicPr>
+        <p:blipFill>
+          <a:blip r:embed="rId2">
+            <a:extLst>
+              <a:ext uri="{28A0092B-C50C-407E-A947-70E740481C1C}">
+                <a14:useLocalDpi xmlns:a14="http://schemas.microsoft.com/office/drawing/2010/main" val="0"/>
+              </a:ext>
+            </a:extLst>
+          </a:blip>
+          <a:stretch>
+            <a:fillRect/>
+          </a:stretch>
+        </p:blipFill>
+        <p:spPr>
+          <a:xfrm>
+            <a:off x="0" y="1121256"/>
+            <a:ext cx="9144000" cy="4615487"/>
+          </a:xfrm>
+          <a:prstGeom prst="rect">
+            <a:avLst/>
+          </a:prstGeom>
+        </p:spPr>
+      </p:pic>
+      <p:sp>
+        <p:nvSpPr>
+          <p:cNvPr id="5" name="CaixaDeTexto 4"/>
+          <p:cNvSpPr txBox="1"/>
+          <p:nvPr/>
+        </p:nvSpPr>
+        <p:spPr>
+          <a:xfrm>
+            <a:off x="0" y="1783849"/>
+            <a:ext cx="1360800" cy="307777"/>
+          </a:xfrm>
+          <a:prstGeom prst="rect">
+            <a:avLst/>
+          </a:prstGeom>
+          <a:solidFill>
+            <a:schemeClr val="accent5">
+              <a:lumMod val="50000"/>
+            </a:schemeClr>
+          </a:solidFill>
+        </p:spPr>
+        <p:txBody>
+          <a:bodyPr wrap="square" rtlCol="0">
+            <a:spAutoFit/>
+          </a:bodyPr>
+          <a:lstStyle/>
+          <a:p>
+            <a:r>
+              <a:rPr lang="pt-BR" sz="1200" dirty="0" smtClean="0">
+                <a:solidFill>
+                  <a:schemeClr val="bg1">
+                    <a:lumMod val="95000"/>
+                  </a:schemeClr>
+                </a:solidFill>
+                <a:latin typeface="+mj-lt"/>
+              </a:rPr>
+              <a:t>     </a:t>
+            </a:r>
+            <a:r>
+              <a:rPr lang="pt-BR" sz="1400" dirty="0" smtClean="0">
+                <a:solidFill>
+                  <a:schemeClr val="bg1"/>
+                </a:solidFill>
+                <a:latin typeface="+mj-lt"/>
+              </a:rPr>
+              <a:t>Avaliação</a:t>
+            </a:r>
+            <a:endParaRPr lang="pt-BR" sz="1200" dirty="0">
+              <a:solidFill>
+                <a:schemeClr val="bg1"/>
+              </a:solidFill>
+              <a:latin typeface="+mj-lt"/>
+            </a:endParaRPr>
+          </a:p>
+        </p:txBody>
+      </p:sp>
+      <p:sp>
+        <p:nvSpPr>
+          <p:cNvPr id="7" name="CaixaDeTexto 6"/>
+          <p:cNvSpPr txBox="1"/>
+          <p:nvPr/>
+        </p:nvSpPr>
+        <p:spPr>
+          <a:xfrm>
+            <a:off x="1835697" y="2041103"/>
+            <a:ext cx="1872208" cy="307777"/>
+          </a:xfrm>
+          <a:prstGeom prst="rect">
+            <a:avLst/>
+          </a:prstGeom>
+          <a:ln w="19050">
+            <a:solidFill>
+              <a:schemeClr val="tx2">
+                <a:lumMod val="75000"/>
+              </a:schemeClr>
+            </a:solidFill>
+          </a:ln>
+          <a:effectLst/>
+        </p:spPr>
+        <p:style>
+          <a:lnRef idx="2">
+            <a:schemeClr val="accent5"/>
+          </a:lnRef>
+          <a:fillRef idx="1">
+            <a:schemeClr val="lt1"/>
+          </a:fillRef>
+          <a:effectRef idx="0">
+            <a:schemeClr val="accent5"/>
+          </a:effectRef>
+          <a:fontRef idx="minor">
+            <a:schemeClr val="dk1"/>
+          </a:fontRef>
+        </p:style>
+        <p:txBody>
+          <a:bodyPr wrap="square" rtlCol="0">
+            <a:spAutoFit/>
+          </a:bodyPr>
+          <a:lstStyle/>
+          <a:p>
+            <a:r>
+              <a:rPr lang="pt-BR" sz="1400" dirty="0" smtClean="0">
+                <a:solidFill>
+                  <a:schemeClr val="tx1">
+                    <a:lumMod val="65000"/>
+                    <a:lumOff val="35000"/>
+                  </a:schemeClr>
+                </a:solidFill>
+              </a:rPr>
+              <a:t>Faculdade</a:t>
+            </a:r>
+            <a:endParaRPr lang="pt-BR" sz="1600" dirty="0" smtClean="0">
+              <a:solidFill>
+                <a:schemeClr val="tx1">
+                  <a:lumMod val="65000"/>
+                  <a:lumOff val="35000"/>
+                </a:schemeClr>
+              </a:solidFill>
+            </a:endParaRPr>
+          </a:p>
+        </p:txBody>
+      </p:sp>
+      <p:sp>
+        <p:nvSpPr>
+          <p:cNvPr id="8" name="CaixaDeTexto 7"/>
+          <p:cNvSpPr txBox="1"/>
+          <p:nvPr/>
+        </p:nvSpPr>
+        <p:spPr>
+          <a:xfrm>
+            <a:off x="2123728" y="1588730"/>
+            <a:ext cx="1171090" cy="400110"/>
+          </a:xfrm>
+          <a:prstGeom prst="rect">
+            <a:avLst/>
+          </a:prstGeom>
+          <a:noFill/>
+        </p:spPr>
+        <p:txBody>
+          <a:bodyPr wrap="none" rtlCol="0">
+            <a:spAutoFit/>
+          </a:bodyPr>
+          <a:lstStyle/>
+          <a:p>
+            <a:r>
+              <a:rPr lang="pt-BR" sz="2000" dirty="0" smtClean="0">
+                <a:solidFill>
+                  <a:schemeClr val="tx2">
+                    <a:lumMod val="50000"/>
+                  </a:schemeClr>
+                </a:solidFill>
+                <a:latin typeface="+mj-lt"/>
+              </a:rPr>
+              <a:t>Avaliação</a:t>
+            </a:r>
+            <a:endParaRPr lang="pt-BR" sz="2800" dirty="0">
+              <a:solidFill>
+                <a:schemeClr val="tx2">
+                  <a:lumMod val="50000"/>
+                </a:schemeClr>
+              </a:solidFill>
+              <a:latin typeface="+mj-lt"/>
+            </a:endParaRPr>
+          </a:p>
+        </p:txBody>
+      </p:sp>
+      <p:sp>
+        <p:nvSpPr>
+          <p:cNvPr id="10" name="CaixaDeTexto 9"/>
+          <p:cNvSpPr txBox="1"/>
+          <p:nvPr/>
+        </p:nvSpPr>
+        <p:spPr>
+          <a:xfrm>
+            <a:off x="3851920" y="2041103"/>
+            <a:ext cx="1872208" cy="307777"/>
+          </a:xfrm>
+          <a:prstGeom prst="rect">
+            <a:avLst/>
+          </a:prstGeom>
+          <a:ln w="19050">
+            <a:solidFill>
+              <a:schemeClr val="tx2">
+                <a:lumMod val="75000"/>
+              </a:schemeClr>
+            </a:solidFill>
+          </a:ln>
+          <a:effectLst/>
+        </p:spPr>
+        <p:style>
+          <a:lnRef idx="2">
+            <a:schemeClr val="accent5"/>
+          </a:lnRef>
+          <a:fillRef idx="1">
+            <a:schemeClr val="lt1"/>
+          </a:fillRef>
+          <a:effectRef idx="0">
+            <a:schemeClr val="accent5"/>
+          </a:effectRef>
+          <a:fontRef idx="minor">
+            <a:schemeClr val="dk1"/>
+          </a:fontRef>
+        </p:style>
+        <p:txBody>
+          <a:bodyPr wrap="square" rtlCol="0">
+            <a:spAutoFit/>
+          </a:bodyPr>
+          <a:lstStyle/>
+          <a:p>
+            <a:r>
+              <a:rPr lang="pt-BR" sz="1400" dirty="0" smtClean="0">
+                <a:solidFill>
+                  <a:schemeClr val="tx1">
+                    <a:lumMod val="65000"/>
+                    <a:lumOff val="35000"/>
+                  </a:schemeClr>
+                </a:solidFill>
+              </a:rPr>
+              <a:t>Curso</a:t>
+            </a:r>
+            <a:endParaRPr lang="pt-BR" sz="1600" dirty="0" smtClean="0">
+              <a:solidFill>
+                <a:schemeClr val="tx1">
+                  <a:lumMod val="65000"/>
+                  <a:lumOff val="35000"/>
+                </a:schemeClr>
+              </a:solidFill>
+            </a:endParaRPr>
+          </a:p>
+        </p:txBody>
+      </p:sp>
+      <p:sp>
+        <p:nvSpPr>
+          <p:cNvPr id="11" name="CaixaDeTexto 10"/>
+          <p:cNvSpPr txBox="1"/>
+          <p:nvPr/>
+        </p:nvSpPr>
+        <p:spPr>
+          <a:xfrm>
+            <a:off x="5868144" y="2041103"/>
+            <a:ext cx="1152128" cy="307777"/>
+          </a:xfrm>
+          <a:prstGeom prst="rect">
+            <a:avLst/>
+          </a:prstGeom>
+          <a:ln w="19050">
+            <a:solidFill>
+              <a:schemeClr val="tx2">
+                <a:lumMod val="75000"/>
+              </a:schemeClr>
+            </a:solidFill>
+          </a:ln>
+          <a:effectLst/>
+        </p:spPr>
+        <p:style>
+          <a:lnRef idx="2">
+            <a:schemeClr val="accent5"/>
+          </a:lnRef>
+          <a:fillRef idx="1">
+            <a:schemeClr val="lt1"/>
+          </a:fillRef>
+          <a:effectRef idx="0">
+            <a:schemeClr val="accent5"/>
+          </a:effectRef>
+          <a:fontRef idx="minor">
+            <a:schemeClr val="dk1"/>
+          </a:fontRef>
+        </p:style>
+        <p:txBody>
+          <a:bodyPr wrap="square" rtlCol="0">
+            <a:spAutoFit/>
+          </a:bodyPr>
+          <a:lstStyle/>
+          <a:p>
+            <a:r>
+              <a:rPr lang="pt-BR" sz="1400" dirty="0" smtClean="0">
+                <a:solidFill>
+                  <a:schemeClr val="tx1">
+                    <a:lumMod val="65000"/>
+                    <a:lumOff val="35000"/>
+                  </a:schemeClr>
+                </a:solidFill>
+              </a:rPr>
+              <a:t>Ano</a:t>
+            </a:r>
+            <a:endParaRPr lang="pt-BR" sz="1600" dirty="0" smtClean="0">
+              <a:solidFill>
+                <a:schemeClr val="tx1">
+                  <a:lumMod val="65000"/>
+                  <a:lumOff val="35000"/>
+                </a:schemeClr>
+              </a:solidFill>
+            </a:endParaRPr>
+          </a:p>
+        </p:txBody>
+      </p:sp>
+      <p:sp>
+        <p:nvSpPr>
+          <p:cNvPr id="15" name="CaixaDeTexto 14"/>
+          <p:cNvSpPr txBox="1"/>
+          <p:nvPr/>
+        </p:nvSpPr>
+        <p:spPr>
+          <a:xfrm>
+            <a:off x="7351975" y="1891571"/>
+            <a:ext cx="1238305" cy="338554"/>
+          </a:xfrm>
+          <a:prstGeom prst="rect">
+            <a:avLst/>
+          </a:prstGeom>
+          <a:noFill/>
+          <a:ln>
+            <a:noFill/>
+          </a:ln>
+          <a:effectLst/>
+        </p:spPr>
+        <p:style>
+          <a:lnRef idx="2">
+            <a:schemeClr val="accent5"/>
+          </a:lnRef>
+          <a:fillRef idx="1">
+            <a:schemeClr val="lt1"/>
+          </a:fillRef>
+          <a:effectRef idx="0">
+            <a:schemeClr val="accent5"/>
+          </a:effectRef>
+          <a:fontRef idx="minor">
+            <a:schemeClr val="dk1"/>
+          </a:fontRef>
+        </p:style>
+        <p:txBody>
+          <a:bodyPr wrap="square" rtlCol="0">
+            <a:spAutoFit/>
+          </a:bodyPr>
+          <a:lstStyle/>
+          <a:p>
+            <a:r>
+              <a:rPr lang="pt-BR" sz="1600" dirty="0" smtClean="0">
+                <a:solidFill>
+                  <a:srgbClr val="364150"/>
+                </a:solidFill>
+              </a:rPr>
+              <a:t>1º Semestre</a:t>
+            </a:r>
+            <a:endParaRPr lang="pt-BR" dirty="0" smtClean="0">
+              <a:solidFill>
+                <a:srgbClr val="364150"/>
+              </a:solidFill>
+            </a:endParaRPr>
+          </a:p>
+        </p:txBody>
+      </p:sp>
+      <p:sp>
+        <p:nvSpPr>
+          <p:cNvPr id="12" name="Elipse 11"/>
           <p:cNvSpPr/>
           <p:nvPr/>
         </p:nvSpPr>
         <p:spPr>
           <a:xfrm>
-            <a:off x="7222128" y="2187819"/>
+            <a:off x="7222128" y="1988840"/>
             <a:ext cx="144016" cy="144016"/>
           </a:xfrm>
           <a:prstGeom prst="ellipse">
             <a:avLst/>
           </a:prstGeom>
           <a:solidFill>
-            <a:schemeClr val="bg1"/>
+            <a:srgbClr val="364150"/>
           </a:solidFill>
           <a:ln w="19050">
             <a:solidFill>
@@ -4991,72 +6461,16 @@
       </p:sp>
       <p:sp>
         <p:nvSpPr>
-          <p:cNvPr id="16" name="CaixaDeTexto 15"/>
-          <p:cNvSpPr txBox="1"/>
-          <p:nvPr/>
-        </p:nvSpPr>
-        <p:spPr>
-          <a:xfrm>
-            <a:off x="7366143" y="2082334"/>
-            <a:ext cx="1238305" cy="338554"/>
-          </a:xfrm>
-          <a:prstGeom prst="rect">
-            <a:avLst/>
-          </a:prstGeom>
-          <a:noFill/>
-          <a:ln>
-            <a:noFill/>
-          </a:ln>
-          <a:effectLst/>
-        </p:spPr>
-        <p:style>
-          <a:lnRef idx="2">
-            <a:schemeClr val="accent5"/>
-          </a:lnRef>
-          <a:fillRef idx="1">
-            <a:schemeClr val="lt1"/>
-          </a:fillRef>
-          <a:effectRef idx="0">
-            <a:schemeClr val="accent5"/>
-          </a:effectRef>
-          <a:fontRef idx="minor">
-            <a:schemeClr val="dk1"/>
-          </a:fontRef>
-        </p:style>
-        <p:txBody>
-          <a:bodyPr wrap="square" rtlCol="0">
-            <a:spAutoFit/>
-          </a:bodyPr>
-          <a:lstStyle/>
-          <a:p>
-            <a:r>
-              <a:rPr lang="pt-BR" sz="1600" dirty="0" smtClean="0">
-                <a:solidFill>
-                  <a:srgbClr val="364150"/>
-                </a:solidFill>
-              </a:rPr>
-              <a:t>2º Semestre</a:t>
-            </a:r>
-            <a:endParaRPr lang="pt-BR" dirty="0" smtClean="0">
-              <a:solidFill>
-                <a:srgbClr val="364150"/>
-              </a:solidFill>
-            </a:endParaRPr>
-          </a:p>
-        </p:txBody>
-      </p:sp>
-      <p:sp>
-        <p:nvSpPr>
-          <p:cNvPr id="17" name="Retângulo 16"/>
+          <p:cNvPr id="13" name="Elipse 12"/>
           <p:cNvSpPr/>
           <p:nvPr/>
         </p:nvSpPr>
         <p:spPr>
           <a:xfrm>
-            <a:off x="1835696" y="2509941"/>
-            <a:ext cx="5184575" cy="2719259"/>
-          </a:xfrm>
-          <a:prstGeom prst="rect">
+            <a:off x="7222128" y="2187819"/>
+            <a:ext cx="144016" cy="144016"/>
+          </a:xfrm>
+          <a:prstGeom prst="ellipse">
             <a:avLst/>
           </a:prstGeom>
           <a:solidFill>
@@ -5095,24 +6509,21 @@
       </p:sp>
       <p:sp>
         <p:nvSpPr>
-          <p:cNvPr id="18" name="CaixaDeTexto 17"/>
+          <p:cNvPr id="16" name="CaixaDeTexto 15"/>
           <p:cNvSpPr txBox="1"/>
           <p:nvPr/>
         </p:nvSpPr>
         <p:spPr>
           <a:xfrm>
-            <a:off x="2915817" y="2510167"/>
-            <a:ext cx="3024336" cy="307777"/>
-          </a:xfrm>
-          <a:prstGeom prst="rect">
-            <a:avLst/>
-          </a:prstGeom>
-          <a:ln w="19050">
-            <a:solidFill>
-              <a:schemeClr val="tx2">
-                <a:lumMod val="75000"/>
-              </a:schemeClr>
-            </a:solidFill>
+            <a:off x="7366143" y="2082334"/>
+            <a:ext cx="1238305" cy="338554"/>
+          </a:xfrm>
+          <a:prstGeom prst="rect">
+            <a:avLst/>
+          </a:prstGeom>
+          <a:noFill/>
+          <a:ln>
+            <a:noFill/>
           </a:ln>
           <a:effectLst/>
         </p:spPr>
@@ -5137,20 +6548,16 @@
           <a:lstStyle/>
           <a:p>
             <a:r>
-              <a:rPr lang="pt-BR" sz="1400" dirty="0" smtClean="0">
-                <a:solidFill>
-                  <a:schemeClr val="tx2">
-                    <a:lumMod val="75000"/>
-                  </a:schemeClr>
+              <a:rPr lang="pt-BR" sz="1600" dirty="0" smtClean="0">
+                <a:solidFill>
+                  <a:srgbClr val="364150"/>
                 </a:solidFill>
               </a:rPr>
-              <a:t>Nome</a:t>
-            </a:r>
-            <a:endParaRPr lang="pt-BR" sz="1600" dirty="0" smtClean="0">
+              <a:t>2º Semestre</a:t>
+            </a:r>
+            <a:endParaRPr lang="pt-BR" dirty="0" smtClean="0">
               <a:solidFill>
-                <a:schemeClr val="tx2">
-                  <a:lumMod val="75000"/>
-                </a:schemeClr>
+                <a:srgbClr val="364150"/>
               </a:solidFill>
             </a:endParaRPr>
           </a:p>
@@ -5158,976 +6565,25 @@
       </p:sp>
       <p:sp>
         <p:nvSpPr>
-          <p:cNvPr id="19" name="CaixaDeTexto 18"/>
-          <p:cNvSpPr txBox="1"/>
-          <p:nvPr/>
-        </p:nvSpPr>
-        <p:spPr>
-          <a:xfrm>
-            <a:off x="5940153" y="2510167"/>
-            <a:ext cx="1080119" cy="307777"/>
-          </a:xfrm>
-          <a:prstGeom prst="rect">
-            <a:avLst/>
-          </a:prstGeom>
-          <a:ln w="19050">
-            <a:solidFill>
-              <a:schemeClr val="tx2">
-                <a:lumMod val="75000"/>
-              </a:schemeClr>
-            </a:solidFill>
-          </a:ln>
-          <a:effectLst/>
-        </p:spPr>
-        <p:style>
-          <a:lnRef idx="2">
-            <a:schemeClr val="accent5"/>
-          </a:lnRef>
-          <a:fillRef idx="1">
-            <a:schemeClr val="lt1"/>
-          </a:fillRef>
-          <a:effectRef idx="0">
-            <a:schemeClr val="accent5"/>
-          </a:effectRef>
-          <a:fontRef idx="minor">
-            <a:schemeClr val="dk1"/>
-          </a:fontRef>
-        </p:style>
-        <p:txBody>
-          <a:bodyPr wrap="square" rtlCol="0">
-            <a:spAutoFit/>
-          </a:bodyPr>
-          <a:lstStyle/>
-          <a:p>
-            <a:r>
-              <a:rPr lang="pt-BR" sz="1400" dirty="0" smtClean="0">
-                <a:solidFill>
-                  <a:schemeClr val="tx2">
-                    <a:lumMod val="75000"/>
-                  </a:schemeClr>
-                </a:solidFill>
-              </a:rPr>
-              <a:t>Situação</a:t>
-            </a:r>
-            <a:endParaRPr lang="pt-BR" sz="1600" dirty="0" smtClean="0">
-              <a:solidFill>
-                <a:schemeClr val="tx2">
-                  <a:lumMod val="75000"/>
-                </a:schemeClr>
-              </a:solidFill>
-            </a:endParaRPr>
-          </a:p>
-        </p:txBody>
-      </p:sp>
-      <p:sp>
-        <p:nvSpPr>
-          <p:cNvPr id="20" name="CaixaDeTexto 19"/>
-          <p:cNvSpPr txBox="1"/>
-          <p:nvPr/>
-        </p:nvSpPr>
-        <p:spPr>
-          <a:xfrm>
-            <a:off x="1835696" y="2510167"/>
-            <a:ext cx="1080120" cy="307777"/>
-          </a:xfrm>
-          <a:prstGeom prst="rect">
-            <a:avLst/>
-          </a:prstGeom>
-          <a:ln w="19050">
-            <a:solidFill>
-              <a:schemeClr val="tx2">
-                <a:lumMod val="75000"/>
-              </a:schemeClr>
-            </a:solidFill>
-          </a:ln>
-          <a:effectLst/>
-        </p:spPr>
-        <p:style>
-          <a:lnRef idx="2">
-            <a:schemeClr val="accent5"/>
-          </a:lnRef>
-          <a:fillRef idx="1">
-            <a:schemeClr val="lt1"/>
-          </a:fillRef>
-          <a:effectRef idx="0">
-            <a:schemeClr val="accent5"/>
-          </a:effectRef>
-          <a:fontRef idx="minor">
-            <a:schemeClr val="dk1"/>
-          </a:fontRef>
-        </p:style>
-        <p:txBody>
-          <a:bodyPr wrap="square" rtlCol="0">
-            <a:spAutoFit/>
-          </a:bodyPr>
-          <a:lstStyle/>
-          <a:p>
-            <a:r>
-              <a:rPr lang="pt-BR" sz="1400" dirty="0" smtClean="0">
-                <a:solidFill>
-                  <a:schemeClr val="tx2">
-                    <a:lumMod val="75000"/>
-                  </a:schemeClr>
-                </a:solidFill>
-              </a:rPr>
-              <a:t>RA</a:t>
-            </a:r>
-            <a:endParaRPr lang="pt-BR" sz="1600" dirty="0" smtClean="0">
-              <a:solidFill>
-                <a:schemeClr val="tx2">
-                  <a:lumMod val="75000"/>
-                </a:schemeClr>
-              </a:solidFill>
-            </a:endParaRPr>
-          </a:p>
-        </p:txBody>
-      </p:sp>
-      <p:sp>
-        <p:nvSpPr>
-          <p:cNvPr id="21" name="CaixaDeTexto 20"/>
-          <p:cNvSpPr txBox="1"/>
-          <p:nvPr/>
-        </p:nvSpPr>
-        <p:spPr>
-          <a:xfrm>
-            <a:off x="2915818" y="2816303"/>
-            <a:ext cx="3024336" cy="276999"/>
+          <p:cNvPr id="17" name="Retângulo 16"/>
+          <p:cNvSpPr/>
+          <p:nvPr/>
+        </p:nvSpPr>
+        <p:spPr>
+          <a:xfrm>
+            <a:off x="1835696" y="2509941"/>
+            <a:ext cx="5184575" cy="2719259"/>
           </a:xfrm>
           <a:prstGeom prst="rect">
             <a:avLst/>
           </a:prstGeom>
           <a:solidFill>
-            <a:schemeClr val="bg1">
-              <a:lumMod val="95000"/>
-            </a:schemeClr>
+            <a:schemeClr val="bg1"/>
           </a:solidFill>
           <a:ln w="19050">
             <a:solidFill>
-              <a:schemeClr val="tx2">
-                <a:lumMod val="75000"/>
-              </a:schemeClr>
+              <a:srgbClr val="364150"/>
             </a:solidFill>
-          </a:ln>
-          <a:effectLst/>
-        </p:spPr>
-        <p:style>
-          <a:lnRef idx="2">
-            <a:schemeClr val="accent5"/>
-          </a:lnRef>
-          <a:fillRef idx="1">
-            <a:schemeClr val="lt1"/>
-          </a:fillRef>
-          <a:effectRef idx="0">
-            <a:schemeClr val="accent5"/>
-          </a:effectRef>
-          <a:fontRef idx="minor">
-            <a:schemeClr val="dk1"/>
-          </a:fontRef>
-        </p:style>
-        <p:txBody>
-          <a:bodyPr wrap="square" rtlCol="0">
-            <a:spAutoFit/>
-          </a:bodyPr>
-          <a:lstStyle/>
-          <a:p>
-            <a:r>
-              <a:rPr lang="pt-BR" sz="1200" dirty="0" smtClean="0">
-                <a:solidFill>
-                  <a:schemeClr val="tx2">
-                    <a:lumMod val="75000"/>
-                  </a:schemeClr>
-                </a:solidFill>
-              </a:rPr>
-              <a:t>Fernando</a:t>
-            </a:r>
-            <a:endParaRPr lang="pt-BR" sz="1600" dirty="0" smtClean="0">
-              <a:solidFill>
-                <a:schemeClr val="tx2">
-                  <a:lumMod val="75000"/>
-                </a:schemeClr>
-              </a:solidFill>
-            </a:endParaRPr>
-          </a:p>
-        </p:txBody>
-      </p:sp>
-      <p:sp>
-        <p:nvSpPr>
-          <p:cNvPr id="22" name="CaixaDeTexto 21"/>
-          <p:cNvSpPr txBox="1"/>
-          <p:nvPr/>
-        </p:nvSpPr>
-        <p:spPr>
-          <a:xfrm>
-            <a:off x="5940154" y="2813444"/>
-            <a:ext cx="1080118" cy="276999"/>
-          </a:xfrm>
-          <a:prstGeom prst="rect">
-            <a:avLst/>
-          </a:prstGeom>
-          <a:solidFill>
-            <a:schemeClr val="bg1">
-              <a:lumMod val="95000"/>
-            </a:schemeClr>
-          </a:solidFill>
-          <a:ln w="19050">
-            <a:solidFill>
-              <a:schemeClr val="tx2">
-                <a:lumMod val="75000"/>
-              </a:schemeClr>
-            </a:solidFill>
-          </a:ln>
-          <a:effectLst/>
-        </p:spPr>
-        <p:style>
-          <a:lnRef idx="2">
-            <a:schemeClr val="accent5"/>
-          </a:lnRef>
-          <a:fillRef idx="1">
-            <a:schemeClr val="lt1"/>
-          </a:fillRef>
-          <a:effectRef idx="0">
-            <a:schemeClr val="accent5"/>
-          </a:effectRef>
-          <a:fontRef idx="minor">
-            <a:schemeClr val="dk1"/>
-          </a:fontRef>
-        </p:style>
-        <p:txBody>
-          <a:bodyPr wrap="square" rtlCol="0">
-            <a:spAutoFit/>
-          </a:bodyPr>
-          <a:lstStyle/>
-          <a:p>
-            <a:r>
-              <a:rPr lang="pt-BR" sz="1200" dirty="0" smtClean="0">
-                <a:solidFill>
-                  <a:srgbClr val="00B050"/>
-                </a:solidFill>
-              </a:rPr>
-              <a:t>Avaliado</a:t>
-            </a:r>
-            <a:endParaRPr lang="pt-BR" sz="1600" dirty="0" smtClean="0">
-              <a:solidFill>
-                <a:srgbClr val="00B050"/>
-              </a:solidFill>
-            </a:endParaRPr>
-          </a:p>
-        </p:txBody>
-      </p:sp>
-      <p:sp>
-        <p:nvSpPr>
-          <p:cNvPr id="23" name="CaixaDeTexto 22"/>
-          <p:cNvSpPr txBox="1"/>
-          <p:nvPr/>
-        </p:nvSpPr>
-        <p:spPr>
-          <a:xfrm>
-            <a:off x="1835697" y="2816304"/>
-            <a:ext cx="1080120" cy="276999"/>
-          </a:xfrm>
-          <a:prstGeom prst="rect">
-            <a:avLst/>
-          </a:prstGeom>
-          <a:solidFill>
-            <a:schemeClr val="bg1">
-              <a:lumMod val="95000"/>
-            </a:schemeClr>
-          </a:solidFill>
-          <a:ln w="19050">
-            <a:solidFill>
-              <a:schemeClr val="tx2">
-                <a:lumMod val="75000"/>
-              </a:schemeClr>
-            </a:solidFill>
-          </a:ln>
-          <a:effectLst/>
-        </p:spPr>
-        <p:style>
-          <a:lnRef idx="2">
-            <a:schemeClr val="accent5"/>
-          </a:lnRef>
-          <a:fillRef idx="1">
-            <a:schemeClr val="lt1"/>
-          </a:fillRef>
-          <a:effectRef idx="0">
-            <a:schemeClr val="accent5"/>
-          </a:effectRef>
-          <a:fontRef idx="minor">
-            <a:schemeClr val="dk1"/>
-          </a:fontRef>
-        </p:style>
-        <p:txBody>
-          <a:bodyPr wrap="square" rtlCol="0">
-            <a:spAutoFit/>
-          </a:bodyPr>
-          <a:lstStyle/>
-          <a:p>
-            <a:r>
-              <a:rPr lang="pt-BR" sz="1200" dirty="0" smtClean="0">
-                <a:solidFill>
-                  <a:schemeClr val="tx2">
-                    <a:lumMod val="75000"/>
-                  </a:schemeClr>
-                </a:solidFill>
-              </a:rPr>
-              <a:t>201613382</a:t>
-            </a:r>
-            <a:endParaRPr lang="pt-BR" sz="1600" dirty="0" smtClean="0">
-              <a:solidFill>
-                <a:schemeClr val="tx2">
-                  <a:lumMod val="75000"/>
-                </a:schemeClr>
-              </a:solidFill>
-            </a:endParaRPr>
-          </a:p>
-        </p:txBody>
-      </p:sp>
-      <p:sp>
-        <p:nvSpPr>
-          <p:cNvPr id="24" name="CaixaDeTexto 23"/>
-          <p:cNvSpPr txBox="1"/>
-          <p:nvPr/>
-        </p:nvSpPr>
-        <p:spPr>
-          <a:xfrm>
-            <a:off x="2915812" y="3093815"/>
-            <a:ext cx="3024339" cy="276999"/>
-          </a:xfrm>
-          <a:prstGeom prst="rect">
-            <a:avLst/>
-          </a:prstGeom>
-          <a:ln w="19050">
-            <a:solidFill>
-              <a:schemeClr val="tx2">
-                <a:lumMod val="75000"/>
-              </a:schemeClr>
-            </a:solidFill>
-          </a:ln>
-          <a:effectLst/>
-        </p:spPr>
-        <p:style>
-          <a:lnRef idx="2">
-            <a:schemeClr val="accent5"/>
-          </a:lnRef>
-          <a:fillRef idx="1">
-            <a:schemeClr val="lt1"/>
-          </a:fillRef>
-          <a:effectRef idx="0">
-            <a:schemeClr val="accent5"/>
-          </a:effectRef>
-          <a:fontRef idx="minor">
-            <a:schemeClr val="dk1"/>
-          </a:fontRef>
-        </p:style>
-        <p:txBody>
-          <a:bodyPr wrap="square" rtlCol="0">
-            <a:spAutoFit/>
-          </a:bodyPr>
-          <a:lstStyle/>
-          <a:p>
-            <a:r>
-              <a:rPr lang="pt-BR" sz="1200" dirty="0" smtClean="0">
-                <a:solidFill>
-                  <a:schemeClr val="tx2">
-                    <a:lumMod val="75000"/>
-                  </a:schemeClr>
-                </a:solidFill>
-              </a:rPr>
-              <a:t>Milla</a:t>
-            </a:r>
-            <a:endParaRPr lang="pt-BR" sz="1400" dirty="0" smtClean="0">
-              <a:solidFill>
-                <a:schemeClr val="tx2">
-                  <a:lumMod val="75000"/>
-                </a:schemeClr>
-              </a:solidFill>
-            </a:endParaRPr>
-          </a:p>
-        </p:txBody>
-      </p:sp>
-      <p:sp>
-        <p:nvSpPr>
-          <p:cNvPr id="25" name="CaixaDeTexto 24"/>
-          <p:cNvSpPr txBox="1"/>
-          <p:nvPr/>
-        </p:nvSpPr>
-        <p:spPr>
-          <a:xfrm>
-            <a:off x="5940151" y="3096675"/>
-            <a:ext cx="1080118" cy="307777"/>
-          </a:xfrm>
-          <a:prstGeom prst="rect">
-            <a:avLst/>
-          </a:prstGeom>
-          <a:ln w="19050">
-            <a:solidFill>
-              <a:schemeClr val="tx2">
-                <a:lumMod val="75000"/>
-              </a:schemeClr>
-            </a:solidFill>
-          </a:ln>
-          <a:effectLst/>
-        </p:spPr>
-        <p:style>
-          <a:lnRef idx="2">
-            <a:schemeClr val="accent5"/>
-          </a:lnRef>
-          <a:fillRef idx="1">
-            <a:schemeClr val="lt1"/>
-          </a:fillRef>
-          <a:effectRef idx="0">
-            <a:schemeClr val="accent5"/>
-          </a:effectRef>
-          <a:fontRef idx="minor">
-            <a:schemeClr val="dk1"/>
-          </a:fontRef>
-        </p:style>
-        <p:txBody>
-          <a:bodyPr wrap="square" rtlCol="0">
-            <a:spAutoFit/>
-          </a:bodyPr>
-          <a:lstStyle/>
-          <a:p>
-            <a:endParaRPr lang="pt-BR" sz="1400" dirty="0" smtClean="0">
-              <a:solidFill>
-                <a:schemeClr val="tx2">
-                  <a:lumMod val="75000"/>
-                </a:schemeClr>
-              </a:solidFill>
-            </a:endParaRPr>
-          </a:p>
-        </p:txBody>
-      </p:sp>
-      <p:sp>
-        <p:nvSpPr>
-          <p:cNvPr id="26" name="CaixaDeTexto 25"/>
-          <p:cNvSpPr txBox="1"/>
-          <p:nvPr/>
-        </p:nvSpPr>
-        <p:spPr>
-          <a:xfrm>
-            <a:off x="1835693" y="3093816"/>
-            <a:ext cx="1080120" cy="276999"/>
-          </a:xfrm>
-          <a:prstGeom prst="rect">
-            <a:avLst/>
-          </a:prstGeom>
-          <a:ln w="19050">
-            <a:solidFill>
-              <a:schemeClr val="tx2">
-                <a:lumMod val="75000"/>
-              </a:schemeClr>
-            </a:solidFill>
-          </a:ln>
-          <a:effectLst/>
-        </p:spPr>
-        <p:style>
-          <a:lnRef idx="2">
-            <a:schemeClr val="accent5"/>
-          </a:lnRef>
-          <a:fillRef idx="1">
-            <a:schemeClr val="lt1"/>
-          </a:fillRef>
-          <a:effectRef idx="0">
-            <a:schemeClr val="accent5"/>
-          </a:effectRef>
-          <a:fontRef idx="minor">
-            <a:schemeClr val="dk1"/>
-          </a:fontRef>
-        </p:style>
-        <p:txBody>
-          <a:bodyPr wrap="square" rtlCol="0">
-            <a:spAutoFit/>
-          </a:bodyPr>
-          <a:lstStyle/>
-          <a:p>
-            <a:r>
-              <a:rPr lang="pt-BR" sz="1200" dirty="0" smtClean="0">
-                <a:solidFill>
-                  <a:schemeClr val="tx2">
-                    <a:lumMod val="75000"/>
-                  </a:schemeClr>
-                </a:solidFill>
-              </a:rPr>
-              <a:t>201613343</a:t>
-            </a:r>
-            <a:endParaRPr lang="pt-BR" sz="1600" dirty="0" smtClean="0">
-              <a:solidFill>
-                <a:schemeClr val="tx2">
-                  <a:lumMod val="75000"/>
-                </a:schemeClr>
-              </a:solidFill>
-            </a:endParaRPr>
-          </a:p>
-        </p:txBody>
-      </p:sp>
-      <p:sp>
-        <p:nvSpPr>
-          <p:cNvPr id="27" name="CaixaDeTexto 26"/>
-          <p:cNvSpPr txBox="1"/>
-          <p:nvPr/>
-        </p:nvSpPr>
-        <p:spPr>
-          <a:xfrm>
-            <a:off x="2915812" y="3370814"/>
-            <a:ext cx="3024335" cy="276999"/>
-          </a:xfrm>
-          <a:prstGeom prst="rect">
-            <a:avLst/>
-          </a:prstGeom>
-          <a:solidFill>
-            <a:schemeClr val="bg1">
-              <a:lumMod val="95000"/>
-            </a:schemeClr>
-          </a:solidFill>
-          <a:ln w="19050">
-            <a:solidFill>
-              <a:schemeClr val="tx2">
-                <a:lumMod val="75000"/>
-              </a:schemeClr>
-            </a:solidFill>
-          </a:ln>
-          <a:effectLst/>
-        </p:spPr>
-        <p:style>
-          <a:lnRef idx="2">
-            <a:schemeClr val="accent5"/>
-          </a:lnRef>
-          <a:fillRef idx="1">
-            <a:schemeClr val="lt1"/>
-          </a:fillRef>
-          <a:effectRef idx="0">
-            <a:schemeClr val="accent5"/>
-          </a:effectRef>
-          <a:fontRef idx="minor">
-            <a:schemeClr val="dk1"/>
-          </a:fontRef>
-        </p:style>
-        <p:txBody>
-          <a:bodyPr wrap="square" rtlCol="0">
-            <a:spAutoFit/>
-          </a:bodyPr>
-          <a:lstStyle/>
-          <a:p>
-            <a:r>
-              <a:rPr lang="pt-BR" sz="1200" dirty="0" smtClean="0">
-                <a:solidFill>
-                  <a:schemeClr val="tx2">
-                    <a:lumMod val="75000"/>
-                  </a:schemeClr>
-                </a:solidFill>
-              </a:rPr>
-              <a:t>Augusto</a:t>
-            </a:r>
-            <a:endParaRPr lang="pt-BR" sz="1400" dirty="0" smtClean="0">
-              <a:solidFill>
-                <a:schemeClr val="tx2">
-                  <a:lumMod val="75000"/>
-                </a:schemeClr>
-              </a:solidFill>
-            </a:endParaRPr>
-          </a:p>
-        </p:txBody>
-      </p:sp>
-      <p:sp>
-        <p:nvSpPr>
-          <p:cNvPr id="28" name="CaixaDeTexto 27"/>
-          <p:cNvSpPr txBox="1"/>
-          <p:nvPr/>
-        </p:nvSpPr>
-        <p:spPr>
-          <a:xfrm>
-            <a:off x="5940148" y="3370813"/>
-            <a:ext cx="1080120" cy="276999"/>
-          </a:xfrm>
-          <a:prstGeom prst="rect">
-            <a:avLst/>
-          </a:prstGeom>
-          <a:solidFill>
-            <a:schemeClr val="bg1">
-              <a:lumMod val="95000"/>
-            </a:schemeClr>
-          </a:solidFill>
-          <a:ln w="19050">
-            <a:solidFill>
-              <a:schemeClr val="tx2">
-                <a:lumMod val="75000"/>
-              </a:schemeClr>
-            </a:solidFill>
-          </a:ln>
-          <a:effectLst/>
-        </p:spPr>
-        <p:style>
-          <a:lnRef idx="2">
-            <a:schemeClr val="accent5"/>
-          </a:lnRef>
-          <a:fillRef idx="1">
-            <a:schemeClr val="lt1"/>
-          </a:fillRef>
-          <a:effectRef idx="0">
-            <a:schemeClr val="accent5"/>
-          </a:effectRef>
-          <a:fontRef idx="minor">
-            <a:schemeClr val="dk1"/>
-          </a:fontRef>
-        </p:style>
-        <p:txBody>
-          <a:bodyPr wrap="square" rtlCol="0">
-            <a:spAutoFit/>
-          </a:bodyPr>
-          <a:lstStyle/>
-          <a:p>
-            <a:r>
-              <a:rPr lang="pt-BR" sz="1200" dirty="0" smtClean="0">
-                <a:solidFill>
-                  <a:srgbClr val="C00000"/>
-                </a:solidFill>
-              </a:rPr>
-              <a:t>Andamento</a:t>
-            </a:r>
-            <a:endParaRPr lang="pt-BR" sz="1400" dirty="0" smtClean="0">
-              <a:solidFill>
-                <a:srgbClr val="C00000"/>
-              </a:solidFill>
-            </a:endParaRPr>
-          </a:p>
-        </p:txBody>
-      </p:sp>
-      <p:sp>
-        <p:nvSpPr>
-          <p:cNvPr id="29" name="CaixaDeTexto 28"/>
-          <p:cNvSpPr txBox="1"/>
-          <p:nvPr/>
-        </p:nvSpPr>
-        <p:spPr>
-          <a:xfrm>
-            <a:off x="1835693" y="3370814"/>
-            <a:ext cx="1080120" cy="276999"/>
-          </a:xfrm>
-          <a:prstGeom prst="rect">
-            <a:avLst/>
-          </a:prstGeom>
-          <a:solidFill>
-            <a:schemeClr val="bg1">
-              <a:lumMod val="95000"/>
-            </a:schemeClr>
-          </a:solidFill>
-          <a:ln w="19050">
-            <a:solidFill>
-              <a:schemeClr val="tx2">
-                <a:lumMod val="75000"/>
-              </a:schemeClr>
-            </a:solidFill>
-          </a:ln>
-          <a:effectLst/>
-        </p:spPr>
-        <p:style>
-          <a:lnRef idx="2">
-            <a:schemeClr val="accent5"/>
-          </a:lnRef>
-          <a:fillRef idx="1">
-            <a:schemeClr val="lt1"/>
-          </a:fillRef>
-          <a:effectRef idx="0">
-            <a:schemeClr val="accent5"/>
-          </a:effectRef>
-          <a:fontRef idx="minor">
-            <a:schemeClr val="dk1"/>
-          </a:fontRef>
-        </p:style>
-        <p:txBody>
-          <a:bodyPr wrap="square" rtlCol="0">
-            <a:spAutoFit/>
-          </a:bodyPr>
-          <a:lstStyle/>
-          <a:p>
-            <a:r>
-              <a:rPr lang="pt-BR" sz="1200" dirty="0" smtClean="0">
-                <a:solidFill>
-                  <a:schemeClr val="tx2">
-                    <a:lumMod val="75000"/>
-                  </a:schemeClr>
-                </a:solidFill>
-              </a:rPr>
-              <a:t>201613322</a:t>
-            </a:r>
-            <a:endParaRPr lang="pt-BR" sz="1400" dirty="0" smtClean="0">
-              <a:solidFill>
-                <a:schemeClr val="tx2">
-                  <a:lumMod val="75000"/>
-                </a:schemeClr>
-              </a:solidFill>
-            </a:endParaRPr>
-          </a:p>
-        </p:txBody>
-      </p:sp>
-      <p:sp>
-        <p:nvSpPr>
-          <p:cNvPr id="30" name="CaixaDeTexto 29"/>
-          <p:cNvSpPr txBox="1"/>
-          <p:nvPr/>
-        </p:nvSpPr>
-        <p:spPr>
-          <a:xfrm>
-            <a:off x="2915818" y="3647813"/>
-            <a:ext cx="3024338" cy="276999"/>
-          </a:xfrm>
-          <a:prstGeom prst="rect">
-            <a:avLst/>
-          </a:prstGeom>
-          <a:ln w="19050">
-            <a:solidFill>
-              <a:schemeClr val="tx2">
-                <a:lumMod val="75000"/>
-              </a:schemeClr>
-            </a:solidFill>
-          </a:ln>
-          <a:effectLst/>
-        </p:spPr>
-        <p:style>
-          <a:lnRef idx="2">
-            <a:schemeClr val="accent5"/>
-          </a:lnRef>
-          <a:fillRef idx="1">
-            <a:schemeClr val="lt1"/>
-          </a:fillRef>
-          <a:effectRef idx="0">
-            <a:schemeClr val="accent5"/>
-          </a:effectRef>
-          <a:fontRef idx="minor">
-            <a:schemeClr val="dk1"/>
-          </a:fontRef>
-        </p:style>
-        <p:txBody>
-          <a:bodyPr wrap="square" rtlCol="0">
-            <a:spAutoFit/>
-          </a:bodyPr>
-          <a:lstStyle/>
-          <a:p>
-            <a:r>
-              <a:rPr lang="pt-BR" sz="1200" dirty="0" smtClean="0">
-                <a:solidFill>
-                  <a:schemeClr val="tx2">
-                    <a:lumMod val="75000"/>
-                  </a:schemeClr>
-                </a:solidFill>
-              </a:rPr>
-              <a:t>César</a:t>
-            </a:r>
-            <a:endParaRPr lang="pt-BR" sz="1400" dirty="0" smtClean="0">
-              <a:solidFill>
-                <a:schemeClr val="tx2">
-                  <a:lumMod val="75000"/>
-                </a:schemeClr>
-              </a:solidFill>
-            </a:endParaRPr>
-          </a:p>
-        </p:txBody>
-      </p:sp>
-      <p:sp>
-        <p:nvSpPr>
-          <p:cNvPr id="31" name="CaixaDeTexto 30"/>
-          <p:cNvSpPr txBox="1"/>
-          <p:nvPr/>
-        </p:nvSpPr>
-        <p:spPr>
-          <a:xfrm>
-            <a:off x="5940156" y="3647813"/>
-            <a:ext cx="1080117" cy="276999"/>
-          </a:xfrm>
-          <a:prstGeom prst="rect">
-            <a:avLst/>
-          </a:prstGeom>
-          <a:ln w="19050">
-            <a:solidFill>
-              <a:schemeClr val="tx2">
-                <a:lumMod val="75000"/>
-              </a:schemeClr>
-            </a:solidFill>
-          </a:ln>
-          <a:effectLst/>
-        </p:spPr>
-        <p:style>
-          <a:lnRef idx="2">
-            <a:schemeClr val="accent5"/>
-          </a:lnRef>
-          <a:fillRef idx="1">
-            <a:schemeClr val="lt1"/>
-          </a:fillRef>
-          <a:effectRef idx="0">
-            <a:schemeClr val="accent5"/>
-          </a:effectRef>
-          <a:fontRef idx="minor">
-            <a:schemeClr val="dk1"/>
-          </a:fontRef>
-        </p:style>
-        <p:txBody>
-          <a:bodyPr wrap="square" rtlCol="0">
-            <a:spAutoFit/>
-          </a:bodyPr>
-          <a:lstStyle/>
-          <a:p>
-            <a:r>
-              <a:rPr lang="pt-BR" sz="1200" dirty="0" smtClean="0">
-                <a:solidFill>
-                  <a:srgbClr val="00B050"/>
-                </a:solidFill>
-              </a:rPr>
-              <a:t>Avaliado</a:t>
-            </a:r>
-            <a:endParaRPr lang="pt-BR" sz="1400" dirty="0" smtClean="0">
-              <a:solidFill>
-                <a:srgbClr val="00B050"/>
-              </a:solidFill>
-            </a:endParaRPr>
-          </a:p>
-        </p:txBody>
-      </p:sp>
-      <p:sp>
-        <p:nvSpPr>
-          <p:cNvPr id="32" name="CaixaDeTexto 31"/>
-          <p:cNvSpPr txBox="1"/>
-          <p:nvPr/>
-        </p:nvSpPr>
-        <p:spPr>
-          <a:xfrm>
-            <a:off x="1835697" y="3647813"/>
-            <a:ext cx="1080120" cy="276999"/>
-          </a:xfrm>
-          <a:prstGeom prst="rect">
-            <a:avLst/>
-          </a:prstGeom>
-          <a:ln w="19050">
-            <a:solidFill>
-              <a:schemeClr val="tx2">
-                <a:lumMod val="75000"/>
-              </a:schemeClr>
-            </a:solidFill>
-          </a:ln>
-          <a:effectLst/>
-        </p:spPr>
-        <p:style>
-          <a:lnRef idx="2">
-            <a:schemeClr val="accent5"/>
-          </a:lnRef>
-          <a:fillRef idx="1">
-            <a:schemeClr val="lt1"/>
-          </a:fillRef>
-          <a:effectRef idx="0">
-            <a:schemeClr val="accent5"/>
-          </a:effectRef>
-          <a:fontRef idx="minor">
-            <a:schemeClr val="dk1"/>
-          </a:fontRef>
-        </p:style>
-        <p:txBody>
-          <a:bodyPr wrap="square" rtlCol="0">
-            <a:spAutoFit/>
-          </a:bodyPr>
-          <a:lstStyle/>
-          <a:p>
-            <a:r>
-              <a:rPr lang="pt-BR" sz="1200" dirty="0" smtClean="0">
-                <a:solidFill>
-                  <a:schemeClr val="tx2">
-                    <a:lumMod val="75000"/>
-                  </a:schemeClr>
-                </a:solidFill>
-              </a:rPr>
-              <a:t>201613312</a:t>
-            </a:r>
-            <a:endParaRPr lang="pt-BR" sz="1400" dirty="0" smtClean="0">
-              <a:solidFill>
-                <a:schemeClr val="tx2">
-                  <a:lumMod val="75000"/>
-                </a:schemeClr>
-              </a:solidFill>
-            </a:endParaRPr>
-          </a:p>
-        </p:txBody>
-      </p:sp>
-      <p:sp>
-        <p:nvSpPr>
-          <p:cNvPr id="34" name="CaixaDeTexto 33"/>
-          <p:cNvSpPr txBox="1"/>
-          <p:nvPr/>
-        </p:nvSpPr>
-        <p:spPr>
-          <a:xfrm>
-            <a:off x="6066214" y="3096675"/>
-            <a:ext cx="828000" cy="280800"/>
-          </a:xfrm>
-          <a:prstGeom prst="rect">
-            <a:avLst/>
-          </a:prstGeom>
-          <a:solidFill>
-            <a:schemeClr val="tx2">
-              <a:lumMod val="75000"/>
-            </a:schemeClr>
-          </a:solidFill>
-          <a:ln w="19050">
-            <a:noFill/>
-          </a:ln>
-          <a:effectLst/>
-        </p:spPr>
-        <p:style>
-          <a:lnRef idx="2">
-            <a:schemeClr val="accent5"/>
-          </a:lnRef>
-          <a:fillRef idx="1">
-            <a:schemeClr val="lt1"/>
-          </a:fillRef>
-          <a:effectRef idx="0">
-            <a:schemeClr val="accent5"/>
-          </a:effectRef>
-          <a:fontRef idx="minor">
-            <a:schemeClr val="dk1"/>
-          </a:fontRef>
-        </p:style>
-        <p:txBody>
-          <a:bodyPr wrap="square" rtlCol="0">
-            <a:spAutoFit/>
-          </a:bodyPr>
-          <a:lstStyle/>
-          <a:p>
-            <a:pPr algn="ctr"/>
-            <a:r>
-              <a:rPr lang="pt-BR" sz="1100" dirty="0" smtClean="0">
-                <a:solidFill>
-                  <a:schemeClr val="bg1"/>
-                </a:solidFill>
-              </a:rPr>
-              <a:t>Avaliar</a:t>
-            </a:r>
-            <a:endParaRPr lang="pt-BR" sz="1400" dirty="0" smtClean="0">
-              <a:solidFill>
-                <a:schemeClr val="bg1"/>
-              </a:solidFill>
-            </a:endParaRPr>
-          </a:p>
-        </p:txBody>
-      </p:sp>
-      <p:sp>
-        <p:nvSpPr>
-          <p:cNvPr id="35" name="Triângulo isósceles 34"/>
-          <p:cNvSpPr/>
-          <p:nvPr/>
-        </p:nvSpPr>
-        <p:spPr>
-          <a:xfrm rot="10800000">
-            <a:off x="3419872" y="2146356"/>
-            <a:ext cx="196414" cy="97269"/>
-          </a:xfrm>
-          <a:prstGeom prst="triangle">
-            <a:avLst/>
-          </a:prstGeom>
-          <a:solidFill>
-            <a:schemeClr val="tx2">
-              <a:lumMod val="50000"/>
-            </a:schemeClr>
-          </a:solidFill>
-          <a:ln>
-            <a:noFill/>
           </a:ln>
         </p:spPr>
         <p:style>
@@ -6157,13 +6613,1027 @@
       </p:sp>
       <p:sp>
         <p:nvSpPr>
-          <p:cNvPr id="36" name="Triângulo isósceles 35"/>
+          <p:cNvPr id="18" name="CaixaDeTexto 17"/>
+          <p:cNvSpPr txBox="1"/>
+          <p:nvPr/>
+        </p:nvSpPr>
+        <p:spPr>
+          <a:xfrm>
+            <a:off x="2915817" y="2510167"/>
+            <a:ext cx="3024336" cy="307777"/>
+          </a:xfrm>
+          <a:prstGeom prst="rect">
+            <a:avLst/>
+          </a:prstGeom>
+          <a:ln w="19050">
+            <a:solidFill>
+              <a:schemeClr val="tx2">
+                <a:lumMod val="75000"/>
+              </a:schemeClr>
+            </a:solidFill>
+          </a:ln>
+          <a:effectLst/>
+        </p:spPr>
+        <p:style>
+          <a:lnRef idx="2">
+            <a:schemeClr val="accent5"/>
+          </a:lnRef>
+          <a:fillRef idx="1">
+            <a:schemeClr val="lt1"/>
+          </a:fillRef>
+          <a:effectRef idx="0">
+            <a:schemeClr val="accent5"/>
+          </a:effectRef>
+          <a:fontRef idx="minor">
+            <a:schemeClr val="dk1"/>
+          </a:fontRef>
+        </p:style>
+        <p:txBody>
+          <a:bodyPr wrap="square" rtlCol="0">
+            <a:spAutoFit/>
+          </a:bodyPr>
+          <a:lstStyle/>
+          <a:p>
+            <a:r>
+              <a:rPr lang="pt-BR" sz="1400" dirty="0" smtClean="0">
+                <a:solidFill>
+                  <a:schemeClr val="tx2">
+                    <a:lumMod val="75000"/>
+                  </a:schemeClr>
+                </a:solidFill>
+              </a:rPr>
+              <a:t>Nome</a:t>
+            </a:r>
+            <a:endParaRPr lang="pt-BR" sz="1600" dirty="0" smtClean="0">
+              <a:solidFill>
+                <a:schemeClr val="tx2">
+                  <a:lumMod val="75000"/>
+                </a:schemeClr>
+              </a:solidFill>
+            </a:endParaRPr>
+          </a:p>
+        </p:txBody>
+      </p:sp>
+      <p:sp>
+        <p:nvSpPr>
+          <p:cNvPr id="19" name="CaixaDeTexto 18"/>
+          <p:cNvSpPr txBox="1"/>
+          <p:nvPr/>
+        </p:nvSpPr>
+        <p:spPr>
+          <a:xfrm>
+            <a:off x="5940153" y="2510167"/>
+            <a:ext cx="1080119" cy="307777"/>
+          </a:xfrm>
+          <a:prstGeom prst="rect">
+            <a:avLst/>
+          </a:prstGeom>
+          <a:ln w="19050">
+            <a:solidFill>
+              <a:schemeClr val="tx2">
+                <a:lumMod val="75000"/>
+              </a:schemeClr>
+            </a:solidFill>
+          </a:ln>
+          <a:effectLst/>
+        </p:spPr>
+        <p:style>
+          <a:lnRef idx="2">
+            <a:schemeClr val="accent5"/>
+          </a:lnRef>
+          <a:fillRef idx="1">
+            <a:schemeClr val="lt1"/>
+          </a:fillRef>
+          <a:effectRef idx="0">
+            <a:schemeClr val="accent5"/>
+          </a:effectRef>
+          <a:fontRef idx="minor">
+            <a:schemeClr val="dk1"/>
+          </a:fontRef>
+        </p:style>
+        <p:txBody>
+          <a:bodyPr wrap="square" rtlCol="0">
+            <a:spAutoFit/>
+          </a:bodyPr>
+          <a:lstStyle/>
+          <a:p>
+            <a:r>
+              <a:rPr lang="pt-BR" sz="1400" dirty="0" smtClean="0">
+                <a:solidFill>
+                  <a:schemeClr val="tx2">
+                    <a:lumMod val="75000"/>
+                  </a:schemeClr>
+                </a:solidFill>
+              </a:rPr>
+              <a:t>Situação</a:t>
+            </a:r>
+            <a:endParaRPr lang="pt-BR" sz="1600" dirty="0" smtClean="0">
+              <a:solidFill>
+                <a:schemeClr val="tx2">
+                  <a:lumMod val="75000"/>
+                </a:schemeClr>
+              </a:solidFill>
+            </a:endParaRPr>
+          </a:p>
+        </p:txBody>
+      </p:sp>
+      <p:sp>
+        <p:nvSpPr>
+          <p:cNvPr id="20" name="CaixaDeTexto 19"/>
+          <p:cNvSpPr txBox="1"/>
+          <p:nvPr/>
+        </p:nvSpPr>
+        <p:spPr>
+          <a:xfrm>
+            <a:off x="1835696" y="2510167"/>
+            <a:ext cx="1080120" cy="307777"/>
+          </a:xfrm>
+          <a:prstGeom prst="rect">
+            <a:avLst/>
+          </a:prstGeom>
+          <a:ln w="19050">
+            <a:solidFill>
+              <a:schemeClr val="tx2">
+                <a:lumMod val="75000"/>
+              </a:schemeClr>
+            </a:solidFill>
+          </a:ln>
+          <a:effectLst/>
+        </p:spPr>
+        <p:style>
+          <a:lnRef idx="2">
+            <a:schemeClr val="accent5"/>
+          </a:lnRef>
+          <a:fillRef idx="1">
+            <a:schemeClr val="lt1"/>
+          </a:fillRef>
+          <a:effectRef idx="0">
+            <a:schemeClr val="accent5"/>
+          </a:effectRef>
+          <a:fontRef idx="minor">
+            <a:schemeClr val="dk1"/>
+          </a:fontRef>
+        </p:style>
+        <p:txBody>
+          <a:bodyPr wrap="square" rtlCol="0">
+            <a:spAutoFit/>
+          </a:bodyPr>
+          <a:lstStyle/>
+          <a:p>
+            <a:r>
+              <a:rPr lang="pt-BR" sz="1400" dirty="0" smtClean="0">
+                <a:solidFill>
+                  <a:schemeClr val="tx2">
+                    <a:lumMod val="75000"/>
+                  </a:schemeClr>
+                </a:solidFill>
+              </a:rPr>
+              <a:t>RA</a:t>
+            </a:r>
+            <a:endParaRPr lang="pt-BR" sz="1600" dirty="0" smtClean="0">
+              <a:solidFill>
+                <a:schemeClr val="tx2">
+                  <a:lumMod val="75000"/>
+                </a:schemeClr>
+              </a:solidFill>
+            </a:endParaRPr>
+          </a:p>
+        </p:txBody>
+      </p:sp>
+      <p:sp>
+        <p:nvSpPr>
+          <p:cNvPr id="21" name="CaixaDeTexto 20"/>
+          <p:cNvSpPr txBox="1"/>
+          <p:nvPr/>
+        </p:nvSpPr>
+        <p:spPr>
+          <a:xfrm>
+            <a:off x="2915818" y="2816303"/>
+            <a:ext cx="3024336" cy="276999"/>
+          </a:xfrm>
+          <a:prstGeom prst="rect">
+            <a:avLst/>
+          </a:prstGeom>
+          <a:solidFill>
+            <a:schemeClr val="bg1">
+              <a:lumMod val="95000"/>
+            </a:schemeClr>
+          </a:solidFill>
+          <a:ln w="19050">
+            <a:solidFill>
+              <a:schemeClr val="tx2">
+                <a:lumMod val="75000"/>
+              </a:schemeClr>
+            </a:solidFill>
+          </a:ln>
+          <a:effectLst/>
+        </p:spPr>
+        <p:style>
+          <a:lnRef idx="2">
+            <a:schemeClr val="accent5"/>
+          </a:lnRef>
+          <a:fillRef idx="1">
+            <a:schemeClr val="lt1"/>
+          </a:fillRef>
+          <a:effectRef idx="0">
+            <a:schemeClr val="accent5"/>
+          </a:effectRef>
+          <a:fontRef idx="minor">
+            <a:schemeClr val="dk1"/>
+          </a:fontRef>
+        </p:style>
+        <p:txBody>
+          <a:bodyPr wrap="square" rtlCol="0">
+            <a:spAutoFit/>
+          </a:bodyPr>
+          <a:lstStyle/>
+          <a:p>
+            <a:r>
+              <a:rPr lang="pt-BR" sz="1200" dirty="0" smtClean="0">
+                <a:solidFill>
+                  <a:schemeClr val="tx2">
+                    <a:lumMod val="75000"/>
+                  </a:schemeClr>
+                </a:solidFill>
+              </a:rPr>
+              <a:t>Fernando</a:t>
+            </a:r>
+            <a:endParaRPr lang="pt-BR" sz="1600" dirty="0" smtClean="0">
+              <a:solidFill>
+                <a:schemeClr val="tx2">
+                  <a:lumMod val="75000"/>
+                </a:schemeClr>
+              </a:solidFill>
+            </a:endParaRPr>
+          </a:p>
+        </p:txBody>
+      </p:sp>
+      <p:sp>
+        <p:nvSpPr>
+          <p:cNvPr id="22" name="CaixaDeTexto 21"/>
+          <p:cNvSpPr txBox="1"/>
+          <p:nvPr/>
+        </p:nvSpPr>
+        <p:spPr>
+          <a:xfrm>
+            <a:off x="5940154" y="2813444"/>
+            <a:ext cx="1080118" cy="276999"/>
+          </a:xfrm>
+          <a:prstGeom prst="rect">
+            <a:avLst/>
+          </a:prstGeom>
+          <a:solidFill>
+            <a:schemeClr val="bg1">
+              <a:lumMod val="95000"/>
+            </a:schemeClr>
+          </a:solidFill>
+          <a:ln w="19050">
+            <a:solidFill>
+              <a:schemeClr val="tx2">
+                <a:lumMod val="75000"/>
+              </a:schemeClr>
+            </a:solidFill>
+          </a:ln>
+          <a:effectLst/>
+        </p:spPr>
+        <p:style>
+          <a:lnRef idx="2">
+            <a:schemeClr val="accent5"/>
+          </a:lnRef>
+          <a:fillRef idx="1">
+            <a:schemeClr val="lt1"/>
+          </a:fillRef>
+          <a:effectRef idx="0">
+            <a:schemeClr val="accent5"/>
+          </a:effectRef>
+          <a:fontRef idx="minor">
+            <a:schemeClr val="dk1"/>
+          </a:fontRef>
+        </p:style>
+        <p:txBody>
+          <a:bodyPr wrap="square" rtlCol="0">
+            <a:spAutoFit/>
+          </a:bodyPr>
+          <a:lstStyle/>
+          <a:p>
+            <a:r>
+              <a:rPr lang="pt-BR" sz="1200" dirty="0" smtClean="0">
+                <a:solidFill>
+                  <a:srgbClr val="00B050"/>
+                </a:solidFill>
+              </a:rPr>
+              <a:t>Avaliado</a:t>
+            </a:r>
+            <a:endParaRPr lang="pt-BR" sz="1600" dirty="0" smtClean="0">
+              <a:solidFill>
+                <a:srgbClr val="00B050"/>
+              </a:solidFill>
+            </a:endParaRPr>
+          </a:p>
+        </p:txBody>
+      </p:sp>
+      <p:sp>
+        <p:nvSpPr>
+          <p:cNvPr id="23" name="CaixaDeTexto 22"/>
+          <p:cNvSpPr txBox="1"/>
+          <p:nvPr/>
+        </p:nvSpPr>
+        <p:spPr>
+          <a:xfrm>
+            <a:off x="1835697" y="2816304"/>
+            <a:ext cx="1080120" cy="276999"/>
+          </a:xfrm>
+          <a:prstGeom prst="rect">
+            <a:avLst/>
+          </a:prstGeom>
+          <a:solidFill>
+            <a:schemeClr val="bg1">
+              <a:lumMod val="95000"/>
+            </a:schemeClr>
+          </a:solidFill>
+          <a:ln w="19050">
+            <a:solidFill>
+              <a:schemeClr val="tx2">
+                <a:lumMod val="75000"/>
+              </a:schemeClr>
+            </a:solidFill>
+          </a:ln>
+          <a:effectLst/>
+        </p:spPr>
+        <p:style>
+          <a:lnRef idx="2">
+            <a:schemeClr val="accent5"/>
+          </a:lnRef>
+          <a:fillRef idx="1">
+            <a:schemeClr val="lt1"/>
+          </a:fillRef>
+          <a:effectRef idx="0">
+            <a:schemeClr val="accent5"/>
+          </a:effectRef>
+          <a:fontRef idx="minor">
+            <a:schemeClr val="dk1"/>
+          </a:fontRef>
+        </p:style>
+        <p:txBody>
+          <a:bodyPr wrap="square" rtlCol="0">
+            <a:spAutoFit/>
+          </a:bodyPr>
+          <a:lstStyle/>
+          <a:p>
+            <a:r>
+              <a:rPr lang="pt-BR" sz="1200" dirty="0" smtClean="0">
+                <a:solidFill>
+                  <a:schemeClr val="tx2">
+                    <a:lumMod val="75000"/>
+                  </a:schemeClr>
+                </a:solidFill>
+              </a:rPr>
+              <a:t>201613382</a:t>
+            </a:r>
+            <a:endParaRPr lang="pt-BR" sz="1600" dirty="0" smtClean="0">
+              <a:solidFill>
+                <a:schemeClr val="tx2">
+                  <a:lumMod val="75000"/>
+                </a:schemeClr>
+              </a:solidFill>
+            </a:endParaRPr>
+          </a:p>
+        </p:txBody>
+      </p:sp>
+      <p:sp>
+        <p:nvSpPr>
+          <p:cNvPr id="24" name="CaixaDeTexto 23"/>
+          <p:cNvSpPr txBox="1"/>
+          <p:nvPr/>
+        </p:nvSpPr>
+        <p:spPr>
+          <a:xfrm>
+            <a:off x="2915812" y="3093815"/>
+            <a:ext cx="3024339" cy="276999"/>
+          </a:xfrm>
+          <a:prstGeom prst="rect">
+            <a:avLst/>
+          </a:prstGeom>
+          <a:ln w="19050">
+            <a:solidFill>
+              <a:schemeClr val="tx2">
+                <a:lumMod val="75000"/>
+              </a:schemeClr>
+            </a:solidFill>
+          </a:ln>
+          <a:effectLst/>
+        </p:spPr>
+        <p:style>
+          <a:lnRef idx="2">
+            <a:schemeClr val="accent5"/>
+          </a:lnRef>
+          <a:fillRef idx="1">
+            <a:schemeClr val="lt1"/>
+          </a:fillRef>
+          <a:effectRef idx="0">
+            <a:schemeClr val="accent5"/>
+          </a:effectRef>
+          <a:fontRef idx="minor">
+            <a:schemeClr val="dk1"/>
+          </a:fontRef>
+        </p:style>
+        <p:txBody>
+          <a:bodyPr wrap="square" rtlCol="0">
+            <a:spAutoFit/>
+          </a:bodyPr>
+          <a:lstStyle/>
+          <a:p>
+            <a:r>
+              <a:rPr lang="pt-BR" sz="1200" dirty="0" smtClean="0">
+                <a:solidFill>
+                  <a:schemeClr val="tx2">
+                    <a:lumMod val="75000"/>
+                  </a:schemeClr>
+                </a:solidFill>
+              </a:rPr>
+              <a:t>Milla</a:t>
+            </a:r>
+            <a:endParaRPr lang="pt-BR" sz="1400" dirty="0" smtClean="0">
+              <a:solidFill>
+                <a:schemeClr val="tx2">
+                  <a:lumMod val="75000"/>
+                </a:schemeClr>
+              </a:solidFill>
+            </a:endParaRPr>
+          </a:p>
+        </p:txBody>
+      </p:sp>
+      <p:sp>
+        <p:nvSpPr>
+          <p:cNvPr id="25" name="CaixaDeTexto 24"/>
+          <p:cNvSpPr txBox="1"/>
+          <p:nvPr/>
+        </p:nvSpPr>
+        <p:spPr>
+          <a:xfrm>
+            <a:off x="5940151" y="3096675"/>
+            <a:ext cx="1080118" cy="307777"/>
+          </a:xfrm>
+          <a:prstGeom prst="rect">
+            <a:avLst/>
+          </a:prstGeom>
+          <a:ln w="19050">
+            <a:solidFill>
+              <a:schemeClr val="tx2">
+                <a:lumMod val="75000"/>
+              </a:schemeClr>
+            </a:solidFill>
+          </a:ln>
+          <a:effectLst/>
+        </p:spPr>
+        <p:style>
+          <a:lnRef idx="2">
+            <a:schemeClr val="accent5"/>
+          </a:lnRef>
+          <a:fillRef idx="1">
+            <a:schemeClr val="lt1"/>
+          </a:fillRef>
+          <a:effectRef idx="0">
+            <a:schemeClr val="accent5"/>
+          </a:effectRef>
+          <a:fontRef idx="minor">
+            <a:schemeClr val="dk1"/>
+          </a:fontRef>
+        </p:style>
+        <p:txBody>
+          <a:bodyPr wrap="square" rtlCol="0">
+            <a:spAutoFit/>
+          </a:bodyPr>
+          <a:lstStyle/>
+          <a:p>
+            <a:endParaRPr lang="pt-BR" sz="1400" dirty="0" smtClean="0">
+              <a:solidFill>
+                <a:schemeClr val="tx2">
+                  <a:lumMod val="75000"/>
+                </a:schemeClr>
+              </a:solidFill>
+            </a:endParaRPr>
+          </a:p>
+        </p:txBody>
+      </p:sp>
+      <p:sp>
+        <p:nvSpPr>
+          <p:cNvPr id="26" name="CaixaDeTexto 25"/>
+          <p:cNvSpPr txBox="1"/>
+          <p:nvPr/>
+        </p:nvSpPr>
+        <p:spPr>
+          <a:xfrm>
+            <a:off x="1835693" y="3093816"/>
+            <a:ext cx="1080120" cy="276999"/>
+          </a:xfrm>
+          <a:prstGeom prst="rect">
+            <a:avLst/>
+          </a:prstGeom>
+          <a:ln w="19050">
+            <a:solidFill>
+              <a:schemeClr val="tx2">
+                <a:lumMod val="75000"/>
+              </a:schemeClr>
+            </a:solidFill>
+          </a:ln>
+          <a:effectLst/>
+        </p:spPr>
+        <p:style>
+          <a:lnRef idx="2">
+            <a:schemeClr val="accent5"/>
+          </a:lnRef>
+          <a:fillRef idx="1">
+            <a:schemeClr val="lt1"/>
+          </a:fillRef>
+          <a:effectRef idx="0">
+            <a:schemeClr val="accent5"/>
+          </a:effectRef>
+          <a:fontRef idx="minor">
+            <a:schemeClr val="dk1"/>
+          </a:fontRef>
+        </p:style>
+        <p:txBody>
+          <a:bodyPr wrap="square" rtlCol="0">
+            <a:spAutoFit/>
+          </a:bodyPr>
+          <a:lstStyle/>
+          <a:p>
+            <a:r>
+              <a:rPr lang="pt-BR" sz="1200" dirty="0" smtClean="0">
+                <a:solidFill>
+                  <a:schemeClr val="tx2">
+                    <a:lumMod val="75000"/>
+                  </a:schemeClr>
+                </a:solidFill>
+              </a:rPr>
+              <a:t>201613343</a:t>
+            </a:r>
+            <a:endParaRPr lang="pt-BR" sz="1600" dirty="0" smtClean="0">
+              <a:solidFill>
+                <a:schemeClr val="tx2">
+                  <a:lumMod val="75000"/>
+                </a:schemeClr>
+              </a:solidFill>
+            </a:endParaRPr>
+          </a:p>
+        </p:txBody>
+      </p:sp>
+      <p:sp>
+        <p:nvSpPr>
+          <p:cNvPr id="27" name="CaixaDeTexto 26"/>
+          <p:cNvSpPr txBox="1"/>
+          <p:nvPr/>
+        </p:nvSpPr>
+        <p:spPr>
+          <a:xfrm>
+            <a:off x="2915812" y="3370814"/>
+            <a:ext cx="3024335" cy="276999"/>
+          </a:xfrm>
+          <a:prstGeom prst="rect">
+            <a:avLst/>
+          </a:prstGeom>
+          <a:solidFill>
+            <a:schemeClr val="bg1">
+              <a:lumMod val="95000"/>
+            </a:schemeClr>
+          </a:solidFill>
+          <a:ln w="19050">
+            <a:solidFill>
+              <a:schemeClr val="tx2">
+                <a:lumMod val="75000"/>
+              </a:schemeClr>
+            </a:solidFill>
+          </a:ln>
+          <a:effectLst/>
+        </p:spPr>
+        <p:style>
+          <a:lnRef idx="2">
+            <a:schemeClr val="accent5"/>
+          </a:lnRef>
+          <a:fillRef idx="1">
+            <a:schemeClr val="lt1"/>
+          </a:fillRef>
+          <a:effectRef idx="0">
+            <a:schemeClr val="accent5"/>
+          </a:effectRef>
+          <a:fontRef idx="minor">
+            <a:schemeClr val="dk1"/>
+          </a:fontRef>
+        </p:style>
+        <p:txBody>
+          <a:bodyPr wrap="square" rtlCol="0">
+            <a:spAutoFit/>
+          </a:bodyPr>
+          <a:lstStyle/>
+          <a:p>
+            <a:r>
+              <a:rPr lang="pt-BR" sz="1200" dirty="0" smtClean="0">
+                <a:solidFill>
+                  <a:schemeClr val="tx2">
+                    <a:lumMod val="75000"/>
+                  </a:schemeClr>
+                </a:solidFill>
+              </a:rPr>
+              <a:t>Augusto</a:t>
+            </a:r>
+            <a:endParaRPr lang="pt-BR" sz="1400" dirty="0" smtClean="0">
+              <a:solidFill>
+                <a:schemeClr val="tx2">
+                  <a:lumMod val="75000"/>
+                </a:schemeClr>
+              </a:solidFill>
+            </a:endParaRPr>
+          </a:p>
+        </p:txBody>
+      </p:sp>
+      <p:sp>
+        <p:nvSpPr>
+          <p:cNvPr id="28" name="CaixaDeTexto 27"/>
+          <p:cNvSpPr txBox="1"/>
+          <p:nvPr/>
+        </p:nvSpPr>
+        <p:spPr>
+          <a:xfrm>
+            <a:off x="5940148" y="3370813"/>
+            <a:ext cx="1080120" cy="276999"/>
+          </a:xfrm>
+          <a:prstGeom prst="rect">
+            <a:avLst/>
+          </a:prstGeom>
+          <a:solidFill>
+            <a:schemeClr val="bg1">
+              <a:lumMod val="95000"/>
+            </a:schemeClr>
+          </a:solidFill>
+          <a:ln w="19050">
+            <a:solidFill>
+              <a:schemeClr val="tx2">
+                <a:lumMod val="75000"/>
+              </a:schemeClr>
+            </a:solidFill>
+          </a:ln>
+          <a:effectLst/>
+        </p:spPr>
+        <p:style>
+          <a:lnRef idx="2">
+            <a:schemeClr val="accent5"/>
+          </a:lnRef>
+          <a:fillRef idx="1">
+            <a:schemeClr val="lt1"/>
+          </a:fillRef>
+          <a:effectRef idx="0">
+            <a:schemeClr val="accent5"/>
+          </a:effectRef>
+          <a:fontRef idx="minor">
+            <a:schemeClr val="dk1"/>
+          </a:fontRef>
+        </p:style>
+        <p:txBody>
+          <a:bodyPr wrap="square" rtlCol="0">
+            <a:spAutoFit/>
+          </a:bodyPr>
+          <a:lstStyle/>
+          <a:p>
+            <a:r>
+              <a:rPr lang="pt-BR" sz="1200" dirty="0" smtClean="0">
+                <a:solidFill>
+                  <a:srgbClr val="C00000"/>
+                </a:solidFill>
+              </a:rPr>
+              <a:t>Andamento</a:t>
+            </a:r>
+            <a:endParaRPr lang="pt-BR" sz="1400" dirty="0" smtClean="0">
+              <a:solidFill>
+                <a:srgbClr val="C00000"/>
+              </a:solidFill>
+            </a:endParaRPr>
+          </a:p>
+        </p:txBody>
+      </p:sp>
+      <p:sp>
+        <p:nvSpPr>
+          <p:cNvPr id="29" name="CaixaDeTexto 28"/>
+          <p:cNvSpPr txBox="1"/>
+          <p:nvPr/>
+        </p:nvSpPr>
+        <p:spPr>
+          <a:xfrm>
+            <a:off x="1835693" y="3370814"/>
+            <a:ext cx="1080120" cy="276999"/>
+          </a:xfrm>
+          <a:prstGeom prst="rect">
+            <a:avLst/>
+          </a:prstGeom>
+          <a:solidFill>
+            <a:schemeClr val="bg1">
+              <a:lumMod val="95000"/>
+            </a:schemeClr>
+          </a:solidFill>
+          <a:ln w="19050">
+            <a:solidFill>
+              <a:schemeClr val="tx2">
+                <a:lumMod val="75000"/>
+              </a:schemeClr>
+            </a:solidFill>
+          </a:ln>
+          <a:effectLst/>
+        </p:spPr>
+        <p:style>
+          <a:lnRef idx="2">
+            <a:schemeClr val="accent5"/>
+          </a:lnRef>
+          <a:fillRef idx="1">
+            <a:schemeClr val="lt1"/>
+          </a:fillRef>
+          <a:effectRef idx="0">
+            <a:schemeClr val="accent5"/>
+          </a:effectRef>
+          <a:fontRef idx="minor">
+            <a:schemeClr val="dk1"/>
+          </a:fontRef>
+        </p:style>
+        <p:txBody>
+          <a:bodyPr wrap="square" rtlCol="0">
+            <a:spAutoFit/>
+          </a:bodyPr>
+          <a:lstStyle/>
+          <a:p>
+            <a:r>
+              <a:rPr lang="pt-BR" sz="1200" dirty="0" smtClean="0">
+                <a:solidFill>
+                  <a:schemeClr val="tx2">
+                    <a:lumMod val="75000"/>
+                  </a:schemeClr>
+                </a:solidFill>
+              </a:rPr>
+              <a:t>201613322</a:t>
+            </a:r>
+            <a:endParaRPr lang="pt-BR" sz="1400" dirty="0" smtClean="0">
+              <a:solidFill>
+                <a:schemeClr val="tx2">
+                  <a:lumMod val="75000"/>
+                </a:schemeClr>
+              </a:solidFill>
+            </a:endParaRPr>
+          </a:p>
+        </p:txBody>
+      </p:sp>
+      <p:sp>
+        <p:nvSpPr>
+          <p:cNvPr id="30" name="CaixaDeTexto 29"/>
+          <p:cNvSpPr txBox="1"/>
+          <p:nvPr/>
+        </p:nvSpPr>
+        <p:spPr>
+          <a:xfrm>
+            <a:off x="2915818" y="3647813"/>
+            <a:ext cx="3024338" cy="276999"/>
+          </a:xfrm>
+          <a:prstGeom prst="rect">
+            <a:avLst/>
+          </a:prstGeom>
+          <a:ln w="19050">
+            <a:solidFill>
+              <a:schemeClr val="tx2">
+                <a:lumMod val="75000"/>
+              </a:schemeClr>
+            </a:solidFill>
+          </a:ln>
+          <a:effectLst/>
+        </p:spPr>
+        <p:style>
+          <a:lnRef idx="2">
+            <a:schemeClr val="accent5"/>
+          </a:lnRef>
+          <a:fillRef idx="1">
+            <a:schemeClr val="lt1"/>
+          </a:fillRef>
+          <a:effectRef idx="0">
+            <a:schemeClr val="accent5"/>
+          </a:effectRef>
+          <a:fontRef idx="minor">
+            <a:schemeClr val="dk1"/>
+          </a:fontRef>
+        </p:style>
+        <p:txBody>
+          <a:bodyPr wrap="square" rtlCol="0">
+            <a:spAutoFit/>
+          </a:bodyPr>
+          <a:lstStyle/>
+          <a:p>
+            <a:r>
+              <a:rPr lang="pt-BR" sz="1200" dirty="0" smtClean="0">
+                <a:solidFill>
+                  <a:schemeClr val="tx2">
+                    <a:lumMod val="75000"/>
+                  </a:schemeClr>
+                </a:solidFill>
+              </a:rPr>
+              <a:t>César</a:t>
+            </a:r>
+            <a:endParaRPr lang="pt-BR" sz="1400" dirty="0" smtClean="0">
+              <a:solidFill>
+                <a:schemeClr val="tx2">
+                  <a:lumMod val="75000"/>
+                </a:schemeClr>
+              </a:solidFill>
+            </a:endParaRPr>
+          </a:p>
+        </p:txBody>
+      </p:sp>
+      <p:sp>
+        <p:nvSpPr>
+          <p:cNvPr id="31" name="CaixaDeTexto 30"/>
+          <p:cNvSpPr txBox="1"/>
+          <p:nvPr/>
+        </p:nvSpPr>
+        <p:spPr>
+          <a:xfrm>
+            <a:off x="5940156" y="3647813"/>
+            <a:ext cx="1080117" cy="276999"/>
+          </a:xfrm>
+          <a:prstGeom prst="rect">
+            <a:avLst/>
+          </a:prstGeom>
+          <a:ln w="19050">
+            <a:solidFill>
+              <a:schemeClr val="tx2">
+                <a:lumMod val="75000"/>
+              </a:schemeClr>
+            </a:solidFill>
+          </a:ln>
+          <a:effectLst/>
+        </p:spPr>
+        <p:style>
+          <a:lnRef idx="2">
+            <a:schemeClr val="accent5"/>
+          </a:lnRef>
+          <a:fillRef idx="1">
+            <a:schemeClr val="lt1"/>
+          </a:fillRef>
+          <a:effectRef idx="0">
+            <a:schemeClr val="accent5"/>
+          </a:effectRef>
+          <a:fontRef idx="minor">
+            <a:schemeClr val="dk1"/>
+          </a:fontRef>
+        </p:style>
+        <p:txBody>
+          <a:bodyPr wrap="square" rtlCol="0">
+            <a:spAutoFit/>
+          </a:bodyPr>
+          <a:lstStyle/>
+          <a:p>
+            <a:r>
+              <a:rPr lang="pt-BR" sz="1200" dirty="0" smtClean="0">
+                <a:solidFill>
+                  <a:srgbClr val="00B050"/>
+                </a:solidFill>
+              </a:rPr>
+              <a:t>Avaliado</a:t>
+            </a:r>
+            <a:endParaRPr lang="pt-BR" sz="1400" dirty="0" smtClean="0">
+              <a:solidFill>
+                <a:srgbClr val="00B050"/>
+              </a:solidFill>
+            </a:endParaRPr>
+          </a:p>
+        </p:txBody>
+      </p:sp>
+      <p:sp>
+        <p:nvSpPr>
+          <p:cNvPr id="32" name="CaixaDeTexto 31"/>
+          <p:cNvSpPr txBox="1"/>
+          <p:nvPr/>
+        </p:nvSpPr>
+        <p:spPr>
+          <a:xfrm>
+            <a:off x="1835697" y="3647813"/>
+            <a:ext cx="1080120" cy="276999"/>
+          </a:xfrm>
+          <a:prstGeom prst="rect">
+            <a:avLst/>
+          </a:prstGeom>
+          <a:ln w="19050">
+            <a:solidFill>
+              <a:schemeClr val="tx2">
+                <a:lumMod val="75000"/>
+              </a:schemeClr>
+            </a:solidFill>
+          </a:ln>
+          <a:effectLst/>
+        </p:spPr>
+        <p:style>
+          <a:lnRef idx="2">
+            <a:schemeClr val="accent5"/>
+          </a:lnRef>
+          <a:fillRef idx="1">
+            <a:schemeClr val="lt1"/>
+          </a:fillRef>
+          <a:effectRef idx="0">
+            <a:schemeClr val="accent5"/>
+          </a:effectRef>
+          <a:fontRef idx="minor">
+            <a:schemeClr val="dk1"/>
+          </a:fontRef>
+        </p:style>
+        <p:txBody>
+          <a:bodyPr wrap="square" rtlCol="0">
+            <a:spAutoFit/>
+          </a:bodyPr>
+          <a:lstStyle/>
+          <a:p>
+            <a:r>
+              <a:rPr lang="pt-BR" sz="1200" dirty="0" smtClean="0">
+                <a:solidFill>
+                  <a:schemeClr val="tx2">
+                    <a:lumMod val="75000"/>
+                  </a:schemeClr>
+                </a:solidFill>
+              </a:rPr>
+              <a:t>201613312</a:t>
+            </a:r>
+            <a:endParaRPr lang="pt-BR" sz="1400" dirty="0" smtClean="0">
+              <a:solidFill>
+                <a:schemeClr val="tx2">
+                  <a:lumMod val="75000"/>
+                </a:schemeClr>
+              </a:solidFill>
+            </a:endParaRPr>
+          </a:p>
+        </p:txBody>
+      </p:sp>
+      <p:sp>
+        <p:nvSpPr>
+          <p:cNvPr id="34" name="CaixaDeTexto 33"/>
+          <p:cNvSpPr txBox="1"/>
+          <p:nvPr/>
+        </p:nvSpPr>
+        <p:spPr>
+          <a:xfrm>
+            <a:off x="6066214" y="3096675"/>
+            <a:ext cx="828000" cy="280800"/>
+          </a:xfrm>
+          <a:prstGeom prst="rect">
+            <a:avLst/>
+          </a:prstGeom>
+          <a:solidFill>
+            <a:schemeClr val="tx2">
+              <a:lumMod val="75000"/>
+            </a:schemeClr>
+          </a:solidFill>
+          <a:ln w="19050">
+            <a:noFill/>
+          </a:ln>
+          <a:effectLst/>
+        </p:spPr>
+        <p:style>
+          <a:lnRef idx="2">
+            <a:schemeClr val="accent5"/>
+          </a:lnRef>
+          <a:fillRef idx="1">
+            <a:schemeClr val="lt1"/>
+          </a:fillRef>
+          <a:effectRef idx="0">
+            <a:schemeClr val="accent5"/>
+          </a:effectRef>
+          <a:fontRef idx="minor">
+            <a:schemeClr val="dk1"/>
+          </a:fontRef>
+        </p:style>
+        <p:txBody>
+          <a:bodyPr wrap="square" rtlCol="0">
+            <a:spAutoFit/>
+          </a:bodyPr>
+          <a:lstStyle/>
+          <a:p>
+            <a:pPr algn="ctr"/>
+            <a:r>
+              <a:rPr lang="pt-BR" sz="1100" dirty="0" smtClean="0">
+                <a:solidFill>
+                  <a:schemeClr val="bg1"/>
+                </a:solidFill>
+              </a:rPr>
+              <a:t>Avaliar</a:t>
+            </a:r>
+            <a:endParaRPr lang="pt-BR" sz="1400" dirty="0" smtClean="0">
+              <a:solidFill>
+                <a:schemeClr val="bg1"/>
+              </a:solidFill>
+            </a:endParaRPr>
+          </a:p>
+        </p:txBody>
+      </p:sp>
+      <p:sp>
+        <p:nvSpPr>
+          <p:cNvPr id="35" name="Triângulo isósceles 34"/>
           <p:cNvSpPr/>
           <p:nvPr/>
         </p:nvSpPr>
         <p:spPr>
           <a:xfrm rot="10800000">
-            <a:off x="5436096" y="2146357"/>
+            <a:off x="3419872" y="2146356"/>
             <a:ext cx="196414" cy="97269"/>
           </a:xfrm>
           <a:prstGeom prst="triangle">
@@ -6205,13 +7675,13 @@
       </p:sp>
       <p:sp>
         <p:nvSpPr>
-          <p:cNvPr id="37" name="Triângulo isósceles 36"/>
+          <p:cNvPr id="36" name="Triângulo isósceles 35"/>
           <p:cNvSpPr/>
           <p:nvPr/>
         </p:nvSpPr>
         <p:spPr>
           <a:xfrm rot="10800000">
-            <a:off x="6734401" y="2146356"/>
+            <a:off x="5436096" y="2146357"/>
             <a:ext cx="196414" cy="97269"/>
           </a:xfrm>
           <a:prstGeom prst="triangle">
@@ -6253,6 +7723,54 @@
       </p:sp>
       <p:sp>
         <p:nvSpPr>
+          <p:cNvPr id="37" name="Triângulo isósceles 36"/>
+          <p:cNvSpPr/>
+          <p:nvPr/>
+        </p:nvSpPr>
+        <p:spPr>
+          <a:xfrm rot="10800000">
+            <a:off x="6734401" y="2146356"/>
+            <a:ext cx="196414" cy="97269"/>
+          </a:xfrm>
+          <a:prstGeom prst="triangle">
+            <a:avLst/>
+          </a:prstGeom>
+          <a:solidFill>
+            <a:schemeClr val="tx2">
+              <a:lumMod val="50000"/>
+            </a:schemeClr>
+          </a:solidFill>
+          <a:ln>
+            <a:noFill/>
+          </a:ln>
+        </p:spPr>
+        <p:style>
+          <a:lnRef idx="2">
+            <a:schemeClr val="accent1">
+              <a:shade val="50000"/>
+            </a:schemeClr>
+          </a:lnRef>
+          <a:fillRef idx="1">
+            <a:schemeClr val="accent1"/>
+          </a:fillRef>
+          <a:effectRef idx="0">
+            <a:schemeClr val="accent1"/>
+          </a:effectRef>
+          <a:fontRef idx="minor">
+            <a:schemeClr val="lt1"/>
+          </a:fontRef>
+        </p:style>
+        <p:txBody>
+          <a:bodyPr rtlCol="0" anchor="ctr"/>
+          <a:lstStyle/>
+          <a:p>
+            <a:pPr algn="ctr"/>
+            <a:endParaRPr lang="pt-BR"/>
+          </a:p>
+        </p:txBody>
+      </p:sp>
+      <p:sp>
+        <p:nvSpPr>
           <p:cNvPr id="38" name="CaixaDeTexto 37"/>
           <p:cNvSpPr txBox="1"/>
           <p:nvPr/>
@@ -6290,6 +7808,36 @@
               </a:solidFill>
               <a:latin typeface="+mj-lt"/>
             </a:endParaRPr>
+          </a:p>
+        </p:txBody>
+      </p:sp>
+      <p:sp>
+        <p:nvSpPr>
+          <p:cNvPr id="2" name="CaixaDeTexto 1"/>
+          <p:cNvSpPr txBox="1"/>
+          <p:nvPr/>
+        </p:nvSpPr>
+        <p:spPr>
+          <a:xfrm>
+            <a:off x="6335692" y="102458"/>
+            <a:ext cx="2808308" cy="369332"/>
+          </a:xfrm>
+          <a:prstGeom prst="rect">
+            <a:avLst/>
+          </a:prstGeom>
+          <a:noFill/>
+        </p:spPr>
+        <p:txBody>
+          <a:bodyPr wrap="square" rtlCol="0">
+            <a:spAutoFit/>
+          </a:bodyPr>
+          <a:lstStyle/>
+          <a:p>
+            <a:r>
+              <a:rPr lang="pt-BR" dirty="0" smtClean="0"/>
+              <a:t>Tela da psicóloga</a:t>
+            </a:r>
+            <a:endParaRPr lang="pt-BR" dirty="0"/>
           </a:p>
         </p:txBody>
       </p:sp>
@@ -6313,7 +7861,7 @@
 </p:sld>
 </file>
 
-<file path=ppt/slides/slide4.xml><?xml version="1.0" encoding="utf-8"?>
+<file path=ppt/slides/slide5.xml><?xml version="1.0" encoding="utf-8"?>
 <p:sld xmlns:a="http://schemas.openxmlformats.org/drawingml/2006/main" xmlns:r="http://schemas.openxmlformats.org/officeDocument/2006/relationships" xmlns:p="http://schemas.openxmlformats.org/presentationml/2006/main">
   <p:cSld>
     <p:spTree>

--- a/Documents/TelasPadrõesProjeto.pptx
+++ b/Documents/TelasPadrõesProjeto.pptx
@@ -10,6 +10,8 @@
     <p:sldId id="257" r:id="rId4"/>
     <p:sldId id="258" r:id="rId5"/>
     <p:sldId id="259" r:id="rId6"/>
+    <p:sldId id="261" r:id="rId7"/>
+    <p:sldId id="262" r:id="rId8"/>
   </p:sldIdLst>
   <p:sldSz cx="9144000" cy="6858000" type="screen4x3"/>
   <p:notesSz cx="6858000" cy="9144000"/>
@@ -3180,18 +3182,7 @@
                 </a:solidFill>
                 <a:latin typeface="+mj-lt"/>
               </a:rPr>
-              <a:t>    </a:t>
-            </a:r>
-            <a:r>
-              <a:rPr lang="pt-BR" sz="1400" dirty="0" smtClean="0">
-                <a:solidFill>
-                  <a:schemeClr val="bg1">
-                    <a:lumMod val="95000"/>
-                  </a:schemeClr>
-                </a:solidFill>
-                <a:latin typeface="+mj-lt"/>
-              </a:rPr>
-              <a:t> Cadastro </a:t>
+              <a:t>     Cadastro </a:t>
             </a:r>
             <a:endParaRPr lang="pt-BR" sz="1400" dirty="0">
               <a:solidFill>
@@ -8235,6 +8226,3776 @@
     <p:extLst>
       <p:ext uri="{BB962C8B-B14F-4D97-AF65-F5344CB8AC3E}">
         <p14:creationId xmlns:p14="http://schemas.microsoft.com/office/powerpoint/2010/main" val="2926452844"/>
+      </p:ext>
+    </p:extLst>
+  </p:cSld>
+  <p:clrMapOvr>
+    <a:masterClrMapping/>
+  </p:clrMapOvr>
+  <p:timing>
+    <p:tnLst>
+      <p:par>
+        <p:cTn id="1" dur="indefinite" restart="never" nodeType="tmRoot"/>
+      </p:par>
+    </p:tnLst>
+  </p:timing>
+</p:sld>
+</file>
+
+<file path=ppt/slides/slide6.xml><?xml version="1.0" encoding="utf-8"?>
+<p:sld xmlns:a="http://schemas.openxmlformats.org/drawingml/2006/main" xmlns:r="http://schemas.openxmlformats.org/officeDocument/2006/relationships" xmlns:p="http://schemas.openxmlformats.org/presentationml/2006/main">
+  <p:cSld>
+    <p:spTree>
+      <p:nvGrpSpPr>
+        <p:cNvPr id="1" name=""/>
+        <p:cNvGrpSpPr/>
+        <p:nvPr/>
+      </p:nvGrpSpPr>
+      <p:grpSpPr>
+        <a:xfrm>
+          <a:off x="0" y="0"/>
+          <a:ext cx="0" cy="0"/>
+          <a:chOff x="0" y="0"/>
+          <a:chExt cx="0" cy="0"/>
+        </a:xfrm>
+      </p:grpSpPr>
+      <p:pic>
+        <p:nvPicPr>
+          <p:cNvPr id="4" name="Imagem 3"/>
+          <p:cNvPicPr>
+            <a:picLocks noChangeAspect="1"/>
+          </p:cNvPicPr>
+          <p:nvPr/>
+        </p:nvPicPr>
+        <p:blipFill>
+          <a:blip r:embed="rId2">
+            <a:extLst>
+              <a:ext uri="{28A0092B-C50C-407E-A947-70E740481C1C}">
+                <a14:useLocalDpi xmlns:a14="http://schemas.microsoft.com/office/drawing/2010/main" val="0"/>
+              </a:ext>
+            </a:extLst>
+          </a:blip>
+          <a:stretch>
+            <a:fillRect/>
+          </a:stretch>
+        </p:blipFill>
+        <p:spPr>
+          <a:xfrm>
+            <a:off x="0" y="1121256"/>
+            <a:ext cx="9144000" cy="4615487"/>
+          </a:xfrm>
+          <a:prstGeom prst="rect">
+            <a:avLst/>
+          </a:prstGeom>
+        </p:spPr>
+      </p:pic>
+      <p:sp>
+        <p:nvSpPr>
+          <p:cNvPr id="5" name="CaixaDeTexto 4"/>
+          <p:cNvSpPr txBox="1"/>
+          <p:nvPr/>
+        </p:nvSpPr>
+        <p:spPr>
+          <a:xfrm>
+            <a:off x="17605" y="1774557"/>
+            <a:ext cx="1360800" cy="307777"/>
+          </a:xfrm>
+          <a:prstGeom prst="rect">
+            <a:avLst/>
+          </a:prstGeom>
+          <a:solidFill>
+            <a:schemeClr val="accent5">
+              <a:lumMod val="50000"/>
+            </a:schemeClr>
+          </a:solidFill>
+        </p:spPr>
+        <p:txBody>
+          <a:bodyPr wrap="square" rtlCol="0">
+            <a:spAutoFit/>
+          </a:bodyPr>
+          <a:lstStyle/>
+          <a:p>
+            <a:r>
+              <a:rPr lang="pt-BR" sz="1200" dirty="0" smtClean="0">
+                <a:solidFill>
+                  <a:schemeClr val="bg1">
+                    <a:lumMod val="95000"/>
+                  </a:schemeClr>
+                </a:solidFill>
+                <a:latin typeface="+mj-lt"/>
+              </a:rPr>
+              <a:t>     </a:t>
+            </a:r>
+            <a:r>
+              <a:rPr lang="pt-BR" sz="1200" dirty="0" smtClean="0">
+                <a:solidFill>
+                  <a:schemeClr val="bg1">
+                    <a:lumMod val="95000"/>
+                  </a:schemeClr>
+                </a:solidFill>
+                <a:latin typeface="+mj-lt"/>
+              </a:rPr>
+              <a:t>   </a:t>
+            </a:r>
+            <a:r>
+              <a:rPr lang="pt-BR" sz="1400" dirty="0" smtClean="0">
+                <a:solidFill>
+                  <a:schemeClr val="bg1"/>
+                </a:solidFill>
+                <a:latin typeface="+mj-lt"/>
+              </a:rPr>
+              <a:t>Cursos</a:t>
+            </a:r>
+            <a:endParaRPr lang="pt-BR" sz="1200" dirty="0">
+              <a:solidFill>
+                <a:schemeClr val="bg1"/>
+              </a:solidFill>
+              <a:latin typeface="+mj-lt"/>
+            </a:endParaRPr>
+          </a:p>
+        </p:txBody>
+      </p:sp>
+      <p:sp>
+        <p:nvSpPr>
+          <p:cNvPr id="8" name="CaixaDeTexto 7"/>
+          <p:cNvSpPr txBox="1"/>
+          <p:nvPr/>
+        </p:nvSpPr>
+        <p:spPr>
+          <a:xfrm>
+            <a:off x="1973836" y="1688807"/>
+            <a:ext cx="1478931" cy="400110"/>
+          </a:xfrm>
+          <a:prstGeom prst="rect">
+            <a:avLst/>
+          </a:prstGeom>
+          <a:noFill/>
+        </p:spPr>
+        <p:txBody>
+          <a:bodyPr wrap="none" rtlCol="0">
+            <a:spAutoFit/>
+          </a:bodyPr>
+          <a:lstStyle/>
+          <a:p>
+            <a:r>
+              <a:rPr lang="pt-BR" sz="2000" dirty="0" smtClean="0">
+                <a:solidFill>
+                  <a:schemeClr val="tx2">
+                    <a:lumMod val="50000"/>
+                  </a:schemeClr>
+                </a:solidFill>
+                <a:latin typeface="+mj-lt"/>
+              </a:rPr>
+              <a:t>Informações</a:t>
+            </a:r>
+            <a:endParaRPr lang="pt-BR" sz="2800" dirty="0">
+              <a:solidFill>
+                <a:schemeClr val="tx2">
+                  <a:lumMod val="50000"/>
+                </a:schemeClr>
+              </a:solidFill>
+              <a:latin typeface="+mj-lt"/>
+            </a:endParaRPr>
+          </a:p>
+        </p:txBody>
+      </p:sp>
+      <p:sp>
+        <p:nvSpPr>
+          <p:cNvPr id="34" name="CaixaDeTexto 33"/>
+          <p:cNvSpPr txBox="1"/>
+          <p:nvPr/>
+        </p:nvSpPr>
+        <p:spPr>
+          <a:xfrm>
+            <a:off x="6857291" y="5057726"/>
+            <a:ext cx="1170082" cy="307777"/>
+          </a:xfrm>
+          <a:prstGeom prst="rect">
+            <a:avLst/>
+          </a:prstGeom>
+          <a:solidFill>
+            <a:schemeClr val="tx2">
+              <a:lumMod val="75000"/>
+            </a:schemeClr>
+          </a:solidFill>
+          <a:ln w="19050">
+            <a:noFill/>
+          </a:ln>
+          <a:effectLst/>
+        </p:spPr>
+        <p:style>
+          <a:lnRef idx="2">
+            <a:schemeClr val="accent5"/>
+          </a:lnRef>
+          <a:fillRef idx="1">
+            <a:schemeClr val="lt1"/>
+          </a:fillRef>
+          <a:effectRef idx="0">
+            <a:schemeClr val="accent5"/>
+          </a:effectRef>
+          <a:fontRef idx="minor">
+            <a:schemeClr val="dk1"/>
+          </a:fontRef>
+        </p:style>
+        <p:txBody>
+          <a:bodyPr wrap="square" rtlCol="0">
+            <a:spAutoFit/>
+          </a:bodyPr>
+          <a:lstStyle/>
+          <a:p>
+            <a:pPr algn="ctr"/>
+            <a:r>
+              <a:rPr lang="pt-BR" sz="1400" dirty="0" smtClean="0">
+                <a:solidFill>
+                  <a:schemeClr val="bg1"/>
+                </a:solidFill>
+              </a:rPr>
+              <a:t>Salvar</a:t>
+            </a:r>
+          </a:p>
+        </p:txBody>
+      </p:sp>
+      <p:sp>
+        <p:nvSpPr>
+          <p:cNvPr id="38" name="CaixaDeTexto 37"/>
+          <p:cNvSpPr txBox="1"/>
+          <p:nvPr/>
+        </p:nvSpPr>
+        <p:spPr>
+          <a:xfrm>
+            <a:off x="24906" y="3163189"/>
+            <a:ext cx="1323007" cy="307777"/>
+          </a:xfrm>
+          <a:prstGeom prst="rect">
+            <a:avLst/>
+          </a:prstGeom>
+          <a:solidFill>
+            <a:srgbClr val="364150"/>
+          </a:solidFill>
+        </p:spPr>
+        <p:txBody>
+          <a:bodyPr wrap="square" rtlCol="0">
+            <a:spAutoFit/>
+          </a:bodyPr>
+          <a:lstStyle/>
+          <a:p>
+            <a:r>
+              <a:rPr lang="pt-BR" sz="1400" dirty="0" smtClean="0">
+                <a:solidFill>
+                  <a:schemeClr val="bg1"/>
+                </a:solidFill>
+                <a:latin typeface="+mj-lt"/>
+              </a:rPr>
+              <a:t>    </a:t>
+            </a:r>
+            <a:r>
+              <a:rPr lang="pt-BR" sz="1400" dirty="0" smtClean="0">
+                <a:solidFill>
+                  <a:schemeClr val="bg1"/>
+                </a:solidFill>
+                <a:latin typeface="+mj-lt"/>
+              </a:rPr>
+              <a:t>      </a:t>
+            </a:r>
+            <a:r>
+              <a:rPr lang="pt-BR" sz="1400" dirty="0" smtClean="0">
+                <a:solidFill>
+                  <a:schemeClr val="bg1"/>
+                </a:solidFill>
+                <a:latin typeface="+mj-lt"/>
+              </a:rPr>
+              <a:t>Sair</a:t>
+            </a:r>
+            <a:endParaRPr lang="pt-BR" sz="1400" dirty="0">
+              <a:solidFill>
+                <a:schemeClr val="bg1"/>
+              </a:solidFill>
+              <a:latin typeface="+mj-lt"/>
+            </a:endParaRPr>
+          </a:p>
+        </p:txBody>
+      </p:sp>
+      <p:sp>
+        <p:nvSpPr>
+          <p:cNvPr id="2" name="CaixaDeTexto 1"/>
+          <p:cNvSpPr txBox="1"/>
+          <p:nvPr/>
+        </p:nvSpPr>
+        <p:spPr>
+          <a:xfrm>
+            <a:off x="7308304" y="116462"/>
+            <a:ext cx="1835696" cy="369332"/>
+          </a:xfrm>
+          <a:prstGeom prst="rect">
+            <a:avLst/>
+          </a:prstGeom>
+          <a:noFill/>
+        </p:spPr>
+        <p:txBody>
+          <a:bodyPr wrap="square" rtlCol="0">
+            <a:spAutoFit/>
+          </a:bodyPr>
+          <a:lstStyle/>
+          <a:p>
+            <a:r>
+              <a:rPr lang="pt-BR" dirty="0" smtClean="0"/>
+              <a:t>Tela da psicóloga</a:t>
+            </a:r>
+            <a:endParaRPr lang="pt-BR" dirty="0"/>
+          </a:p>
+        </p:txBody>
+      </p:sp>
+      <p:sp>
+        <p:nvSpPr>
+          <p:cNvPr id="39" name="CaixaDeTexto 38"/>
+          <p:cNvSpPr txBox="1"/>
+          <p:nvPr/>
+        </p:nvSpPr>
+        <p:spPr>
+          <a:xfrm>
+            <a:off x="0" y="2121897"/>
+            <a:ext cx="1360800" cy="307777"/>
+          </a:xfrm>
+          <a:prstGeom prst="rect">
+            <a:avLst/>
+          </a:prstGeom>
+          <a:solidFill>
+            <a:srgbClr val="364150"/>
+          </a:solidFill>
+        </p:spPr>
+        <p:txBody>
+          <a:bodyPr wrap="square" rtlCol="0">
+            <a:spAutoFit/>
+          </a:bodyPr>
+          <a:lstStyle/>
+          <a:p>
+            <a:r>
+              <a:rPr lang="pt-BR" sz="1400" dirty="0" smtClean="0">
+                <a:solidFill>
+                  <a:schemeClr val="bg1">
+                    <a:lumMod val="95000"/>
+                  </a:schemeClr>
+                </a:solidFill>
+                <a:latin typeface="+mj-lt"/>
+              </a:rPr>
+              <a:t> </a:t>
+            </a:r>
+            <a:r>
+              <a:rPr lang="pt-BR" sz="1400" dirty="0" smtClean="0">
+                <a:solidFill>
+                  <a:schemeClr val="bg1">
+                    <a:lumMod val="95000"/>
+                  </a:schemeClr>
+                </a:solidFill>
+                <a:latin typeface="+mj-lt"/>
+              </a:rPr>
+              <a:t>     </a:t>
+            </a:r>
+            <a:r>
+              <a:rPr lang="pt-BR" sz="1400" dirty="0" smtClean="0">
+                <a:solidFill>
+                  <a:schemeClr val="bg1"/>
+                </a:solidFill>
+              </a:rPr>
+              <a:t>Questões</a:t>
+            </a:r>
+            <a:endParaRPr lang="pt-BR" sz="1400" dirty="0">
+              <a:solidFill>
+                <a:schemeClr val="bg1"/>
+              </a:solidFill>
+              <a:latin typeface="+mj-lt"/>
+            </a:endParaRPr>
+          </a:p>
+        </p:txBody>
+      </p:sp>
+      <p:sp>
+        <p:nvSpPr>
+          <p:cNvPr id="3" name="Retângulo 2"/>
+          <p:cNvSpPr/>
+          <p:nvPr/>
+        </p:nvSpPr>
+        <p:spPr>
+          <a:xfrm>
+            <a:off x="213831" y="2815948"/>
+            <a:ext cx="1408089" cy="307777"/>
+          </a:xfrm>
+          <a:prstGeom prst="rect">
+            <a:avLst/>
+          </a:prstGeom>
+        </p:spPr>
+        <p:txBody>
+          <a:bodyPr wrap="square">
+            <a:spAutoFit/>
+          </a:bodyPr>
+          <a:lstStyle/>
+          <a:p>
+            <a:r>
+              <a:rPr lang="pt-BR" sz="1400" dirty="0" smtClean="0">
+                <a:solidFill>
+                  <a:schemeClr val="bg1"/>
+                </a:solidFill>
+              </a:rPr>
+              <a:t>Psicólogo</a:t>
+            </a:r>
+            <a:endParaRPr lang="pt-BR" sz="1400" dirty="0"/>
+          </a:p>
+        </p:txBody>
+      </p:sp>
+      <p:sp>
+        <p:nvSpPr>
+          <p:cNvPr id="42" name="Retângulo 41"/>
+          <p:cNvSpPr/>
+          <p:nvPr/>
+        </p:nvSpPr>
+        <p:spPr>
+          <a:xfrm>
+            <a:off x="2009420" y="3317078"/>
+            <a:ext cx="6032024" cy="1414871"/>
+          </a:xfrm>
+          <a:prstGeom prst="rect">
+            <a:avLst/>
+          </a:prstGeom>
+          <a:solidFill>
+            <a:schemeClr val="bg1"/>
+          </a:solidFill>
+          <a:ln w="19050">
+            <a:solidFill>
+              <a:srgbClr val="364150"/>
+            </a:solidFill>
+          </a:ln>
+        </p:spPr>
+        <p:style>
+          <a:lnRef idx="2">
+            <a:schemeClr val="accent1">
+              <a:shade val="50000"/>
+            </a:schemeClr>
+          </a:lnRef>
+          <a:fillRef idx="1">
+            <a:schemeClr val="accent1"/>
+          </a:fillRef>
+          <a:effectRef idx="0">
+            <a:schemeClr val="accent1"/>
+          </a:effectRef>
+          <a:fontRef idx="minor">
+            <a:schemeClr val="lt1"/>
+          </a:fontRef>
+        </p:style>
+        <p:txBody>
+          <a:bodyPr rtlCol="0" anchor="ctr"/>
+          <a:lstStyle/>
+          <a:p>
+            <a:pPr algn="ctr"/>
+            <a:endParaRPr lang="pt-BR"/>
+          </a:p>
+        </p:txBody>
+      </p:sp>
+      <p:sp>
+        <p:nvSpPr>
+          <p:cNvPr id="43" name="CaixaDeTexto 42"/>
+          <p:cNvSpPr txBox="1"/>
+          <p:nvPr/>
+        </p:nvSpPr>
+        <p:spPr>
+          <a:xfrm>
+            <a:off x="2009419" y="3317304"/>
+            <a:ext cx="3956858" cy="307777"/>
+          </a:xfrm>
+          <a:prstGeom prst="rect">
+            <a:avLst/>
+          </a:prstGeom>
+          <a:ln w="19050">
+            <a:solidFill>
+              <a:schemeClr val="tx2">
+                <a:lumMod val="75000"/>
+              </a:schemeClr>
+            </a:solidFill>
+          </a:ln>
+          <a:effectLst/>
+        </p:spPr>
+        <p:style>
+          <a:lnRef idx="2">
+            <a:schemeClr val="accent5"/>
+          </a:lnRef>
+          <a:fillRef idx="1">
+            <a:schemeClr val="lt1"/>
+          </a:fillRef>
+          <a:effectRef idx="0">
+            <a:schemeClr val="accent5"/>
+          </a:effectRef>
+          <a:fontRef idx="minor">
+            <a:schemeClr val="dk1"/>
+          </a:fontRef>
+        </p:style>
+        <p:txBody>
+          <a:bodyPr wrap="square" rtlCol="0">
+            <a:spAutoFit/>
+          </a:bodyPr>
+          <a:lstStyle/>
+          <a:p>
+            <a:r>
+              <a:rPr lang="pt-BR" sz="1400" dirty="0" smtClean="0">
+                <a:solidFill>
+                  <a:schemeClr val="tx2">
+                    <a:lumMod val="75000"/>
+                  </a:schemeClr>
+                </a:solidFill>
+              </a:rPr>
+              <a:t>Nome</a:t>
+            </a:r>
+            <a:endParaRPr lang="pt-BR" sz="1600" dirty="0" smtClean="0">
+              <a:solidFill>
+                <a:schemeClr val="tx2">
+                  <a:lumMod val="75000"/>
+                </a:schemeClr>
+              </a:solidFill>
+            </a:endParaRPr>
+          </a:p>
+        </p:txBody>
+      </p:sp>
+      <p:sp>
+        <p:nvSpPr>
+          <p:cNvPr id="44" name="CaixaDeTexto 43"/>
+          <p:cNvSpPr txBox="1"/>
+          <p:nvPr/>
+        </p:nvSpPr>
+        <p:spPr>
+          <a:xfrm>
+            <a:off x="6046206" y="3317304"/>
+            <a:ext cx="1838162" cy="307777"/>
+          </a:xfrm>
+          <a:prstGeom prst="rect">
+            <a:avLst/>
+          </a:prstGeom>
+          <a:ln w="19050">
+            <a:solidFill>
+              <a:schemeClr val="tx2">
+                <a:lumMod val="75000"/>
+              </a:schemeClr>
+            </a:solidFill>
+          </a:ln>
+          <a:effectLst/>
+        </p:spPr>
+        <p:style>
+          <a:lnRef idx="2">
+            <a:schemeClr val="accent5"/>
+          </a:lnRef>
+          <a:fillRef idx="1">
+            <a:schemeClr val="lt1"/>
+          </a:fillRef>
+          <a:effectRef idx="0">
+            <a:schemeClr val="accent5"/>
+          </a:effectRef>
+          <a:fontRef idx="minor">
+            <a:schemeClr val="dk1"/>
+          </a:fontRef>
+        </p:style>
+        <p:txBody>
+          <a:bodyPr wrap="square" rtlCol="0">
+            <a:spAutoFit/>
+          </a:bodyPr>
+          <a:lstStyle/>
+          <a:p>
+            <a:r>
+              <a:rPr lang="pt-BR" sz="1400" dirty="0" smtClean="0">
+                <a:solidFill>
+                  <a:schemeClr val="tx1"/>
+                </a:solidFill>
+              </a:rPr>
+              <a:t>Ativo</a:t>
+            </a:r>
+            <a:endParaRPr lang="pt-BR" sz="1600" dirty="0" smtClean="0">
+              <a:solidFill>
+                <a:schemeClr val="tx1"/>
+              </a:solidFill>
+            </a:endParaRPr>
+          </a:p>
+        </p:txBody>
+      </p:sp>
+      <p:sp>
+        <p:nvSpPr>
+          <p:cNvPr id="45" name="CaixaDeTexto 44"/>
+          <p:cNvSpPr txBox="1"/>
+          <p:nvPr/>
+        </p:nvSpPr>
+        <p:spPr>
+          <a:xfrm>
+            <a:off x="2009419" y="3623440"/>
+            <a:ext cx="3956859" cy="276999"/>
+          </a:xfrm>
+          <a:prstGeom prst="rect">
+            <a:avLst/>
+          </a:prstGeom>
+          <a:solidFill>
+            <a:schemeClr val="bg1">
+              <a:lumMod val="95000"/>
+            </a:schemeClr>
+          </a:solidFill>
+          <a:ln w="19050">
+            <a:solidFill>
+              <a:schemeClr val="tx2">
+                <a:lumMod val="75000"/>
+              </a:schemeClr>
+            </a:solidFill>
+          </a:ln>
+          <a:effectLst/>
+        </p:spPr>
+        <p:style>
+          <a:lnRef idx="2">
+            <a:schemeClr val="accent5"/>
+          </a:lnRef>
+          <a:fillRef idx="1">
+            <a:schemeClr val="lt1"/>
+          </a:fillRef>
+          <a:effectRef idx="0">
+            <a:schemeClr val="accent5"/>
+          </a:effectRef>
+          <a:fontRef idx="minor">
+            <a:schemeClr val="dk1"/>
+          </a:fontRef>
+        </p:style>
+        <p:txBody>
+          <a:bodyPr wrap="square" rtlCol="0">
+            <a:spAutoFit/>
+          </a:bodyPr>
+          <a:lstStyle/>
+          <a:p>
+            <a:r>
+              <a:rPr lang="pt-BR" sz="1200" dirty="0" smtClean="0">
+                <a:solidFill>
+                  <a:schemeClr val="tx2">
+                    <a:lumMod val="75000"/>
+                  </a:schemeClr>
+                </a:solidFill>
+              </a:rPr>
+              <a:t>Banco de Dados</a:t>
+            </a:r>
+            <a:endParaRPr lang="pt-BR" sz="1600" dirty="0" smtClean="0">
+              <a:solidFill>
+                <a:schemeClr val="tx2">
+                  <a:lumMod val="75000"/>
+                </a:schemeClr>
+              </a:solidFill>
+            </a:endParaRPr>
+          </a:p>
+        </p:txBody>
+      </p:sp>
+      <p:sp>
+        <p:nvSpPr>
+          <p:cNvPr id="46" name="CaixaDeTexto 45"/>
+          <p:cNvSpPr txBox="1"/>
+          <p:nvPr/>
+        </p:nvSpPr>
+        <p:spPr>
+          <a:xfrm>
+            <a:off x="6046206" y="3620581"/>
+            <a:ext cx="1838162" cy="276999"/>
+          </a:xfrm>
+          <a:prstGeom prst="rect">
+            <a:avLst/>
+          </a:prstGeom>
+          <a:solidFill>
+            <a:schemeClr val="bg1">
+              <a:lumMod val="95000"/>
+            </a:schemeClr>
+          </a:solidFill>
+          <a:ln w="19050">
+            <a:solidFill>
+              <a:schemeClr val="tx2">
+                <a:lumMod val="75000"/>
+              </a:schemeClr>
+            </a:solidFill>
+          </a:ln>
+          <a:effectLst/>
+        </p:spPr>
+        <p:style>
+          <a:lnRef idx="2">
+            <a:schemeClr val="accent5"/>
+          </a:lnRef>
+          <a:fillRef idx="1">
+            <a:schemeClr val="lt1"/>
+          </a:fillRef>
+          <a:effectRef idx="0">
+            <a:schemeClr val="accent5"/>
+          </a:effectRef>
+          <a:fontRef idx="minor">
+            <a:schemeClr val="dk1"/>
+          </a:fontRef>
+        </p:style>
+        <p:txBody>
+          <a:bodyPr wrap="square" rtlCol="0">
+            <a:spAutoFit/>
+          </a:bodyPr>
+          <a:lstStyle/>
+          <a:p>
+            <a:r>
+              <a:rPr lang="pt-BR" sz="1200" dirty="0" smtClean="0">
+                <a:solidFill>
+                  <a:srgbClr val="FF0000"/>
+                </a:solidFill>
+              </a:rPr>
+              <a:t>Inativo</a:t>
+            </a:r>
+            <a:endParaRPr lang="pt-BR" sz="1600" dirty="0" smtClean="0">
+              <a:solidFill>
+                <a:srgbClr val="FF0000"/>
+              </a:solidFill>
+            </a:endParaRPr>
+          </a:p>
+        </p:txBody>
+      </p:sp>
+      <p:sp>
+        <p:nvSpPr>
+          <p:cNvPr id="47" name="CaixaDeTexto 46"/>
+          <p:cNvSpPr txBox="1"/>
+          <p:nvPr/>
+        </p:nvSpPr>
+        <p:spPr>
+          <a:xfrm>
+            <a:off x="2009416" y="3900952"/>
+            <a:ext cx="3956859" cy="276999"/>
+          </a:xfrm>
+          <a:prstGeom prst="rect">
+            <a:avLst/>
+          </a:prstGeom>
+          <a:ln w="19050">
+            <a:solidFill>
+              <a:schemeClr val="tx2">
+                <a:lumMod val="75000"/>
+              </a:schemeClr>
+            </a:solidFill>
+          </a:ln>
+          <a:effectLst/>
+        </p:spPr>
+        <p:style>
+          <a:lnRef idx="2">
+            <a:schemeClr val="accent5"/>
+          </a:lnRef>
+          <a:fillRef idx="1">
+            <a:schemeClr val="lt1"/>
+          </a:fillRef>
+          <a:effectRef idx="0">
+            <a:schemeClr val="accent5"/>
+          </a:effectRef>
+          <a:fontRef idx="minor">
+            <a:schemeClr val="dk1"/>
+          </a:fontRef>
+        </p:style>
+        <p:txBody>
+          <a:bodyPr wrap="square" rtlCol="0">
+            <a:spAutoFit/>
+          </a:bodyPr>
+          <a:lstStyle/>
+          <a:p>
+            <a:r>
+              <a:rPr lang="pt-BR" sz="1200" dirty="0" smtClean="0">
+                <a:solidFill>
+                  <a:schemeClr val="tx2">
+                    <a:lumMod val="75000"/>
+                  </a:schemeClr>
+                </a:solidFill>
+              </a:rPr>
+              <a:t>Logística</a:t>
+            </a:r>
+            <a:endParaRPr lang="pt-BR" sz="1400" dirty="0" smtClean="0">
+              <a:solidFill>
+                <a:schemeClr val="tx2">
+                  <a:lumMod val="75000"/>
+                </a:schemeClr>
+              </a:solidFill>
+            </a:endParaRPr>
+          </a:p>
+        </p:txBody>
+      </p:sp>
+      <p:sp>
+        <p:nvSpPr>
+          <p:cNvPr id="48" name="CaixaDeTexto 47"/>
+          <p:cNvSpPr txBox="1"/>
+          <p:nvPr/>
+        </p:nvSpPr>
+        <p:spPr>
+          <a:xfrm>
+            <a:off x="6046202" y="3903812"/>
+            <a:ext cx="1838165" cy="307777"/>
+          </a:xfrm>
+          <a:prstGeom prst="rect">
+            <a:avLst/>
+          </a:prstGeom>
+          <a:ln w="19050">
+            <a:solidFill>
+              <a:schemeClr val="tx2">
+                <a:lumMod val="75000"/>
+              </a:schemeClr>
+            </a:solidFill>
+          </a:ln>
+          <a:effectLst/>
+        </p:spPr>
+        <p:style>
+          <a:lnRef idx="2">
+            <a:schemeClr val="accent5"/>
+          </a:lnRef>
+          <a:fillRef idx="1">
+            <a:schemeClr val="lt1"/>
+          </a:fillRef>
+          <a:effectRef idx="0">
+            <a:schemeClr val="accent5"/>
+          </a:effectRef>
+          <a:fontRef idx="minor">
+            <a:schemeClr val="dk1"/>
+          </a:fontRef>
+        </p:style>
+        <p:txBody>
+          <a:bodyPr wrap="square" rtlCol="0">
+            <a:spAutoFit/>
+          </a:bodyPr>
+          <a:lstStyle/>
+          <a:p>
+            <a:r>
+              <a:rPr lang="pt-BR" sz="1400" dirty="0" smtClean="0">
+                <a:solidFill>
+                  <a:schemeClr val="tx1"/>
+                </a:solidFill>
+              </a:rPr>
+              <a:t>Ativo</a:t>
+            </a:r>
+            <a:endParaRPr lang="pt-BR" sz="1400" dirty="0" smtClean="0">
+              <a:solidFill>
+                <a:schemeClr val="tx1"/>
+              </a:solidFill>
+            </a:endParaRPr>
+          </a:p>
+        </p:txBody>
+      </p:sp>
+      <p:sp>
+        <p:nvSpPr>
+          <p:cNvPr id="49" name="CaixaDeTexto 48"/>
+          <p:cNvSpPr txBox="1"/>
+          <p:nvPr/>
+        </p:nvSpPr>
+        <p:spPr>
+          <a:xfrm>
+            <a:off x="2009414" y="4177951"/>
+            <a:ext cx="3956858" cy="276999"/>
+          </a:xfrm>
+          <a:prstGeom prst="rect">
+            <a:avLst/>
+          </a:prstGeom>
+          <a:solidFill>
+            <a:schemeClr val="bg1">
+              <a:lumMod val="95000"/>
+            </a:schemeClr>
+          </a:solidFill>
+          <a:ln w="19050">
+            <a:solidFill>
+              <a:schemeClr val="tx2">
+                <a:lumMod val="75000"/>
+              </a:schemeClr>
+            </a:solidFill>
+          </a:ln>
+          <a:effectLst/>
+        </p:spPr>
+        <p:style>
+          <a:lnRef idx="2">
+            <a:schemeClr val="accent5"/>
+          </a:lnRef>
+          <a:fillRef idx="1">
+            <a:schemeClr val="lt1"/>
+          </a:fillRef>
+          <a:effectRef idx="0">
+            <a:schemeClr val="accent5"/>
+          </a:effectRef>
+          <a:fontRef idx="minor">
+            <a:schemeClr val="dk1"/>
+          </a:fontRef>
+        </p:style>
+        <p:txBody>
+          <a:bodyPr wrap="square" rtlCol="0">
+            <a:spAutoFit/>
+          </a:bodyPr>
+          <a:lstStyle/>
+          <a:p>
+            <a:r>
+              <a:rPr lang="pt-BR" sz="1200" dirty="0" smtClean="0">
+                <a:solidFill>
+                  <a:schemeClr val="tx2">
+                    <a:lumMod val="75000"/>
+                  </a:schemeClr>
+                </a:solidFill>
+              </a:rPr>
+              <a:t>Analise e Desenvolvimento de Sistemas</a:t>
+            </a:r>
+            <a:endParaRPr lang="pt-BR" sz="1400" dirty="0" smtClean="0">
+              <a:solidFill>
+                <a:schemeClr val="tx2">
+                  <a:lumMod val="75000"/>
+                </a:schemeClr>
+              </a:solidFill>
+            </a:endParaRPr>
+          </a:p>
+        </p:txBody>
+      </p:sp>
+      <p:sp>
+        <p:nvSpPr>
+          <p:cNvPr id="50" name="CaixaDeTexto 49"/>
+          <p:cNvSpPr txBox="1"/>
+          <p:nvPr/>
+        </p:nvSpPr>
+        <p:spPr>
+          <a:xfrm>
+            <a:off x="6046196" y="4163215"/>
+            <a:ext cx="1838172" cy="276999"/>
+          </a:xfrm>
+          <a:prstGeom prst="rect">
+            <a:avLst/>
+          </a:prstGeom>
+          <a:solidFill>
+            <a:schemeClr val="bg1">
+              <a:lumMod val="95000"/>
+            </a:schemeClr>
+          </a:solidFill>
+          <a:ln w="19050">
+            <a:solidFill>
+              <a:schemeClr val="tx2">
+                <a:lumMod val="75000"/>
+              </a:schemeClr>
+            </a:solidFill>
+          </a:ln>
+          <a:effectLst/>
+        </p:spPr>
+        <p:style>
+          <a:lnRef idx="2">
+            <a:schemeClr val="accent5"/>
+          </a:lnRef>
+          <a:fillRef idx="1">
+            <a:schemeClr val="lt1"/>
+          </a:fillRef>
+          <a:effectRef idx="0">
+            <a:schemeClr val="accent5"/>
+          </a:effectRef>
+          <a:fontRef idx="minor">
+            <a:schemeClr val="dk1"/>
+          </a:fontRef>
+        </p:style>
+        <p:txBody>
+          <a:bodyPr wrap="square" rtlCol="0">
+            <a:spAutoFit/>
+          </a:bodyPr>
+          <a:lstStyle/>
+          <a:p>
+            <a:r>
+              <a:rPr lang="pt-BR" sz="1200" dirty="0" smtClean="0">
+                <a:solidFill>
+                  <a:schemeClr val="tx1"/>
+                </a:solidFill>
+              </a:rPr>
+              <a:t>Ativo</a:t>
+            </a:r>
+            <a:endParaRPr lang="pt-BR" sz="1400" dirty="0" smtClean="0">
+              <a:solidFill>
+                <a:schemeClr val="tx1"/>
+              </a:solidFill>
+            </a:endParaRPr>
+          </a:p>
+        </p:txBody>
+      </p:sp>
+      <p:sp>
+        <p:nvSpPr>
+          <p:cNvPr id="51" name="CaixaDeTexto 50"/>
+          <p:cNvSpPr txBox="1"/>
+          <p:nvPr/>
+        </p:nvSpPr>
+        <p:spPr>
+          <a:xfrm>
+            <a:off x="2009414" y="4454950"/>
+            <a:ext cx="3956866" cy="276999"/>
+          </a:xfrm>
+          <a:prstGeom prst="rect">
+            <a:avLst/>
+          </a:prstGeom>
+          <a:ln w="19050">
+            <a:solidFill>
+              <a:schemeClr val="tx2">
+                <a:lumMod val="75000"/>
+              </a:schemeClr>
+            </a:solidFill>
+          </a:ln>
+          <a:effectLst/>
+        </p:spPr>
+        <p:style>
+          <a:lnRef idx="2">
+            <a:schemeClr val="accent5"/>
+          </a:lnRef>
+          <a:fillRef idx="1">
+            <a:schemeClr val="lt1"/>
+          </a:fillRef>
+          <a:effectRef idx="0">
+            <a:schemeClr val="accent5"/>
+          </a:effectRef>
+          <a:fontRef idx="minor">
+            <a:schemeClr val="dk1"/>
+          </a:fontRef>
+        </p:style>
+        <p:txBody>
+          <a:bodyPr wrap="square" rtlCol="0">
+            <a:spAutoFit/>
+          </a:bodyPr>
+          <a:lstStyle/>
+          <a:p>
+            <a:r>
+              <a:rPr lang="pt-BR" sz="1200" dirty="0" smtClean="0">
+                <a:solidFill>
+                  <a:schemeClr val="tx2">
+                    <a:lumMod val="75000"/>
+                  </a:schemeClr>
+                </a:solidFill>
+              </a:rPr>
+              <a:t>Gestão de produção industrial</a:t>
+            </a:r>
+            <a:endParaRPr lang="pt-BR" sz="1400" dirty="0" smtClean="0">
+              <a:solidFill>
+                <a:schemeClr val="tx2">
+                  <a:lumMod val="75000"/>
+                </a:schemeClr>
+              </a:solidFill>
+            </a:endParaRPr>
+          </a:p>
+        </p:txBody>
+      </p:sp>
+      <p:sp>
+        <p:nvSpPr>
+          <p:cNvPr id="52" name="CaixaDeTexto 51"/>
+          <p:cNvSpPr txBox="1"/>
+          <p:nvPr/>
+        </p:nvSpPr>
+        <p:spPr>
+          <a:xfrm>
+            <a:off x="6046208" y="4454950"/>
+            <a:ext cx="1838159" cy="276999"/>
+          </a:xfrm>
+          <a:prstGeom prst="rect">
+            <a:avLst/>
+          </a:prstGeom>
+          <a:ln w="19050">
+            <a:solidFill>
+              <a:schemeClr val="tx2">
+                <a:lumMod val="75000"/>
+              </a:schemeClr>
+            </a:solidFill>
+          </a:ln>
+          <a:effectLst/>
+        </p:spPr>
+        <p:style>
+          <a:lnRef idx="2">
+            <a:schemeClr val="accent5"/>
+          </a:lnRef>
+          <a:fillRef idx="1">
+            <a:schemeClr val="lt1"/>
+          </a:fillRef>
+          <a:effectRef idx="0">
+            <a:schemeClr val="accent5"/>
+          </a:effectRef>
+          <a:fontRef idx="minor">
+            <a:schemeClr val="dk1"/>
+          </a:fontRef>
+        </p:style>
+        <p:txBody>
+          <a:bodyPr wrap="square" rtlCol="0">
+            <a:spAutoFit/>
+          </a:bodyPr>
+          <a:lstStyle/>
+          <a:p>
+            <a:r>
+              <a:rPr lang="pt-BR" sz="1200" dirty="0" smtClean="0">
+                <a:solidFill>
+                  <a:schemeClr val="tx1"/>
+                </a:solidFill>
+              </a:rPr>
+              <a:t>Ativo</a:t>
+            </a:r>
+            <a:endParaRPr lang="pt-BR" sz="1400" dirty="0" smtClean="0">
+              <a:solidFill>
+                <a:schemeClr val="tx1"/>
+              </a:solidFill>
+            </a:endParaRPr>
+          </a:p>
+        </p:txBody>
+      </p:sp>
+      <p:sp>
+        <p:nvSpPr>
+          <p:cNvPr id="53" name="Triângulo isósceles 52"/>
+          <p:cNvSpPr/>
+          <p:nvPr/>
+        </p:nvSpPr>
+        <p:spPr>
+          <a:xfrm rot="10800000">
+            <a:off x="7884367" y="4604580"/>
+            <a:ext cx="141802" cy="95037"/>
+          </a:xfrm>
+          <a:prstGeom prst="triangle">
+            <a:avLst/>
+          </a:prstGeom>
+          <a:solidFill>
+            <a:schemeClr val="tx2">
+              <a:lumMod val="50000"/>
+            </a:schemeClr>
+          </a:solidFill>
+          <a:ln>
+            <a:noFill/>
+          </a:ln>
+        </p:spPr>
+        <p:style>
+          <a:lnRef idx="2">
+            <a:schemeClr val="accent1">
+              <a:shade val="50000"/>
+            </a:schemeClr>
+          </a:lnRef>
+          <a:fillRef idx="1">
+            <a:schemeClr val="accent1"/>
+          </a:fillRef>
+          <a:effectRef idx="0">
+            <a:schemeClr val="accent1"/>
+          </a:effectRef>
+          <a:fontRef idx="minor">
+            <a:schemeClr val="lt1"/>
+          </a:fontRef>
+        </p:style>
+        <p:txBody>
+          <a:bodyPr rtlCol="0" anchor="ctr"/>
+          <a:lstStyle/>
+          <a:p>
+            <a:pPr algn="ctr"/>
+            <a:endParaRPr lang="pt-BR"/>
+          </a:p>
+        </p:txBody>
+      </p:sp>
+      <p:sp>
+        <p:nvSpPr>
+          <p:cNvPr id="54" name="CaixaDeTexto 53"/>
+          <p:cNvSpPr txBox="1"/>
+          <p:nvPr/>
+        </p:nvSpPr>
+        <p:spPr>
+          <a:xfrm>
+            <a:off x="5374705" y="5069778"/>
+            <a:ext cx="1170082" cy="307777"/>
+          </a:xfrm>
+          <a:prstGeom prst="rect">
+            <a:avLst/>
+          </a:prstGeom>
+          <a:solidFill>
+            <a:schemeClr val="tx2">
+              <a:lumMod val="75000"/>
+            </a:schemeClr>
+          </a:solidFill>
+          <a:ln w="19050">
+            <a:noFill/>
+          </a:ln>
+          <a:effectLst/>
+        </p:spPr>
+        <p:style>
+          <a:lnRef idx="2">
+            <a:schemeClr val="accent5"/>
+          </a:lnRef>
+          <a:fillRef idx="1">
+            <a:schemeClr val="lt1"/>
+          </a:fillRef>
+          <a:effectRef idx="0">
+            <a:schemeClr val="accent5"/>
+          </a:effectRef>
+          <a:fontRef idx="minor">
+            <a:schemeClr val="dk1"/>
+          </a:fontRef>
+        </p:style>
+        <p:txBody>
+          <a:bodyPr wrap="square" rtlCol="0">
+            <a:spAutoFit/>
+          </a:bodyPr>
+          <a:lstStyle/>
+          <a:p>
+            <a:pPr algn="ctr"/>
+            <a:r>
+              <a:rPr lang="pt-BR" sz="1400" dirty="0" smtClean="0">
+                <a:solidFill>
+                  <a:schemeClr val="bg1"/>
+                </a:solidFill>
+              </a:rPr>
+              <a:t>Remover</a:t>
+            </a:r>
+          </a:p>
+        </p:txBody>
+      </p:sp>
+      <p:sp>
+        <p:nvSpPr>
+          <p:cNvPr id="55" name="Retângulo 54"/>
+          <p:cNvSpPr/>
+          <p:nvPr/>
+        </p:nvSpPr>
+        <p:spPr>
+          <a:xfrm>
+            <a:off x="2009420" y="2338788"/>
+            <a:ext cx="6032024" cy="845308"/>
+          </a:xfrm>
+          <a:prstGeom prst="rect">
+            <a:avLst/>
+          </a:prstGeom>
+          <a:solidFill>
+            <a:schemeClr val="bg1"/>
+          </a:solidFill>
+          <a:ln w="19050">
+            <a:solidFill>
+              <a:srgbClr val="364150"/>
+            </a:solidFill>
+          </a:ln>
+        </p:spPr>
+        <p:style>
+          <a:lnRef idx="2">
+            <a:schemeClr val="accent1">
+              <a:shade val="50000"/>
+            </a:schemeClr>
+          </a:lnRef>
+          <a:fillRef idx="1">
+            <a:schemeClr val="accent1"/>
+          </a:fillRef>
+          <a:effectRef idx="0">
+            <a:schemeClr val="accent1"/>
+          </a:effectRef>
+          <a:fontRef idx="minor">
+            <a:schemeClr val="lt1"/>
+          </a:fontRef>
+        </p:style>
+        <p:txBody>
+          <a:bodyPr rtlCol="0" anchor="ctr"/>
+          <a:lstStyle/>
+          <a:p>
+            <a:pPr algn="ctr"/>
+            <a:endParaRPr lang="pt-BR"/>
+          </a:p>
+        </p:txBody>
+      </p:sp>
+      <p:sp>
+        <p:nvSpPr>
+          <p:cNvPr id="15" name="CaixaDeTexto 14"/>
+          <p:cNvSpPr txBox="1"/>
+          <p:nvPr/>
+        </p:nvSpPr>
+        <p:spPr>
+          <a:xfrm>
+            <a:off x="5600480" y="2679771"/>
+            <a:ext cx="1238305" cy="338554"/>
+          </a:xfrm>
+          <a:prstGeom prst="rect">
+            <a:avLst/>
+          </a:prstGeom>
+          <a:noFill/>
+          <a:ln>
+            <a:noFill/>
+          </a:ln>
+          <a:effectLst/>
+        </p:spPr>
+        <p:style>
+          <a:lnRef idx="2">
+            <a:schemeClr val="accent5"/>
+          </a:lnRef>
+          <a:fillRef idx="1">
+            <a:schemeClr val="lt1"/>
+          </a:fillRef>
+          <a:effectRef idx="0">
+            <a:schemeClr val="accent5"/>
+          </a:effectRef>
+          <a:fontRef idx="minor">
+            <a:schemeClr val="dk1"/>
+          </a:fontRef>
+        </p:style>
+        <p:txBody>
+          <a:bodyPr wrap="square" rtlCol="0">
+            <a:spAutoFit/>
+          </a:bodyPr>
+          <a:lstStyle/>
+          <a:p>
+            <a:r>
+              <a:rPr lang="pt-BR" sz="1600" dirty="0" smtClean="0">
+                <a:solidFill>
+                  <a:srgbClr val="364150"/>
+                </a:solidFill>
+              </a:rPr>
+              <a:t>Ativo</a:t>
+            </a:r>
+            <a:endParaRPr lang="pt-BR" dirty="0" smtClean="0">
+              <a:solidFill>
+                <a:srgbClr val="364150"/>
+              </a:solidFill>
+            </a:endParaRPr>
+          </a:p>
+        </p:txBody>
+      </p:sp>
+      <p:sp>
+        <p:nvSpPr>
+          <p:cNvPr id="12" name="Elipse 11"/>
+          <p:cNvSpPr/>
+          <p:nvPr/>
+        </p:nvSpPr>
+        <p:spPr>
+          <a:xfrm>
+            <a:off x="5423336" y="2777040"/>
+            <a:ext cx="144016" cy="144016"/>
+          </a:xfrm>
+          <a:prstGeom prst="ellipse">
+            <a:avLst/>
+          </a:prstGeom>
+          <a:solidFill>
+            <a:srgbClr val="364150"/>
+          </a:solidFill>
+          <a:ln w="19050">
+            <a:solidFill>
+              <a:srgbClr val="364150"/>
+            </a:solidFill>
+          </a:ln>
+        </p:spPr>
+        <p:style>
+          <a:lnRef idx="2">
+            <a:schemeClr val="accent1">
+              <a:shade val="50000"/>
+            </a:schemeClr>
+          </a:lnRef>
+          <a:fillRef idx="1">
+            <a:schemeClr val="accent1"/>
+          </a:fillRef>
+          <a:effectRef idx="0">
+            <a:schemeClr val="accent1"/>
+          </a:effectRef>
+          <a:fontRef idx="minor">
+            <a:schemeClr val="lt1"/>
+          </a:fontRef>
+        </p:style>
+        <p:txBody>
+          <a:bodyPr rtlCol="0" anchor="ctr"/>
+          <a:lstStyle/>
+          <a:p>
+            <a:pPr algn="ctr"/>
+            <a:endParaRPr lang="pt-BR"/>
+          </a:p>
+        </p:txBody>
+      </p:sp>
+      <p:sp>
+        <p:nvSpPr>
+          <p:cNvPr id="13" name="Elipse 12"/>
+          <p:cNvSpPr/>
+          <p:nvPr/>
+        </p:nvSpPr>
+        <p:spPr>
+          <a:xfrm>
+            <a:off x="6334942" y="2777040"/>
+            <a:ext cx="144016" cy="144016"/>
+          </a:xfrm>
+          <a:prstGeom prst="ellipse">
+            <a:avLst/>
+          </a:prstGeom>
+          <a:solidFill>
+            <a:schemeClr val="bg1"/>
+          </a:solidFill>
+          <a:ln w="19050">
+            <a:solidFill>
+              <a:srgbClr val="364150"/>
+            </a:solidFill>
+          </a:ln>
+        </p:spPr>
+        <p:style>
+          <a:lnRef idx="2">
+            <a:schemeClr val="accent1">
+              <a:shade val="50000"/>
+            </a:schemeClr>
+          </a:lnRef>
+          <a:fillRef idx="1">
+            <a:schemeClr val="accent1"/>
+          </a:fillRef>
+          <a:effectRef idx="0">
+            <a:schemeClr val="accent1"/>
+          </a:effectRef>
+          <a:fontRef idx="minor">
+            <a:schemeClr val="lt1"/>
+          </a:fontRef>
+        </p:style>
+        <p:txBody>
+          <a:bodyPr rtlCol="0" anchor="ctr"/>
+          <a:lstStyle/>
+          <a:p>
+            <a:pPr algn="ctr"/>
+            <a:endParaRPr lang="pt-BR"/>
+          </a:p>
+        </p:txBody>
+      </p:sp>
+      <p:sp>
+        <p:nvSpPr>
+          <p:cNvPr id="16" name="CaixaDeTexto 15"/>
+          <p:cNvSpPr txBox="1"/>
+          <p:nvPr/>
+        </p:nvSpPr>
+        <p:spPr>
+          <a:xfrm>
+            <a:off x="6560789" y="2695698"/>
+            <a:ext cx="1238305" cy="338554"/>
+          </a:xfrm>
+          <a:prstGeom prst="rect">
+            <a:avLst/>
+          </a:prstGeom>
+          <a:noFill/>
+          <a:ln>
+            <a:noFill/>
+          </a:ln>
+          <a:effectLst/>
+        </p:spPr>
+        <p:style>
+          <a:lnRef idx="2">
+            <a:schemeClr val="accent5"/>
+          </a:lnRef>
+          <a:fillRef idx="1">
+            <a:schemeClr val="lt1"/>
+          </a:fillRef>
+          <a:effectRef idx="0">
+            <a:schemeClr val="accent5"/>
+          </a:effectRef>
+          <a:fontRef idx="minor">
+            <a:schemeClr val="dk1"/>
+          </a:fontRef>
+        </p:style>
+        <p:txBody>
+          <a:bodyPr wrap="square" rtlCol="0">
+            <a:spAutoFit/>
+          </a:bodyPr>
+          <a:lstStyle/>
+          <a:p>
+            <a:r>
+              <a:rPr lang="pt-BR" sz="1600" dirty="0" smtClean="0">
+                <a:solidFill>
+                  <a:srgbClr val="364150"/>
+                </a:solidFill>
+              </a:rPr>
+              <a:t>Inativo</a:t>
+            </a:r>
+            <a:endParaRPr lang="pt-BR" dirty="0" smtClean="0">
+              <a:solidFill>
+                <a:srgbClr val="364150"/>
+              </a:solidFill>
+            </a:endParaRPr>
+          </a:p>
+        </p:txBody>
+      </p:sp>
+      <p:sp>
+        <p:nvSpPr>
+          <p:cNvPr id="18" name="CaixaDeTexto 17"/>
+          <p:cNvSpPr txBox="1"/>
+          <p:nvPr/>
+        </p:nvSpPr>
+        <p:spPr>
+          <a:xfrm>
+            <a:off x="2472917" y="2734170"/>
+            <a:ext cx="2618499" cy="261610"/>
+          </a:xfrm>
+          <a:prstGeom prst="rect">
+            <a:avLst/>
+          </a:prstGeom>
+          <a:ln w="19050">
+            <a:solidFill>
+              <a:schemeClr val="tx2">
+                <a:lumMod val="75000"/>
+              </a:schemeClr>
+            </a:solidFill>
+          </a:ln>
+          <a:effectLst/>
+        </p:spPr>
+        <p:style>
+          <a:lnRef idx="2">
+            <a:schemeClr val="accent5"/>
+          </a:lnRef>
+          <a:fillRef idx="1">
+            <a:schemeClr val="lt1"/>
+          </a:fillRef>
+          <a:effectRef idx="0">
+            <a:schemeClr val="accent5"/>
+          </a:effectRef>
+          <a:fontRef idx="minor">
+            <a:schemeClr val="dk1"/>
+          </a:fontRef>
+        </p:style>
+        <p:txBody>
+          <a:bodyPr wrap="square" rtlCol="0">
+            <a:spAutoFit/>
+          </a:bodyPr>
+          <a:lstStyle/>
+          <a:p>
+            <a:r>
+              <a:rPr lang="pt-BR" sz="1100" dirty="0" smtClean="0">
+                <a:solidFill>
+                  <a:schemeClr val="tx2">
+                    <a:lumMod val="75000"/>
+                  </a:schemeClr>
+                </a:solidFill>
+              </a:rPr>
+              <a:t>Nome</a:t>
+            </a:r>
+            <a:endParaRPr lang="pt-BR" sz="1200" dirty="0" smtClean="0">
+              <a:solidFill>
+                <a:schemeClr val="tx2">
+                  <a:lumMod val="75000"/>
+                </a:schemeClr>
+              </a:solidFill>
+            </a:endParaRPr>
+          </a:p>
+        </p:txBody>
+      </p:sp>
+      <p:sp>
+        <p:nvSpPr>
+          <p:cNvPr id="40" name="CaixaDeTexto 39"/>
+          <p:cNvSpPr txBox="1"/>
+          <p:nvPr/>
+        </p:nvSpPr>
+        <p:spPr>
+          <a:xfrm>
+            <a:off x="2472916" y="2395616"/>
+            <a:ext cx="692818" cy="338554"/>
+          </a:xfrm>
+          <a:prstGeom prst="rect">
+            <a:avLst/>
+          </a:prstGeom>
+          <a:noFill/>
+        </p:spPr>
+        <p:txBody>
+          <a:bodyPr wrap="none" rtlCol="0">
+            <a:spAutoFit/>
+          </a:bodyPr>
+          <a:lstStyle/>
+          <a:p>
+            <a:r>
+              <a:rPr lang="pt-BR" sz="1600" dirty="0" smtClean="0">
+                <a:solidFill>
+                  <a:schemeClr val="tx2">
+                    <a:lumMod val="50000"/>
+                  </a:schemeClr>
+                </a:solidFill>
+                <a:latin typeface="+mj-lt"/>
+              </a:rPr>
+              <a:t>Nome</a:t>
+            </a:r>
+            <a:endParaRPr lang="pt-BR" sz="2000" dirty="0">
+              <a:solidFill>
+                <a:schemeClr val="tx2">
+                  <a:lumMod val="50000"/>
+                </a:schemeClr>
+              </a:solidFill>
+              <a:latin typeface="+mj-lt"/>
+            </a:endParaRPr>
+          </a:p>
+        </p:txBody>
+      </p:sp>
+      <p:sp>
+        <p:nvSpPr>
+          <p:cNvPr id="41" name="CaixaDeTexto 40"/>
+          <p:cNvSpPr txBox="1"/>
+          <p:nvPr/>
+        </p:nvSpPr>
+        <p:spPr>
+          <a:xfrm>
+            <a:off x="5328083" y="2395169"/>
+            <a:ext cx="891462" cy="338554"/>
+          </a:xfrm>
+          <a:prstGeom prst="rect">
+            <a:avLst/>
+          </a:prstGeom>
+          <a:noFill/>
+        </p:spPr>
+        <p:txBody>
+          <a:bodyPr wrap="none" rtlCol="0">
+            <a:spAutoFit/>
+          </a:bodyPr>
+          <a:lstStyle/>
+          <a:p>
+            <a:r>
+              <a:rPr lang="pt-BR" sz="1600" dirty="0" smtClean="0">
+                <a:solidFill>
+                  <a:schemeClr val="tx2">
+                    <a:lumMod val="50000"/>
+                  </a:schemeClr>
+                </a:solidFill>
+                <a:latin typeface="+mj-lt"/>
+              </a:rPr>
+              <a:t>Situação</a:t>
+            </a:r>
+            <a:endParaRPr lang="pt-BR" sz="2000" dirty="0">
+              <a:solidFill>
+                <a:schemeClr val="tx2">
+                  <a:lumMod val="50000"/>
+                </a:schemeClr>
+              </a:solidFill>
+              <a:latin typeface="+mj-lt"/>
+            </a:endParaRPr>
+          </a:p>
+        </p:txBody>
+      </p:sp>
+      <p:sp>
+        <p:nvSpPr>
+          <p:cNvPr id="57" name="CaixaDeTexto 56"/>
+          <p:cNvSpPr txBox="1"/>
+          <p:nvPr/>
+        </p:nvSpPr>
+        <p:spPr>
+          <a:xfrm>
+            <a:off x="6588" y="2487745"/>
+            <a:ext cx="1360800" cy="307777"/>
+          </a:xfrm>
+          <a:prstGeom prst="rect">
+            <a:avLst/>
+          </a:prstGeom>
+          <a:solidFill>
+            <a:srgbClr val="364150"/>
+          </a:solidFill>
+        </p:spPr>
+        <p:txBody>
+          <a:bodyPr wrap="square" rtlCol="0">
+            <a:spAutoFit/>
+          </a:bodyPr>
+          <a:lstStyle/>
+          <a:p>
+            <a:r>
+              <a:rPr lang="pt-BR" sz="1400" dirty="0" smtClean="0">
+                <a:solidFill>
+                  <a:schemeClr val="bg1">
+                    <a:lumMod val="95000"/>
+                  </a:schemeClr>
+                </a:solidFill>
+                <a:latin typeface="+mj-lt"/>
+              </a:rPr>
+              <a:t> </a:t>
+            </a:r>
+            <a:r>
+              <a:rPr lang="pt-BR" sz="1400" dirty="0">
+                <a:solidFill>
+                  <a:schemeClr val="bg1"/>
+                </a:solidFill>
+              </a:rPr>
+              <a:t>Competências</a:t>
+            </a:r>
+            <a:endParaRPr lang="pt-BR" sz="1400" dirty="0">
+              <a:solidFill>
+                <a:schemeClr val="bg1"/>
+              </a:solidFill>
+              <a:latin typeface="+mj-lt"/>
+            </a:endParaRPr>
+          </a:p>
+        </p:txBody>
+      </p:sp>
+    </p:spTree>
+    <p:extLst>
+      <p:ext uri="{BB962C8B-B14F-4D97-AF65-F5344CB8AC3E}">
+        <p14:creationId xmlns:p14="http://schemas.microsoft.com/office/powerpoint/2010/main" val="1872510459"/>
+      </p:ext>
+    </p:extLst>
+  </p:cSld>
+  <p:clrMapOvr>
+    <a:masterClrMapping/>
+  </p:clrMapOvr>
+  <p:timing>
+    <p:tnLst>
+      <p:par>
+        <p:cTn id="1" dur="indefinite" restart="never" nodeType="tmRoot"/>
+      </p:par>
+    </p:tnLst>
+  </p:timing>
+</p:sld>
+</file>
+
+<file path=ppt/slides/slide7.xml><?xml version="1.0" encoding="utf-8"?>
+<p:sld xmlns:a="http://schemas.openxmlformats.org/drawingml/2006/main" xmlns:r="http://schemas.openxmlformats.org/officeDocument/2006/relationships" xmlns:p="http://schemas.openxmlformats.org/presentationml/2006/main">
+  <p:cSld>
+    <p:spTree>
+      <p:nvGrpSpPr>
+        <p:cNvPr id="1" name=""/>
+        <p:cNvGrpSpPr/>
+        <p:nvPr/>
+      </p:nvGrpSpPr>
+      <p:grpSpPr>
+        <a:xfrm>
+          <a:off x="0" y="0"/>
+          <a:ext cx="0" cy="0"/>
+          <a:chOff x="0" y="0"/>
+          <a:chExt cx="0" cy="0"/>
+        </a:xfrm>
+      </p:grpSpPr>
+      <p:pic>
+        <p:nvPicPr>
+          <p:cNvPr id="4" name="Imagem 3"/>
+          <p:cNvPicPr>
+            <a:picLocks noChangeAspect="1"/>
+          </p:cNvPicPr>
+          <p:nvPr/>
+        </p:nvPicPr>
+        <p:blipFill>
+          <a:blip r:embed="rId2">
+            <a:extLst>
+              <a:ext uri="{28A0092B-C50C-407E-A947-70E740481C1C}">
+                <a14:useLocalDpi xmlns:a14="http://schemas.microsoft.com/office/drawing/2010/main" val="0"/>
+              </a:ext>
+            </a:extLst>
+          </a:blip>
+          <a:stretch>
+            <a:fillRect/>
+          </a:stretch>
+        </p:blipFill>
+        <p:spPr>
+          <a:xfrm>
+            <a:off x="0" y="1121256"/>
+            <a:ext cx="9144000" cy="4615487"/>
+          </a:xfrm>
+          <a:prstGeom prst="rect">
+            <a:avLst/>
+          </a:prstGeom>
+        </p:spPr>
+      </p:pic>
+      <p:sp>
+        <p:nvSpPr>
+          <p:cNvPr id="5" name="CaixaDeTexto 4"/>
+          <p:cNvSpPr txBox="1"/>
+          <p:nvPr/>
+        </p:nvSpPr>
+        <p:spPr>
+          <a:xfrm>
+            <a:off x="24906" y="2087392"/>
+            <a:ext cx="1323007" cy="307777"/>
+          </a:xfrm>
+          <a:prstGeom prst="rect">
+            <a:avLst/>
+          </a:prstGeom>
+          <a:solidFill>
+            <a:schemeClr val="accent5">
+              <a:lumMod val="50000"/>
+            </a:schemeClr>
+          </a:solidFill>
+        </p:spPr>
+        <p:txBody>
+          <a:bodyPr wrap="square" rtlCol="0">
+            <a:spAutoFit/>
+          </a:bodyPr>
+          <a:lstStyle/>
+          <a:p>
+            <a:r>
+              <a:rPr lang="pt-BR" sz="1200" dirty="0" smtClean="0">
+                <a:solidFill>
+                  <a:schemeClr val="bg1">
+                    <a:lumMod val="95000"/>
+                  </a:schemeClr>
+                </a:solidFill>
+                <a:latin typeface="+mj-lt"/>
+              </a:rPr>
+              <a:t>     </a:t>
+            </a:r>
+            <a:r>
+              <a:rPr lang="pt-BR" sz="1200" dirty="0" smtClean="0">
+                <a:solidFill>
+                  <a:schemeClr val="bg1">
+                    <a:lumMod val="95000"/>
+                  </a:schemeClr>
+                </a:solidFill>
+                <a:latin typeface="+mj-lt"/>
+              </a:rPr>
+              <a:t>  </a:t>
+            </a:r>
+            <a:r>
+              <a:rPr lang="pt-BR" sz="1400" dirty="0" smtClean="0">
+                <a:solidFill>
+                  <a:schemeClr val="bg1"/>
+                </a:solidFill>
+                <a:latin typeface="+mj-lt"/>
+              </a:rPr>
+              <a:t>Questões</a:t>
+            </a:r>
+            <a:endParaRPr lang="pt-BR" sz="1200" dirty="0">
+              <a:solidFill>
+                <a:schemeClr val="bg1"/>
+              </a:solidFill>
+              <a:latin typeface="+mj-lt"/>
+            </a:endParaRPr>
+          </a:p>
+        </p:txBody>
+      </p:sp>
+      <p:sp>
+        <p:nvSpPr>
+          <p:cNvPr id="8" name="CaixaDeTexto 7"/>
+          <p:cNvSpPr txBox="1"/>
+          <p:nvPr/>
+        </p:nvSpPr>
+        <p:spPr>
+          <a:xfrm>
+            <a:off x="1387042" y="1424654"/>
+            <a:ext cx="1478931" cy="400110"/>
+          </a:xfrm>
+          <a:prstGeom prst="rect">
+            <a:avLst/>
+          </a:prstGeom>
+          <a:noFill/>
+        </p:spPr>
+        <p:txBody>
+          <a:bodyPr wrap="none" rtlCol="0">
+            <a:spAutoFit/>
+          </a:bodyPr>
+          <a:lstStyle/>
+          <a:p>
+            <a:r>
+              <a:rPr lang="pt-BR" sz="2000" dirty="0" smtClean="0">
+                <a:solidFill>
+                  <a:schemeClr val="tx2">
+                    <a:lumMod val="50000"/>
+                  </a:schemeClr>
+                </a:solidFill>
+                <a:latin typeface="+mj-lt"/>
+              </a:rPr>
+              <a:t>Informações</a:t>
+            </a:r>
+            <a:endParaRPr lang="pt-BR" sz="2800" dirty="0">
+              <a:solidFill>
+                <a:schemeClr val="tx2">
+                  <a:lumMod val="50000"/>
+                </a:schemeClr>
+              </a:solidFill>
+              <a:latin typeface="+mj-lt"/>
+            </a:endParaRPr>
+          </a:p>
+        </p:txBody>
+      </p:sp>
+      <p:sp>
+        <p:nvSpPr>
+          <p:cNvPr id="34" name="CaixaDeTexto 33"/>
+          <p:cNvSpPr txBox="1"/>
+          <p:nvPr/>
+        </p:nvSpPr>
+        <p:spPr>
+          <a:xfrm>
+            <a:off x="7133711" y="5182497"/>
+            <a:ext cx="919991" cy="253916"/>
+          </a:xfrm>
+          <a:prstGeom prst="rect">
+            <a:avLst/>
+          </a:prstGeom>
+          <a:solidFill>
+            <a:schemeClr val="tx2">
+              <a:lumMod val="75000"/>
+            </a:schemeClr>
+          </a:solidFill>
+          <a:ln w="19050">
+            <a:noFill/>
+          </a:ln>
+          <a:effectLst/>
+        </p:spPr>
+        <p:style>
+          <a:lnRef idx="2">
+            <a:schemeClr val="accent5"/>
+          </a:lnRef>
+          <a:fillRef idx="1">
+            <a:schemeClr val="lt1"/>
+          </a:fillRef>
+          <a:effectRef idx="0">
+            <a:schemeClr val="accent5"/>
+          </a:effectRef>
+          <a:fontRef idx="minor">
+            <a:schemeClr val="dk1"/>
+          </a:fontRef>
+        </p:style>
+        <p:txBody>
+          <a:bodyPr wrap="square" rtlCol="0">
+            <a:spAutoFit/>
+          </a:bodyPr>
+          <a:lstStyle/>
+          <a:p>
+            <a:pPr algn="ctr"/>
+            <a:r>
+              <a:rPr lang="pt-BR" sz="1050" dirty="0" smtClean="0">
+                <a:solidFill>
+                  <a:schemeClr val="bg1"/>
+                </a:solidFill>
+              </a:rPr>
+              <a:t>Salvar</a:t>
+            </a:r>
+          </a:p>
+        </p:txBody>
+      </p:sp>
+      <p:sp>
+        <p:nvSpPr>
+          <p:cNvPr id="38" name="CaixaDeTexto 37"/>
+          <p:cNvSpPr txBox="1"/>
+          <p:nvPr/>
+        </p:nvSpPr>
+        <p:spPr>
+          <a:xfrm>
+            <a:off x="24906" y="3163189"/>
+            <a:ext cx="1323007" cy="307777"/>
+          </a:xfrm>
+          <a:prstGeom prst="rect">
+            <a:avLst/>
+          </a:prstGeom>
+          <a:solidFill>
+            <a:srgbClr val="364150"/>
+          </a:solidFill>
+        </p:spPr>
+        <p:txBody>
+          <a:bodyPr wrap="square" rtlCol="0">
+            <a:spAutoFit/>
+          </a:bodyPr>
+          <a:lstStyle/>
+          <a:p>
+            <a:r>
+              <a:rPr lang="pt-BR" sz="1400" dirty="0" smtClean="0">
+                <a:solidFill>
+                  <a:schemeClr val="bg1"/>
+                </a:solidFill>
+                <a:latin typeface="+mj-lt"/>
+              </a:rPr>
+              <a:t>    </a:t>
+            </a:r>
+            <a:r>
+              <a:rPr lang="pt-BR" sz="1400" dirty="0" smtClean="0">
+                <a:solidFill>
+                  <a:schemeClr val="bg1"/>
+                </a:solidFill>
+                <a:latin typeface="+mj-lt"/>
+              </a:rPr>
+              <a:t>      </a:t>
+            </a:r>
+            <a:r>
+              <a:rPr lang="pt-BR" sz="1400" dirty="0" smtClean="0">
+                <a:solidFill>
+                  <a:schemeClr val="bg1"/>
+                </a:solidFill>
+                <a:latin typeface="+mj-lt"/>
+              </a:rPr>
+              <a:t>Sair</a:t>
+            </a:r>
+            <a:endParaRPr lang="pt-BR" sz="1400" dirty="0">
+              <a:solidFill>
+                <a:schemeClr val="bg1"/>
+              </a:solidFill>
+              <a:latin typeface="+mj-lt"/>
+            </a:endParaRPr>
+          </a:p>
+        </p:txBody>
+      </p:sp>
+      <p:sp>
+        <p:nvSpPr>
+          <p:cNvPr id="2" name="CaixaDeTexto 1"/>
+          <p:cNvSpPr txBox="1"/>
+          <p:nvPr/>
+        </p:nvSpPr>
+        <p:spPr>
+          <a:xfrm>
+            <a:off x="7308304" y="116462"/>
+            <a:ext cx="1835696" cy="369332"/>
+          </a:xfrm>
+          <a:prstGeom prst="rect">
+            <a:avLst/>
+          </a:prstGeom>
+          <a:noFill/>
+        </p:spPr>
+        <p:txBody>
+          <a:bodyPr wrap="square" rtlCol="0">
+            <a:spAutoFit/>
+          </a:bodyPr>
+          <a:lstStyle/>
+          <a:p>
+            <a:r>
+              <a:rPr lang="pt-BR" dirty="0" smtClean="0"/>
+              <a:t>Tela da psicóloga</a:t>
+            </a:r>
+            <a:endParaRPr lang="pt-BR" dirty="0"/>
+          </a:p>
+        </p:txBody>
+      </p:sp>
+      <p:sp>
+        <p:nvSpPr>
+          <p:cNvPr id="39" name="CaixaDeTexto 38"/>
+          <p:cNvSpPr txBox="1"/>
+          <p:nvPr/>
+        </p:nvSpPr>
+        <p:spPr>
+          <a:xfrm>
+            <a:off x="37242" y="1788785"/>
+            <a:ext cx="1330146" cy="307777"/>
+          </a:xfrm>
+          <a:prstGeom prst="rect">
+            <a:avLst/>
+          </a:prstGeom>
+          <a:solidFill>
+            <a:srgbClr val="364150"/>
+          </a:solidFill>
+        </p:spPr>
+        <p:txBody>
+          <a:bodyPr wrap="square" rtlCol="0">
+            <a:spAutoFit/>
+          </a:bodyPr>
+          <a:lstStyle/>
+          <a:p>
+            <a:r>
+              <a:rPr lang="pt-BR" sz="1400" dirty="0" smtClean="0">
+                <a:solidFill>
+                  <a:schemeClr val="bg1">
+                    <a:lumMod val="95000"/>
+                  </a:schemeClr>
+                </a:solidFill>
+                <a:latin typeface="+mj-lt"/>
+              </a:rPr>
+              <a:t> </a:t>
+            </a:r>
+            <a:r>
+              <a:rPr lang="pt-BR" sz="1400" dirty="0" smtClean="0">
+                <a:solidFill>
+                  <a:schemeClr val="bg1">
+                    <a:lumMod val="95000"/>
+                  </a:schemeClr>
+                </a:solidFill>
+                <a:latin typeface="+mj-lt"/>
+              </a:rPr>
+              <a:t>      </a:t>
+            </a:r>
+            <a:r>
+              <a:rPr lang="pt-BR" sz="1400" dirty="0" smtClean="0">
+                <a:solidFill>
+                  <a:schemeClr val="bg1"/>
+                </a:solidFill>
+              </a:rPr>
+              <a:t>Cursos</a:t>
+            </a:r>
+            <a:endParaRPr lang="pt-BR" sz="1400" dirty="0">
+              <a:solidFill>
+                <a:schemeClr val="bg1"/>
+              </a:solidFill>
+              <a:latin typeface="+mj-lt"/>
+            </a:endParaRPr>
+          </a:p>
+        </p:txBody>
+      </p:sp>
+      <p:sp>
+        <p:nvSpPr>
+          <p:cNvPr id="3" name="Retângulo 2"/>
+          <p:cNvSpPr/>
+          <p:nvPr/>
+        </p:nvSpPr>
+        <p:spPr>
+          <a:xfrm>
+            <a:off x="213831" y="2815948"/>
+            <a:ext cx="1408089" cy="307777"/>
+          </a:xfrm>
+          <a:prstGeom prst="rect">
+            <a:avLst/>
+          </a:prstGeom>
+        </p:spPr>
+        <p:txBody>
+          <a:bodyPr wrap="square">
+            <a:spAutoFit/>
+          </a:bodyPr>
+          <a:lstStyle/>
+          <a:p>
+            <a:r>
+              <a:rPr lang="pt-BR" sz="1400" dirty="0" smtClean="0">
+                <a:solidFill>
+                  <a:schemeClr val="bg1"/>
+                </a:solidFill>
+              </a:rPr>
+              <a:t>Psicólogo</a:t>
+            </a:r>
+            <a:endParaRPr lang="pt-BR" sz="1400" dirty="0"/>
+          </a:p>
+        </p:txBody>
+      </p:sp>
+      <p:sp>
+        <p:nvSpPr>
+          <p:cNvPr id="42" name="Retângulo 41"/>
+          <p:cNvSpPr/>
+          <p:nvPr/>
+        </p:nvSpPr>
+        <p:spPr>
+          <a:xfrm>
+            <a:off x="2009420" y="3896813"/>
+            <a:ext cx="6032024" cy="1205433"/>
+          </a:xfrm>
+          <a:prstGeom prst="rect">
+            <a:avLst/>
+          </a:prstGeom>
+          <a:solidFill>
+            <a:schemeClr val="bg1"/>
+          </a:solidFill>
+          <a:ln w="19050">
+            <a:solidFill>
+              <a:srgbClr val="364150"/>
+            </a:solidFill>
+          </a:ln>
+        </p:spPr>
+        <p:style>
+          <a:lnRef idx="2">
+            <a:schemeClr val="accent1">
+              <a:shade val="50000"/>
+            </a:schemeClr>
+          </a:lnRef>
+          <a:fillRef idx="1">
+            <a:schemeClr val="accent1"/>
+          </a:fillRef>
+          <a:effectRef idx="0">
+            <a:schemeClr val="accent1"/>
+          </a:effectRef>
+          <a:fontRef idx="minor">
+            <a:schemeClr val="lt1"/>
+          </a:fontRef>
+        </p:style>
+        <p:txBody>
+          <a:bodyPr rtlCol="0" anchor="ctr"/>
+          <a:lstStyle/>
+          <a:p>
+            <a:pPr algn="ctr"/>
+            <a:endParaRPr lang="pt-BR" sz="1200"/>
+          </a:p>
+        </p:txBody>
+      </p:sp>
+      <p:sp>
+        <p:nvSpPr>
+          <p:cNvPr id="43" name="CaixaDeTexto 42"/>
+          <p:cNvSpPr txBox="1"/>
+          <p:nvPr/>
+        </p:nvSpPr>
+        <p:spPr>
+          <a:xfrm>
+            <a:off x="2009411" y="3907990"/>
+            <a:ext cx="3956858" cy="261610"/>
+          </a:xfrm>
+          <a:prstGeom prst="rect">
+            <a:avLst/>
+          </a:prstGeom>
+          <a:ln w="19050">
+            <a:solidFill>
+              <a:schemeClr val="tx2">
+                <a:lumMod val="75000"/>
+              </a:schemeClr>
+            </a:solidFill>
+          </a:ln>
+          <a:effectLst/>
+        </p:spPr>
+        <p:style>
+          <a:lnRef idx="2">
+            <a:schemeClr val="accent5"/>
+          </a:lnRef>
+          <a:fillRef idx="1">
+            <a:schemeClr val="lt1"/>
+          </a:fillRef>
+          <a:effectRef idx="0">
+            <a:schemeClr val="accent5"/>
+          </a:effectRef>
+          <a:fontRef idx="minor">
+            <a:schemeClr val="dk1"/>
+          </a:fontRef>
+        </p:style>
+        <p:txBody>
+          <a:bodyPr wrap="square" rtlCol="0">
+            <a:spAutoFit/>
+          </a:bodyPr>
+          <a:lstStyle/>
+          <a:p>
+            <a:r>
+              <a:rPr lang="pt-BR" sz="1050" dirty="0" smtClean="0">
+                <a:solidFill>
+                  <a:schemeClr val="tx2">
+                    <a:lumMod val="75000"/>
+                  </a:schemeClr>
+                </a:solidFill>
+              </a:rPr>
+              <a:t>Descrição</a:t>
+            </a:r>
+            <a:endParaRPr lang="pt-BR" sz="1100" dirty="0" smtClean="0">
+              <a:solidFill>
+                <a:schemeClr val="tx2">
+                  <a:lumMod val="75000"/>
+                </a:schemeClr>
+              </a:solidFill>
+            </a:endParaRPr>
+          </a:p>
+        </p:txBody>
+      </p:sp>
+      <p:sp>
+        <p:nvSpPr>
+          <p:cNvPr id="44" name="CaixaDeTexto 43"/>
+          <p:cNvSpPr txBox="1"/>
+          <p:nvPr/>
+        </p:nvSpPr>
+        <p:spPr>
+          <a:xfrm>
+            <a:off x="6046199" y="3896813"/>
+            <a:ext cx="1838162" cy="261610"/>
+          </a:xfrm>
+          <a:prstGeom prst="rect">
+            <a:avLst/>
+          </a:prstGeom>
+          <a:ln w="19050">
+            <a:solidFill>
+              <a:schemeClr val="tx2">
+                <a:lumMod val="75000"/>
+              </a:schemeClr>
+            </a:solidFill>
+          </a:ln>
+          <a:effectLst/>
+        </p:spPr>
+        <p:style>
+          <a:lnRef idx="2">
+            <a:schemeClr val="accent5"/>
+          </a:lnRef>
+          <a:fillRef idx="1">
+            <a:schemeClr val="lt1"/>
+          </a:fillRef>
+          <a:effectRef idx="0">
+            <a:schemeClr val="accent5"/>
+          </a:effectRef>
+          <a:fontRef idx="minor">
+            <a:schemeClr val="dk1"/>
+          </a:fontRef>
+        </p:style>
+        <p:txBody>
+          <a:bodyPr wrap="square" rtlCol="0">
+            <a:spAutoFit/>
+          </a:bodyPr>
+          <a:lstStyle/>
+          <a:p>
+            <a:r>
+              <a:rPr lang="pt-BR" sz="1050" dirty="0" smtClean="0">
+                <a:solidFill>
+                  <a:schemeClr val="tx1"/>
+                </a:solidFill>
+              </a:rPr>
+              <a:t>Ativo</a:t>
+            </a:r>
+            <a:endParaRPr lang="pt-BR" sz="1100" dirty="0" smtClean="0">
+              <a:solidFill>
+                <a:schemeClr val="tx1"/>
+              </a:solidFill>
+            </a:endParaRPr>
+          </a:p>
+        </p:txBody>
+      </p:sp>
+      <p:sp>
+        <p:nvSpPr>
+          <p:cNvPr id="45" name="CaixaDeTexto 44"/>
+          <p:cNvSpPr txBox="1"/>
+          <p:nvPr/>
+        </p:nvSpPr>
+        <p:spPr>
+          <a:xfrm>
+            <a:off x="2009413" y="4147656"/>
+            <a:ext cx="3956859" cy="261610"/>
+          </a:xfrm>
+          <a:prstGeom prst="rect">
+            <a:avLst/>
+          </a:prstGeom>
+          <a:solidFill>
+            <a:schemeClr val="bg1">
+              <a:lumMod val="95000"/>
+            </a:schemeClr>
+          </a:solidFill>
+          <a:ln w="19050">
+            <a:solidFill>
+              <a:schemeClr val="tx2">
+                <a:lumMod val="75000"/>
+              </a:schemeClr>
+            </a:solidFill>
+          </a:ln>
+          <a:effectLst/>
+        </p:spPr>
+        <p:style>
+          <a:lnRef idx="2">
+            <a:schemeClr val="accent5"/>
+          </a:lnRef>
+          <a:fillRef idx="1">
+            <a:schemeClr val="lt1"/>
+          </a:fillRef>
+          <a:effectRef idx="0">
+            <a:schemeClr val="accent5"/>
+          </a:effectRef>
+          <a:fontRef idx="minor">
+            <a:schemeClr val="dk1"/>
+          </a:fontRef>
+        </p:style>
+        <p:txBody>
+          <a:bodyPr wrap="square" rtlCol="0">
+            <a:spAutoFit/>
+          </a:bodyPr>
+          <a:lstStyle/>
+          <a:p>
+            <a:r>
+              <a:rPr lang="pt-BR" sz="1100" dirty="0">
+                <a:solidFill>
+                  <a:schemeClr val="tx2">
+                    <a:lumMod val="75000"/>
+                  </a:schemeClr>
+                </a:solidFill>
+              </a:rPr>
+              <a:t>Tchan </a:t>
+            </a:r>
+            <a:r>
+              <a:rPr lang="pt-BR" sz="1100" dirty="0" err="1" smtClean="0">
+                <a:solidFill>
+                  <a:schemeClr val="tx2">
+                    <a:lumMod val="75000"/>
+                  </a:schemeClr>
+                </a:solidFill>
+              </a:rPr>
+              <a:t>tchan</a:t>
+            </a:r>
+            <a:r>
+              <a:rPr lang="pt-BR" sz="1100" dirty="0">
+                <a:solidFill>
+                  <a:schemeClr val="tx2">
+                    <a:lumMod val="75000"/>
+                  </a:schemeClr>
+                </a:solidFill>
+              </a:rPr>
+              <a:t> </a:t>
+            </a:r>
+            <a:r>
+              <a:rPr lang="pt-BR" sz="1100" dirty="0" err="1">
+                <a:solidFill>
+                  <a:schemeClr val="tx2">
+                    <a:lumMod val="75000"/>
+                  </a:schemeClr>
+                </a:solidFill>
+              </a:rPr>
+              <a:t>tchan</a:t>
+            </a:r>
+            <a:endParaRPr lang="pt-BR" sz="1100" dirty="0" smtClean="0">
+              <a:solidFill>
+                <a:schemeClr val="tx2">
+                  <a:lumMod val="75000"/>
+                </a:schemeClr>
+              </a:solidFill>
+            </a:endParaRPr>
+          </a:p>
+        </p:txBody>
+      </p:sp>
+      <p:sp>
+        <p:nvSpPr>
+          <p:cNvPr id="46" name="CaixaDeTexto 45"/>
+          <p:cNvSpPr txBox="1"/>
+          <p:nvPr/>
+        </p:nvSpPr>
+        <p:spPr>
+          <a:xfrm>
+            <a:off x="6046199" y="4147655"/>
+            <a:ext cx="1838162" cy="246221"/>
+          </a:xfrm>
+          <a:prstGeom prst="rect">
+            <a:avLst/>
+          </a:prstGeom>
+          <a:solidFill>
+            <a:schemeClr val="bg1">
+              <a:lumMod val="95000"/>
+            </a:schemeClr>
+          </a:solidFill>
+          <a:ln w="19050">
+            <a:solidFill>
+              <a:schemeClr val="tx2">
+                <a:lumMod val="75000"/>
+              </a:schemeClr>
+            </a:solidFill>
+          </a:ln>
+          <a:effectLst/>
+        </p:spPr>
+        <p:style>
+          <a:lnRef idx="2">
+            <a:schemeClr val="accent5"/>
+          </a:lnRef>
+          <a:fillRef idx="1">
+            <a:schemeClr val="lt1"/>
+          </a:fillRef>
+          <a:effectRef idx="0">
+            <a:schemeClr val="accent5"/>
+          </a:effectRef>
+          <a:fontRef idx="minor">
+            <a:schemeClr val="dk1"/>
+          </a:fontRef>
+        </p:style>
+        <p:txBody>
+          <a:bodyPr wrap="square" rtlCol="0">
+            <a:spAutoFit/>
+          </a:bodyPr>
+          <a:lstStyle/>
+          <a:p>
+            <a:r>
+              <a:rPr lang="pt-BR" sz="1000" dirty="0" smtClean="0">
+                <a:solidFill>
+                  <a:srgbClr val="FF0000"/>
+                </a:solidFill>
+              </a:rPr>
+              <a:t>Inativo</a:t>
+            </a:r>
+            <a:endParaRPr lang="pt-BR" sz="1100" dirty="0" smtClean="0">
+              <a:solidFill>
+                <a:srgbClr val="FF0000"/>
+              </a:solidFill>
+            </a:endParaRPr>
+          </a:p>
+        </p:txBody>
+      </p:sp>
+      <p:sp>
+        <p:nvSpPr>
+          <p:cNvPr id="47" name="CaixaDeTexto 46"/>
+          <p:cNvSpPr txBox="1"/>
+          <p:nvPr/>
+        </p:nvSpPr>
+        <p:spPr>
+          <a:xfrm>
+            <a:off x="2009414" y="4372181"/>
+            <a:ext cx="3956859" cy="246221"/>
+          </a:xfrm>
+          <a:prstGeom prst="rect">
+            <a:avLst/>
+          </a:prstGeom>
+          <a:ln w="19050">
+            <a:solidFill>
+              <a:schemeClr val="tx2">
+                <a:lumMod val="75000"/>
+              </a:schemeClr>
+            </a:solidFill>
+          </a:ln>
+          <a:effectLst/>
+        </p:spPr>
+        <p:style>
+          <a:lnRef idx="2">
+            <a:schemeClr val="accent5"/>
+          </a:lnRef>
+          <a:fillRef idx="1">
+            <a:schemeClr val="lt1"/>
+          </a:fillRef>
+          <a:effectRef idx="0">
+            <a:schemeClr val="accent5"/>
+          </a:effectRef>
+          <a:fontRef idx="minor">
+            <a:schemeClr val="dk1"/>
+          </a:fontRef>
+        </p:style>
+        <p:txBody>
+          <a:bodyPr wrap="square" rtlCol="0">
+            <a:spAutoFit/>
+          </a:bodyPr>
+          <a:lstStyle/>
+          <a:p>
+            <a:r>
+              <a:rPr lang="pt-BR" sz="1000" dirty="0" err="1" smtClean="0">
+                <a:solidFill>
+                  <a:schemeClr val="tx2">
+                    <a:lumMod val="75000"/>
+                  </a:schemeClr>
+                </a:solidFill>
+              </a:rPr>
+              <a:t>Nhe</a:t>
+            </a:r>
+            <a:r>
+              <a:rPr lang="pt-BR" sz="1000" dirty="0" smtClean="0">
+                <a:solidFill>
+                  <a:schemeClr val="tx2">
+                    <a:lumMod val="75000"/>
+                  </a:schemeClr>
+                </a:solidFill>
+              </a:rPr>
+              <a:t> </a:t>
+            </a:r>
+            <a:r>
+              <a:rPr lang="pt-BR" sz="1000" dirty="0" err="1" smtClean="0">
+                <a:solidFill>
+                  <a:schemeClr val="tx2">
+                    <a:lumMod val="75000"/>
+                  </a:schemeClr>
+                </a:solidFill>
+              </a:rPr>
+              <a:t>nhe</a:t>
+            </a:r>
+            <a:r>
+              <a:rPr lang="pt-BR" sz="1000" dirty="0" smtClean="0">
+                <a:solidFill>
+                  <a:schemeClr val="tx2">
+                    <a:lumMod val="75000"/>
+                  </a:schemeClr>
+                </a:solidFill>
+              </a:rPr>
+              <a:t> </a:t>
+            </a:r>
+            <a:r>
+              <a:rPr lang="pt-BR" sz="1000" dirty="0" err="1" smtClean="0">
+                <a:solidFill>
+                  <a:schemeClr val="tx2">
+                    <a:lumMod val="75000"/>
+                  </a:schemeClr>
+                </a:solidFill>
+              </a:rPr>
+              <a:t>nhe</a:t>
+            </a:r>
+            <a:endParaRPr lang="pt-BR" sz="1050" dirty="0" smtClean="0">
+              <a:solidFill>
+                <a:schemeClr val="tx2">
+                  <a:lumMod val="75000"/>
+                </a:schemeClr>
+              </a:solidFill>
+            </a:endParaRPr>
+          </a:p>
+        </p:txBody>
+      </p:sp>
+      <p:sp>
+        <p:nvSpPr>
+          <p:cNvPr id="48" name="CaixaDeTexto 47"/>
+          <p:cNvSpPr txBox="1"/>
+          <p:nvPr/>
+        </p:nvSpPr>
+        <p:spPr>
+          <a:xfrm>
+            <a:off x="6046198" y="4339173"/>
+            <a:ext cx="1838165" cy="261610"/>
+          </a:xfrm>
+          <a:prstGeom prst="rect">
+            <a:avLst/>
+          </a:prstGeom>
+          <a:ln w="19050">
+            <a:solidFill>
+              <a:schemeClr val="tx2">
+                <a:lumMod val="75000"/>
+              </a:schemeClr>
+            </a:solidFill>
+          </a:ln>
+          <a:effectLst/>
+        </p:spPr>
+        <p:style>
+          <a:lnRef idx="2">
+            <a:schemeClr val="accent5"/>
+          </a:lnRef>
+          <a:fillRef idx="1">
+            <a:schemeClr val="lt1"/>
+          </a:fillRef>
+          <a:effectRef idx="0">
+            <a:schemeClr val="accent5"/>
+          </a:effectRef>
+          <a:fontRef idx="minor">
+            <a:schemeClr val="dk1"/>
+          </a:fontRef>
+        </p:style>
+        <p:txBody>
+          <a:bodyPr wrap="square" rtlCol="0">
+            <a:spAutoFit/>
+          </a:bodyPr>
+          <a:lstStyle/>
+          <a:p>
+            <a:r>
+              <a:rPr lang="pt-BR" sz="1050" dirty="0" smtClean="0">
+                <a:solidFill>
+                  <a:schemeClr val="tx1"/>
+                </a:solidFill>
+              </a:rPr>
+              <a:t>Ativo</a:t>
+            </a:r>
+            <a:endParaRPr lang="pt-BR" sz="1050" dirty="0" smtClean="0">
+              <a:solidFill>
+                <a:schemeClr val="tx1"/>
+              </a:solidFill>
+            </a:endParaRPr>
+          </a:p>
+        </p:txBody>
+      </p:sp>
+      <p:sp>
+        <p:nvSpPr>
+          <p:cNvPr id="49" name="CaixaDeTexto 48"/>
+          <p:cNvSpPr txBox="1"/>
+          <p:nvPr/>
+        </p:nvSpPr>
+        <p:spPr>
+          <a:xfrm>
+            <a:off x="2009414" y="4603722"/>
+            <a:ext cx="3956858" cy="253916"/>
+          </a:xfrm>
+          <a:prstGeom prst="rect">
+            <a:avLst/>
+          </a:prstGeom>
+          <a:solidFill>
+            <a:schemeClr val="bg1">
+              <a:lumMod val="95000"/>
+            </a:schemeClr>
+          </a:solidFill>
+          <a:ln w="19050">
+            <a:solidFill>
+              <a:schemeClr val="tx2">
+                <a:lumMod val="75000"/>
+              </a:schemeClr>
+            </a:solidFill>
+          </a:ln>
+          <a:effectLst/>
+        </p:spPr>
+        <p:style>
+          <a:lnRef idx="2">
+            <a:schemeClr val="accent5"/>
+          </a:lnRef>
+          <a:fillRef idx="1">
+            <a:schemeClr val="lt1"/>
+          </a:fillRef>
+          <a:effectRef idx="0">
+            <a:schemeClr val="accent5"/>
+          </a:effectRef>
+          <a:fontRef idx="minor">
+            <a:schemeClr val="dk1"/>
+          </a:fontRef>
+        </p:style>
+        <p:txBody>
+          <a:bodyPr wrap="square" rtlCol="0">
+            <a:spAutoFit/>
+          </a:bodyPr>
+          <a:lstStyle/>
+          <a:p>
+            <a:r>
+              <a:rPr lang="pt-BR" sz="1050" dirty="0" err="1" smtClean="0">
+                <a:solidFill>
+                  <a:schemeClr val="tx2">
+                    <a:lumMod val="75000"/>
+                  </a:schemeClr>
+                </a:solidFill>
+              </a:rPr>
+              <a:t>Lepo</a:t>
+            </a:r>
+            <a:r>
+              <a:rPr lang="pt-BR" sz="1050" dirty="0" smtClean="0">
+                <a:solidFill>
+                  <a:schemeClr val="tx2">
+                    <a:lumMod val="75000"/>
+                  </a:schemeClr>
+                </a:solidFill>
+              </a:rPr>
+              <a:t> </a:t>
+            </a:r>
+            <a:r>
+              <a:rPr lang="pt-BR" sz="1050" dirty="0" err="1" smtClean="0">
+                <a:solidFill>
+                  <a:schemeClr val="tx2">
+                    <a:lumMod val="75000"/>
+                  </a:schemeClr>
+                </a:solidFill>
+              </a:rPr>
+              <a:t>lepo</a:t>
+            </a:r>
+            <a:r>
+              <a:rPr lang="pt-BR" sz="1050" dirty="0" smtClean="0">
+                <a:solidFill>
+                  <a:schemeClr val="tx2">
+                    <a:lumMod val="75000"/>
+                  </a:schemeClr>
+                </a:solidFill>
+              </a:rPr>
+              <a:t> </a:t>
+            </a:r>
+            <a:r>
+              <a:rPr lang="pt-BR" sz="1050" dirty="0" err="1" smtClean="0">
+                <a:solidFill>
+                  <a:schemeClr val="tx2">
+                    <a:lumMod val="75000"/>
+                  </a:schemeClr>
+                </a:solidFill>
+              </a:rPr>
+              <a:t>poo</a:t>
+            </a:r>
+            <a:endParaRPr lang="pt-BR" sz="1050" dirty="0" smtClean="0">
+              <a:solidFill>
+                <a:schemeClr val="tx2">
+                  <a:lumMod val="75000"/>
+                </a:schemeClr>
+              </a:solidFill>
+            </a:endParaRPr>
+          </a:p>
+        </p:txBody>
+      </p:sp>
+      <p:sp>
+        <p:nvSpPr>
+          <p:cNvPr id="50" name="CaixaDeTexto 49"/>
+          <p:cNvSpPr txBox="1"/>
+          <p:nvPr/>
+        </p:nvSpPr>
+        <p:spPr>
+          <a:xfrm>
+            <a:off x="6046195" y="4600783"/>
+            <a:ext cx="1838172" cy="246221"/>
+          </a:xfrm>
+          <a:prstGeom prst="rect">
+            <a:avLst/>
+          </a:prstGeom>
+          <a:solidFill>
+            <a:schemeClr val="bg1">
+              <a:lumMod val="95000"/>
+            </a:schemeClr>
+          </a:solidFill>
+          <a:ln w="19050">
+            <a:solidFill>
+              <a:schemeClr val="tx2">
+                <a:lumMod val="75000"/>
+              </a:schemeClr>
+            </a:solidFill>
+          </a:ln>
+          <a:effectLst/>
+        </p:spPr>
+        <p:style>
+          <a:lnRef idx="2">
+            <a:schemeClr val="accent5"/>
+          </a:lnRef>
+          <a:fillRef idx="1">
+            <a:schemeClr val="lt1"/>
+          </a:fillRef>
+          <a:effectRef idx="0">
+            <a:schemeClr val="accent5"/>
+          </a:effectRef>
+          <a:fontRef idx="minor">
+            <a:schemeClr val="dk1"/>
+          </a:fontRef>
+        </p:style>
+        <p:txBody>
+          <a:bodyPr wrap="square" rtlCol="0">
+            <a:spAutoFit/>
+          </a:bodyPr>
+          <a:lstStyle/>
+          <a:p>
+            <a:r>
+              <a:rPr lang="pt-BR" sz="1000" dirty="0" smtClean="0">
+                <a:solidFill>
+                  <a:schemeClr val="tx1"/>
+                </a:solidFill>
+              </a:rPr>
+              <a:t>Ativo</a:t>
+            </a:r>
+            <a:endParaRPr lang="pt-BR" sz="1050" dirty="0" smtClean="0">
+              <a:solidFill>
+                <a:schemeClr val="tx1"/>
+              </a:solidFill>
+            </a:endParaRPr>
+          </a:p>
+        </p:txBody>
+      </p:sp>
+      <p:sp>
+        <p:nvSpPr>
+          <p:cNvPr id="51" name="CaixaDeTexto 50"/>
+          <p:cNvSpPr txBox="1"/>
+          <p:nvPr/>
+        </p:nvSpPr>
+        <p:spPr>
+          <a:xfrm>
+            <a:off x="2009414" y="4847004"/>
+            <a:ext cx="3956866" cy="246221"/>
+          </a:xfrm>
+          <a:prstGeom prst="rect">
+            <a:avLst/>
+          </a:prstGeom>
+          <a:ln w="19050">
+            <a:solidFill>
+              <a:schemeClr val="tx2">
+                <a:lumMod val="75000"/>
+              </a:schemeClr>
+            </a:solidFill>
+          </a:ln>
+          <a:effectLst/>
+        </p:spPr>
+        <p:style>
+          <a:lnRef idx="2">
+            <a:schemeClr val="accent5"/>
+          </a:lnRef>
+          <a:fillRef idx="1">
+            <a:schemeClr val="lt1"/>
+          </a:fillRef>
+          <a:effectRef idx="0">
+            <a:schemeClr val="accent5"/>
+          </a:effectRef>
+          <a:fontRef idx="minor">
+            <a:schemeClr val="dk1"/>
+          </a:fontRef>
+        </p:style>
+        <p:txBody>
+          <a:bodyPr wrap="square" rtlCol="0">
+            <a:spAutoFit/>
+          </a:bodyPr>
+          <a:lstStyle/>
+          <a:p>
+            <a:r>
+              <a:rPr lang="pt-BR" sz="1000" dirty="0" err="1" smtClean="0">
+                <a:solidFill>
+                  <a:schemeClr val="tx2">
+                    <a:lumMod val="75000"/>
+                  </a:schemeClr>
+                </a:solidFill>
+              </a:rPr>
+              <a:t>Tra</a:t>
+            </a:r>
+            <a:r>
+              <a:rPr lang="pt-BR" sz="1000" dirty="0" smtClean="0">
+                <a:solidFill>
+                  <a:schemeClr val="tx2">
+                    <a:lumMod val="75000"/>
+                  </a:schemeClr>
+                </a:solidFill>
+              </a:rPr>
+              <a:t> </a:t>
+            </a:r>
+            <a:r>
+              <a:rPr lang="pt-BR" sz="1000" dirty="0" err="1" smtClean="0">
+                <a:solidFill>
+                  <a:schemeClr val="tx2">
+                    <a:lumMod val="75000"/>
+                  </a:schemeClr>
+                </a:solidFill>
+              </a:rPr>
+              <a:t>tra</a:t>
+            </a:r>
+            <a:r>
+              <a:rPr lang="pt-BR" sz="1000" dirty="0" smtClean="0">
+                <a:solidFill>
+                  <a:schemeClr val="tx2">
+                    <a:lumMod val="75000"/>
+                  </a:schemeClr>
+                </a:solidFill>
+              </a:rPr>
+              <a:t> </a:t>
+            </a:r>
+            <a:r>
+              <a:rPr lang="pt-BR" sz="1000" dirty="0" err="1" smtClean="0">
+                <a:solidFill>
+                  <a:schemeClr val="tx2">
+                    <a:lumMod val="75000"/>
+                  </a:schemeClr>
+                </a:solidFill>
+              </a:rPr>
+              <a:t>tra</a:t>
+            </a:r>
+            <a:endParaRPr lang="pt-BR" sz="1050" dirty="0" smtClean="0">
+              <a:solidFill>
+                <a:schemeClr val="tx2">
+                  <a:lumMod val="75000"/>
+                </a:schemeClr>
+              </a:solidFill>
+            </a:endParaRPr>
+          </a:p>
+        </p:txBody>
+      </p:sp>
+      <p:sp>
+        <p:nvSpPr>
+          <p:cNvPr id="52" name="CaixaDeTexto 51"/>
+          <p:cNvSpPr txBox="1"/>
+          <p:nvPr/>
+        </p:nvSpPr>
+        <p:spPr>
+          <a:xfrm>
+            <a:off x="6046202" y="4847004"/>
+            <a:ext cx="1838159" cy="246221"/>
+          </a:xfrm>
+          <a:prstGeom prst="rect">
+            <a:avLst/>
+          </a:prstGeom>
+          <a:ln w="19050">
+            <a:solidFill>
+              <a:schemeClr val="tx2">
+                <a:lumMod val="75000"/>
+              </a:schemeClr>
+            </a:solidFill>
+          </a:ln>
+          <a:effectLst/>
+        </p:spPr>
+        <p:style>
+          <a:lnRef idx="2">
+            <a:schemeClr val="accent5"/>
+          </a:lnRef>
+          <a:fillRef idx="1">
+            <a:schemeClr val="lt1"/>
+          </a:fillRef>
+          <a:effectRef idx="0">
+            <a:schemeClr val="accent5"/>
+          </a:effectRef>
+          <a:fontRef idx="minor">
+            <a:schemeClr val="dk1"/>
+          </a:fontRef>
+        </p:style>
+        <p:txBody>
+          <a:bodyPr wrap="square" rtlCol="0">
+            <a:spAutoFit/>
+          </a:bodyPr>
+          <a:lstStyle/>
+          <a:p>
+            <a:r>
+              <a:rPr lang="pt-BR" sz="1000" dirty="0" smtClean="0">
+                <a:solidFill>
+                  <a:schemeClr val="tx1"/>
+                </a:solidFill>
+              </a:rPr>
+              <a:t>Ativo</a:t>
+            </a:r>
+            <a:endParaRPr lang="pt-BR" sz="1050" dirty="0" smtClean="0">
+              <a:solidFill>
+                <a:schemeClr val="tx1"/>
+              </a:solidFill>
+            </a:endParaRPr>
+          </a:p>
+        </p:txBody>
+      </p:sp>
+      <p:sp>
+        <p:nvSpPr>
+          <p:cNvPr id="53" name="Triângulo isósceles 52"/>
+          <p:cNvSpPr/>
+          <p:nvPr/>
+        </p:nvSpPr>
+        <p:spPr>
+          <a:xfrm rot="10800000">
+            <a:off x="7884367" y="4974877"/>
+            <a:ext cx="141802" cy="95037"/>
+          </a:xfrm>
+          <a:prstGeom prst="triangle">
+            <a:avLst/>
+          </a:prstGeom>
+          <a:solidFill>
+            <a:schemeClr val="tx2">
+              <a:lumMod val="50000"/>
+            </a:schemeClr>
+          </a:solidFill>
+          <a:ln>
+            <a:noFill/>
+          </a:ln>
+        </p:spPr>
+        <p:style>
+          <a:lnRef idx="2">
+            <a:schemeClr val="accent1">
+              <a:shade val="50000"/>
+            </a:schemeClr>
+          </a:lnRef>
+          <a:fillRef idx="1">
+            <a:schemeClr val="accent1"/>
+          </a:fillRef>
+          <a:effectRef idx="0">
+            <a:schemeClr val="accent1"/>
+          </a:effectRef>
+          <a:fontRef idx="minor">
+            <a:schemeClr val="lt1"/>
+          </a:fontRef>
+        </p:style>
+        <p:txBody>
+          <a:bodyPr rtlCol="0" anchor="ctr"/>
+          <a:lstStyle/>
+          <a:p>
+            <a:pPr algn="ctr"/>
+            <a:endParaRPr lang="pt-BR"/>
+          </a:p>
+        </p:txBody>
+      </p:sp>
+      <p:sp>
+        <p:nvSpPr>
+          <p:cNvPr id="54" name="CaixaDeTexto 53"/>
+          <p:cNvSpPr txBox="1"/>
+          <p:nvPr/>
+        </p:nvSpPr>
+        <p:spPr>
+          <a:xfrm>
+            <a:off x="5678449" y="5193756"/>
+            <a:ext cx="919991" cy="253916"/>
+          </a:xfrm>
+          <a:prstGeom prst="rect">
+            <a:avLst/>
+          </a:prstGeom>
+          <a:solidFill>
+            <a:schemeClr val="tx2">
+              <a:lumMod val="75000"/>
+            </a:schemeClr>
+          </a:solidFill>
+          <a:ln w="19050">
+            <a:noFill/>
+          </a:ln>
+          <a:effectLst/>
+        </p:spPr>
+        <p:style>
+          <a:lnRef idx="2">
+            <a:schemeClr val="accent5"/>
+          </a:lnRef>
+          <a:fillRef idx="1">
+            <a:schemeClr val="lt1"/>
+          </a:fillRef>
+          <a:effectRef idx="0">
+            <a:schemeClr val="accent5"/>
+          </a:effectRef>
+          <a:fontRef idx="minor">
+            <a:schemeClr val="dk1"/>
+          </a:fontRef>
+        </p:style>
+        <p:txBody>
+          <a:bodyPr wrap="square" rtlCol="0">
+            <a:spAutoFit/>
+          </a:bodyPr>
+          <a:lstStyle/>
+          <a:p>
+            <a:pPr algn="ctr"/>
+            <a:r>
+              <a:rPr lang="pt-BR" sz="1050" dirty="0" smtClean="0">
+                <a:solidFill>
+                  <a:schemeClr val="bg1"/>
+                </a:solidFill>
+              </a:rPr>
+              <a:t>Remover</a:t>
+            </a:r>
+          </a:p>
+        </p:txBody>
+      </p:sp>
+      <p:sp>
+        <p:nvSpPr>
+          <p:cNvPr id="55" name="Retângulo 54"/>
+          <p:cNvSpPr/>
+          <p:nvPr/>
+        </p:nvSpPr>
+        <p:spPr>
+          <a:xfrm>
+            <a:off x="2009411" y="1815053"/>
+            <a:ext cx="6032024" cy="1999171"/>
+          </a:xfrm>
+          <a:prstGeom prst="rect">
+            <a:avLst/>
+          </a:prstGeom>
+          <a:solidFill>
+            <a:schemeClr val="bg1"/>
+          </a:solidFill>
+          <a:ln w="19050">
+            <a:solidFill>
+              <a:srgbClr val="364150"/>
+            </a:solidFill>
+          </a:ln>
+        </p:spPr>
+        <p:style>
+          <a:lnRef idx="2">
+            <a:schemeClr val="accent1">
+              <a:shade val="50000"/>
+            </a:schemeClr>
+          </a:lnRef>
+          <a:fillRef idx="1">
+            <a:schemeClr val="accent1"/>
+          </a:fillRef>
+          <a:effectRef idx="0">
+            <a:schemeClr val="accent1"/>
+          </a:effectRef>
+          <a:fontRef idx="minor">
+            <a:schemeClr val="lt1"/>
+          </a:fontRef>
+        </p:style>
+        <p:txBody>
+          <a:bodyPr rtlCol="0" anchor="ctr"/>
+          <a:lstStyle/>
+          <a:p>
+            <a:pPr algn="ctr"/>
+            <a:r>
+              <a:rPr lang="pt-BR"/>
+              <a:t>tchan</a:t>
+            </a:r>
+            <a:endParaRPr lang="pt-BR"/>
+          </a:p>
+        </p:txBody>
+      </p:sp>
+      <p:sp>
+        <p:nvSpPr>
+          <p:cNvPr id="15" name="CaixaDeTexto 14"/>
+          <p:cNvSpPr txBox="1"/>
+          <p:nvPr/>
+        </p:nvSpPr>
+        <p:spPr>
+          <a:xfrm>
+            <a:off x="5091913" y="1941754"/>
+            <a:ext cx="1238305" cy="261610"/>
+          </a:xfrm>
+          <a:prstGeom prst="rect">
+            <a:avLst/>
+          </a:prstGeom>
+          <a:noFill/>
+          <a:ln>
+            <a:noFill/>
+          </a:ln>
+          <a:effectLst/>
+        </p:spPr>
+        <p:style>
+          <a:lnRef idx="2">
+            <a:schemeClr val="accent5"/>
+          </a:lnRef>
+          <a:fillRef idx="1">
+            <a:schemeClr val="lt1"/>
+          </a:fillRef>
+          <a:effectRef idx="0">
+            <a:schemeClr val="accent5"/>
+          </a:effectRef>
+          <a:fontRef idx="minor">
+            <a:schemeClr val="dk1"/>
+          </a:fontRef>
+        </p:style>
+        <p:txBody>
+          <a:bodyPr wrap="square" rtlCol="0">
+            <a:spAutoFit/>
+          </a:bodyPr>
+          <a:lstStyle/>
+          <a:p>
+            <a:r>
+              <a:rPr lang="pt-BR" sz="1100" dirty="0" smtClean="0">
+                <a:solidFill>
+                  <a:srgbClr val="364150"/>
+                </a:solidFill>
+              </a:rPr>
+              <a:t>Ativo</a:t>
+            </a:r>
+            <a:endParaRPr lang="pt-BR" sz="1200" dirty="0" smtClean="0">
+              <a:solidFill>
+                <a:srgbClr val="364150"/>
+              </a:solidFill>
+            </a:endParaRPr>
+          </a:p>
+        </p:txBody>
+      </p:sp>
+      <p:sp>
+        <p:nvSpPr>
+          <p:cNvPr id="12" name="Elipse 11"/>
+          <p:cNvSpPr/>
+          <p:nvPr/>
+        </p:nvSpPr>
+        <p:spPr>
+          <a:xfrm>
+            <a:off x="5004179" y="2045564"/>
+            <a:ext cx="102235" cy="98969"/>
+          </a:xfrm>
+          <a:prstGeom prst="ellipse">
+            <a:avLst/>
+          </a:prstGeom>
+          <a:solidFill>
+            <a:srgbClr val="364150"/>
+          </a:solidFill>
+          <a:ln w="19050">
+            <a:solidFill>
+              <a:srgbClr val="364150"/>
+            </a:solidFill>
+          </a:ln>
+        </p:spPr>
+        <p:style>
+          <a:lnRef idx="2">
+            <a:schemeClr val="accent1">
+              <a:shade val="50000"/>
+            </a:schemeClr>
+          </a:lnRef>
+          <a:fillRef idx="1">
+            <a:schemeClr val="accent1"/>
+          </a:fillRef>
+          <a:effectRef idx="0">
+            <a:schemeClr val="accent1"/>
+          </a:effectRef>
+          <a:fontRef idx="minor">
+            <a:schemeClr val="lt1"/>
+          </a:fontRef>
+        </p:style>
+        <p:txBody>
+          <a:bodyPr rtlCol="0" anchor="ctr"/>
+          <a:lstStyle/>
+          <a:p>
+            <a:pPr algn="ctr"/>
+            <a:endParaRPr lang="pt-BR" sz="1200"/>
+          </a:p>
+        </p:txBody>
+      </p:sp>
+      <p:sp>
+        <p:nvSpPr>
+          <p:cNvPr id="13" name="Elipse 12"/>
+          <p:cNvSpPr/>
+          <p:nvPr/>
+        </p:nvSpPr>
+        <p:spPr>
+          <a:xfrm>
+            <a:off x="5602326" y="2023074"/>
+            <a:ext cx="115989" cy="98969"/>
+          </a:xfrm>
+          <a:prstGeom prst="ellipse">
+            <a:avLst/>
+          </a:prstGeom>
+          <a:solidFill>
+            <a:schemeClr val="bg1"/>
+          </a:solidFill>
+          <a:ln w="19050">
+            <a:solidFill>
+              <a:srgbClr val="364150"/>
+            </a:solidFill>
+          </a:ln>
+        </p:spPr>
+        <p:style>
+          <a:lnRef idx="2">
+            <a:schemeClr val="accent1">
+              <a:shade val="50000"/>
+            </a:schemeClr>
+          </a:lnRef>
+          <a:fillRef idx="1">
+            <a:schemeClr val="accent1"/>
+          </a:fillRef>
+          <a:effectRef idx="0">
+            <a:schemeClr val="accent1"/>
+          </a:effectRef>
+          <a:fontRef idx="minor">
+            <a:schemeClr val="lt1"/>
+          </a:fontRef>
+        </p:style>
+        <p:txBody>
+          <a:bodyPr rtlCol="0" anchor="ctr"/>
+          <a:lstStyle/>
+          <a:p>
+            <a:pPr algn="ctr"/>
+            <a:endParaRPr lang="pt-BR" sz="1200"/>
+          </a:p>
+        </p:txBody>
+      </p:sp>
+      <p:sp>
+        <p:nvSpPr>
+          <p:cNvPr id="16" name="CaixaDeTexto 15"/>
+          <p:cNvSpPr txBox="1"/>
+          <p:nvPr/>
+        </p:nvSpPr>
+        <p:spPr>
+          <a:xfrm>
+            <a:off x="5672952" y="1932733"/>
+            <a:ext cx="1238305" cy="261610"/>
+          </a:xfrm>
+          <a:prstGeom prst="rect">
+            <a:avLst/>
+          </a:prstGeom>
+          <a:noFill/>
+          <a:ln>
+            <a:noFill/>
+          </a:ln>
+          <a:effectLst/>
+        </p:spPr>
+        <p:style>
+          <a:lnRef idx="2">
+            <a:schemeClr val="accent5"/>
+          </a:lnRef>
+          <a:fillRef idx="1">
+            <a:schemeClr val="lt1"/>
+          </a:fillRef>
+          <a:effectRef idx="0">
+            <a:schemeClr val="accent5"/>
+          </a:effectRef>
+          <a:fontRef idx="minor">
+            <a:schemeClr val="dk1"/>
+          </a:fontRef>
+        </p:style>
+        <p:txBody>
+          <a:bodyPr wrap="square" rtlCol="0">
+            <a:spAutoFit/>
+          </a:bodyPr>
+          <a:lstStyle/>
+          <a:p>
+            <a:r>
+              <a:rPr lang="pt-BR" sz="1100" dirty="0" smtClean="0">
+                <a:solidFill>
+                  <a:srgbClr val="364150"/>
+                </a:solidFill>
+              </a:rPr>
+              <a:t>Inativo</a:t>
+            </a:r>
+            <a:endParaRPr lang="pt-BR" sz="1200" dirty="0" smtClean="0">
+              <a:solidFill>
+                <a:srgbClr val="364150"/>
+              </a:solidFill>
+            </a:endParaRPr>
+          </a:p>
+        </p:txBody>
+      </p:sp>
+      <p:sp>
+        <p:nvSpPr>
+          <p:cNvPr id="18" name="CaixaDeTexto 17"/>
+          <p:cNvSpPr txBox="1"/>
+          <p:nvPr/>
+        </p:nvSpPr>
+        <p:spPr>
+          <a:xfrm>
+            <a:off x="2200884" y="2000983"/>
+            <a:ext cx="2618499" cy="230832"/>
+          </a:xfrm>
+          <a:prstGeom prst="rect">
+            <a:avLst/>
+          </a:prstGeom>
+          <a:ln w="19050">
+            <a:solidFill>
+              <a:schemeClr val="tx2">
+                <a:lumMod val="75000"/>
+              </a:schemeClr>
+            </a:solidFill>
+          </a:ln>
+          <a:effectLst/>
+        </p:spPr>
+        <p:style>
+          <a:lnRef idx="2">
+            <a:schemeClr val="accent5"/>
+          </a:lnRef>
+          <a:fillRef idx="1">
+            <a:schemeClr val="lt1"/>
+          </a:fillRef>
+          <a:effectRef idx="0">
+            <a:schemeClr val="accent5"/>
+          </a:effectRef>
+          <a:fontRef idx="minor">
+            <a:schemeClr val="dk1"/>
+          </a:fontRef>
+        </p:style>
+        <p:txBody>
+          <a:bodyPr wrap="square" rtlCol="0">
+            <a:spAutoFit/>
+          </a:bodyPr>
+          <a:lstStyle/>
+          <a:p>
+            <a:r>
+              <a:rPr lang="pt-BR" sz="900" dirty="0" smtClean="0">
+                <a:solidFill>
+                  <a:schemeClr val="tx2">
+                    <a:lumMod val="75000"/>
+                  </a:schemeClr>
+                </a:solidFill>
+              </a:rPr>
+              <a:t>Descrição</a:t>
+            </a:r>
+            <a:endParaRPr lang="pt-BR" sz="1000" dirty="0" smtClean="0">
+              <a:solidFill>
+                <a:schemeClr val="tx2">
+                  <a:lumMod val="75000"/>
+                </a:schemeClr>
+              </a:solidFill>
+            </a:endParaRPr>
+          </a:p>
+        </p:txBody>
+      </p:sp>
+      <p:sp>
+        <p:nvSpPr>
+          <p:cNvPr id="40" name="CaixaDeTexto 39"/>
+          <p:cNvSpPr txBox="1"/>
+          <p:nvPr/>
+        </p:nvSpPr>
+        <p:spPr>
+          <a:xfrm>
+            <a:off x="2126508" y="1775563"/>
+            <a:ext cx="737702" cy="261610"/>
+          </a:xfrm>
+          <a:prstGeom prst="rect">
+            <a:avLst/>
+          </a:prstGeom>
+          <a:noFill/>
+        </p:spPr>
+        <p:txBody>
+          <a:bodyPr wrap="none" rtlCol="0">
+            <a:spAutoFit/>
+          </a:bodyPr>
+          <a:lstStyle/>
+          <a:p>
+            <a:r>
+              <a:rPr lang="pt-BR" sz="1100" dirty="0" smtClean="0">
+                <a:solidFill>
+                  <a:schemeClr val="tx2">
+                    <a:lumMod val="50000"/>
+                  </a:schemeClr>
+                </a:solidFill>
+                <a:latin typeface="+mj-lt"/>
+              </a:rPr>
+              <a:t>Descrição</a:t>
+            </a:r>
+            <a:endParaRPr lang="pt-BR" sz="1400" dirty="0">
+              <a:solidFill>
+                <a:schemeClr val="tx2">
+                  <a:lumMod val="50000"/>
+                </a:schemeClr>
+              </a:solidFill>
+              <a:latin typeface="+mj-lt"/>
+            </a:endParaRPr>
+          </a:p>
+        </p:txBody>
+      </p:sp>
+      <p:sp>
+        <p:nvSpPr>
+          <p:cNvPr id="41" name="CaixaDeTexto 40"/>
+          <p:cNvSpPr txBox="1"/>
+          <p:nvPr/>
+        </p:nvSpPr>
+        <p:spPr>
+          <a:xfrm>
+            <a:off x="2138126" y="2209871"/>
+            <a:ext cx="758541" cy="261610"/>
+          </a:xfrm>
+          <a:prstGeom prst="rect">
+            <a:avLst/>
+          </a:prstGeom>
+          <a:noFill/>
+        </p:spPr>
+        <p:txBody>
+          <a:bodyPr wrap="none" rtlCol="0">
+            <a:spAutoFit/>
+          </a:bodyPr>
+          <a:lstStyle/>
+          <a:p>
+            <a:r>
+              <a:rPr lang="pt-BR" sz="1100" dirty="0" smtClean="0">
+                <a:solidFill>
+                  <a:schemeClr val="tx2">
+                    <a:lumMod val="50000"/>
+                  </a:schemeClr>
+                </a:solidFill>
+                <a:latin typeface="+mj-lt"/>
+              </a:rPr>
+              <a:t>Perguntas</a:t>
+            </a:r>
+            <a:endParaRPr lang="pt-BR" sz="1400" dirty="0">
+              <a:solidFill>
+                <a:schemeClr val="tx2">
+                  <a:lumMod val="50000"/>
+                </a:schemeClr>
+              </a:solidFill>
+              <a:latin typeface="+mj-lt"/>
+            </a:endParaRPr>
+          </a:p>
+        </p:txBody>
+      </p:sp>
+      <p:sp>
+        <p:nvSpPr>
+          <p:cNvPr id="57" name="CaixaDeTexto 56"/>
+          <p:cNvSpPr txBox="1"/>
+          <p:nvPr/>
+        </p:nvSpPr>
+        <p:spPr>
+          <a:xfrm>
+            <a:off x="6588" y="2487745"/>
+            <a:ext cx="1360800" cy="307777"/>
+          </a:xfrm>
+          <a:prstGeom prst="rect">
+            <a:avLst/>
+          </a:prstGeom>
+          <a:solidFill>
+            <a:srgbClr val="364150"/>
+          </a:solidFill>
+        </p:spPr>
+        <p:txBody>
+          <a:bodyPr wrap="square" rtlCol="0">
+            <a:spAutoFit/>
+          </a:bodyPr>
+          <a:lstStyle/>
+          <a:p>
+            <a:r>
+              <a:rPr lang="pt-BR" sz="1400" dirty="0" smtClean="0">
+                <a:solidFill>
+                  <a:schemeClr val="bg1">
+                    <a:lumMod val="95000"/>
+                  </a:schemeClr>
+                </a:solidFill>
+                <a:latin typeface="+mj-lt"/>
+              </a:rPr>
+              <a:t> </a:t>
+            </a:r>
+            <a:r>
+              <a:rPr lang="pt-BR" sz="1400" dirty="0">
+                <a:solidFill>
+                  <a:schemeClr val="bg1"/>
+                </a:solidFill>
+              </a:rPr>
+              <a:t>Competências</a:t>
+            </a:r>
+            <a:endParaRPr lang="pt-BR" sz="1400" dirty="0">
+              <a:solidFill>
+                <a:schemeClr val="bg1"/>
+              </a:solidFill>
+              <a:latin typeface="+mj-lt"/>
+            </a:endParaRPr>
+          </a:p>
+        </p:txBody>
+      </p:sp>
+      <p:sp>
+        <p:nvSpPr>
+          <p:cNvPr id="32" name="CaixaDeTexto 31"/>
+          <p:cNvSpPr txBox="1"/>
+          <p:nvPr/>
+        </p:nvSpPr>
+        <p:spPr>
+          <a:xfrm>
+            <a:off x="2209795" y="2420821"/>
+            <a:ext cx="2618499" cy="230832"/>
+          </a:xfrm>
+          <a:prstGeom prst="rect">
+            <a:avLst/>
+          </a:prstGeom>
+          <a:ln w="19050">
+            <a:solidFill>
+              <a:schemeClr val="tx2">
+                <a:lumMod val="75000"/>
+              </a:schemeClr>
+            </a:solidFill>
+          </a:ln>
+          <a:effectLst/>
+        </p:spPr>
+        <p:style>
+          <a:lnRef idx="2">
+            <a:schemeClr val="accent5"/>
+          </a:lnRef>
+          <a:fillRef idx="1">
+            <a:schemeClr val="lt1"/>
+          </a:fillRef>
+          <a:effectRef idx="0">
+            <a:schemeClr val="accent5"/>
+          </a:effectRef>
+          <a:fontRef idx="minor">
+            <a:schemeClr val="dk1"/>
+          </a:fontRef>
+        </p:style>
+        <p:txBody>
+          <a:bodyPr wrap="square" rtlCol="0">
+            <a:spAutoFit/>
+          </a:bodyPr>
+          <a:lstStyle/>
+          <a:p>
+            <a:r>
+              <a:rPr lang="pt-BR" sz="900" dirty="0" smtClean="0">
+                <a:solidFill>
+                  <a:schemeClr val="tx2">
+                    <a:lumMod val="75000"/>
+                  </a:schemeClr>
+                </a:solidFill>
+              </a:rPr>
+              <a:t>Alternativa A</a:t>
+            </a:r>
+            <a:endParaRPr lang="pt-BR" sz="1000" dirty="0" smtClean="0">
+              <a:solidFill>
+                <a:schemeClr val="tx2">
+                  <a:lumMod val="75000"/>
+                </a:schemeClr>
+              </a:solidFill>
+            </a:endParaRPr>
+          </a:p>
+        </p:txBody>
+      </p:sp>
+      <p:sp>
+        <p:nvSpPr>
+          <p:cNvPr id="33" name="CaixaDeTexto 32"/>
+          <p:cNvSpPr txBox="1"/>
+          <p:nvPr/>
+        </p:nvSpPr>
+        <p:spPr>
+          <a:xfrm>
+            <a:off x="2200883" y="3040078"/>
+            <a:ext cx="2618499" cy="246221"/>
+          </a:xfrm>
+          <a:prstGeom prst="rect">
+            <a:avLst/>
+          </a:prstGeom>
+          <a:ln w="19050">
+            <a:solidFill>
+              <a:schemeClr val="tx2">
+                <a:lumMod val="75000"/>
+              </a:schemeClr>
+            </a:solidFill>
+          </a:ln>
+          <a:effectLst/>
+        </p:spPr>
+        <p:style>
+          <a:lnRef idx="2">
+            <a:schemeClr val="accent5"/>
+          </a:lnRef>
+          <a:fillRef idx="1">
+            <a:schemeClr val="lt1"/>
+          </a:fillRef>
+          <a:effectRef idx="0">
+            <a:schemeClr val="accent5"/>
+          </a:effectRef>
+          <a:fontRef idx="minor">
+            <a:schemeClr val="dk1"/>
+          </a:fontRef>
+        </p:style>
+        <p:txBody>
+          <a:bodyPr wrap="square" rtlCol="0">
+            <a:spAutoFit/>
+          </a:bodyPr>
+          <a:lstStyle/>
+          <a:p>
+            <a:r>
+              <a:rPr lang="pt-BR" sz="1000" dirty="0" smtClean="0">
+                <a:solidFill>
+                  <a:schemeClr val="tx2">
+                    <a:lumMod val="75000"/>
+                  </a:schemeClr>
+                </a:solidFill>
+              </a:rPr>
+              <a:t>Alternativa C</a:t>
+            </a:r>
+            <a:endParaRPr lang="pt-BR" sz="1000" dirty="0" smtClean="0">
+              <a:solidFill>
+                <a:schemeClr val="tx2">
+                  <a:lumMod val="75000"/>
+                </a:schemeClr>
+              </a:solidFill>
+            </a:endParaRPr>
+          </a:p>
+        </p:txBody>
+      </p:sp>
+      <p:sp>
+        <p:nvSpPr>
+          <p:cNvPr id="35" name="CaixaDeTexto 34"/>
+          <p:cNvSpPr txBox="1"/>
+          <p:nvPr/>
+        </p:nvSpPr>
+        <p:spPr>
+          <a:xfrm>
+            <a:off x="2200882" y="3365339"/>
+            <a:ext cx="2618499" cy="230832"/>
+          </a:xfrm>
+          <a:prstGeom prst="rect">
+            <a:avLst/>
+          </a:prstGeom>
+          <a:ln w="19050">
+            <a:solidFill>
+              <a:schemeClr val="tx2">
+                <a:lumMod val="75000"/>
+              </a:schemeClr>
+            </a:solidFill>
+          </a:ln>
+          <a:effectLst/>
+        </p:spPr>
+        <p:style>
+          <a:lnRef idx="2">
+            <a:schemeClr val="accent5"/>
+          </a:lnRef>
+          <a:fillRef idx="1">
+            <a:schemeClr val="lt1"/>
+          </a:fillRef>
+          <a:effectRef idx="0">
+            <a:schemeClr val="accent5"/>
+          </a:effectRef>
+          <a:fontRef idx="minor">
+            <a:schemeClr val="dk1"/>
+          </a:fontRef>
+        </p:style>
+        <p:txBody>
+          <a:bodyPr wrap="square" rtlCol="0">
+            <a:spAutoFit/>
+          </a:bodyPr>
+          <a:lstStyle/>
+          <a:p>
+            <a:r>
+              <a:rPr lang="pt-BR" sz="900" dirty="0" smtClean="0">
+                <a:solidFill>
+                  <a:schemeClr val="tx2">
+                    <a:lumMod val="75000"/>
+                  </a:schemeClr>
+                </a:solidFill>
+              </a:rPr>
+              <a:t>Alternativa D</a:t>
+            </a:r>
+            <a:endParaRPr lang="pt-BR" sz="1000" dirty="0" smtClean="0">
+              <a:solidFill>
+                <a:schemeClr val="tx2">
+                  <a:lumMod val="75000"/>
+                </a:schemeClr>
+              </a:solidFill>
+            </a:endParaRPr>
+          </a:p>
+        </p:txBody>
+      </p:sp>
+      <p:sp>
+        <p:nvSpPr>
+          <p:cNvPr id="36" name="CaixaDeTexto 35"/>
+          <p:cNvSpPr txBox="1"/>
+          <p:nvPr/>
+        </p:nvSpPr>
+        <p:spPr>
+          <a:xfrm>
+            <a:off x="2200882" y="2745372"/>
+            <a:ext cx="2618499" cy="230832"/>
+          </a:xfrm>
+          <a:prstGeom prst="rect">
+            <a:avLst/>
+          </a:prstGeom>
+          <a:ln w="19050">
+            <a:solidFill>
+              <a:schemeClr val="tx2">
+                <a:lumMod val="75000"/>
+              </a:schemeClr>
+            </a:solidFill>
+          </a:ln>
+          <a:effectLst/>
+        </p:spPr>
+        <p:style>
+          <a:lnRef idx="2">
+            <a:schemeClr val="accent5"/>
+          </a:lnRef>
+          <a:fillRef idx="1">
+            <a:schemeClr val="lt1"/>
+          </a:fillRef>
+          <a:effectRef idx="0">
+            <a:schemeClr val="accent5"/>
+          </a:effectRef>
+          <a:fontRef idx="minor">
+            <a:schemeClr val="dk1"/>
+          </a:fontRef>
+        </p:style>
+        <p:txBody>
+          <a:bodyPr wrap="square" rtlCol="0">
+            <a:spAutoFit/>
+          </a:bodyPr>
+          <a:lstStyle/>
+          <a:p>
+            <a:r>
+              <a:rPr lang="pt-BR" sz="900" dirty="0" smtClean="0">
+                <a:solidFill>
+                  <a:schemeClr val="tx2">
+                    <a:lumMod val="75000"/>
+                  </a:schemeClr>
+                </a:solidFill>
+              </a:rPr>
+              <a:t>Alternativa B</a:t>
+            </a:r>
+            <a:endParaRPr lang="pt-BR" sz="1000" dirty="0" smtClean="0">
+              <a:solidFill>
+                <a:schemeClr val="tx2">
+                  <a:lumMod val="75000"/>
+                </a:schemeClr>
+              </a:solidFill>
+            </a:endParaRPr>
+          </a:p>
+        </p:txBody>
+      </p:sp>
+      <p:sp>
+        <p:nvSpPr>
+          <p:cNvPr id="37" name="CaixaDeTexto 36"/>
+          <p:cNvSpPr txBox="1"/>
+          <p:nvPr/>
+        </p:nvSpPr>
+        <p:spPr>
+          <a:xfrm>
+            <a:off x="4875179" y="1779684"/>
+            <a:ext cx="668773" cy="261610"/>
+          </a:xfrm>
+          <a:prstGeom prst="rect">
+            <a:avLst/>
+          </a:prstGeom>
+          <a:noFill/>
+        </p:spPr>
+        <p:txBody>
+          <a:bodyPr wrap="none" rtlCol="0">
+            <a:spAutoFit/>
+          </a:bodyPr>
+          <a:lstStyle/>
+          <a:p>
+            <a:r>
+              <a:rPr lang="pt-BR" sz="1100" dirty="0" smtClean="0">
+                <a:solidFill>
+                  <a:schemeClr val="tx2">
+                    <a:lumMod val="50000"/>
+                  </a:schemeClr>
+                </a:solidFill>
+                <a:latin typeface="+mj-lt"/>
+              </a:rPr>
+              <a:t>Situação</a:t>
+            </a:r>
+            <a:endParaRPr lang="pt-BR" sz="1400" dirty="0">
+              <a:solidFill>
+                <a:schemeClr val="tx2">
+                  <a:lumMod val="50000"/>
+                </a:schemeClr>
+              </a:solidFill>
+              <a:latin typeface="+mj-lt"/>
+            </a:endParaRPr>
+          </a:p>
+        </p:txBody>
+      </p:sp>
+    </p:spTree>
+    <p:extLst>
+      <p:ext uri="{BB962C8B-B14F-4D97-AF65-F5344CB8AC3E}">
+        <p14:creationId xmlns:p14="http://schemas.microsoft.com/office/powerpoint/2010/main" val="949197958"/>
       </p:ext>
     </p:extLst>
   </p:cSld>

--- a/Documents/TelasPadrõesProjeto.pptx
+++ b/Documents/TelasPadrõesProjeto.pptx
@@ -5211,13 +5211,6 @@
               </a:rPr>
               <a:t>Você trabalha? Com oque?</a:t>
             </a:r>
-            <a:endParaRPr lang="pt-BR" sz="1050" dirty="0" smtClean="0">
-              <a:solidFill>
-                <a:schemeClr val="tx2">
-                  <a:lumMod val="75000"/>
-                </a:schemeClr>
-              </a:solidFill>
-            </a:endParaRPr>
           </a:p>
         </p:txBody>
       </p:sp>
@@ -6286,11 +6279,6 @@
               </a:rPr>
               <a:t>Remover</a:t>
             </a:r>
-            <a:endParaRPr lang="pt-BR" sz="1050" dirty="0" smtClean="0">
-              <a:solidFill>
-                <a:schemeClr val="bg1"/>
-              </a:solidFill>
-            </a:endParaRPr>
           </a:p>
         </p:txBody>
       </p:sp>
@@ -6467,17 +6455,7 @@
                   </a:schemeClr>
                 </a:solidFill>
               </a:rPr>
-              <a:t>Alternativa </a:t>
-            </a:r>
-            <a:r>
-              <a:rPr lang="pt-BR" sz="900" dirty="0" smtClean="0">
-                <a:solidFill>
-                  <a:schemeClr val="tx2">
-                    <a:lumMod val="75000"/>
-                  </a:schemeClr>
-                </a:solidFill>
-              </a:rPr>
-              <a:t>D</a:t>
+              <a:t>Alternativa D</a:t>
             </a:r>
             <a:endParaRPr lang="pt-BR" sz="1000" dirty="0" smtClean="0">
               <a:solidFill>
@@ -6542,11 +6520,6 @@
               </a:rPr>
               <a:t>Competências</a:t>
             </a:r>
-            <a:endParaRPr lang="pt-BR" sz="1100" dirty="0" smtClean="0">
-              <a:solidFill>
-                <a:schemeClr val="bg1"/>
-              </a:solidFill>
-            </a:endParaRPr>
           </a:p>
         </p:txBody>
       </p:sp>
@@ -6771,11 +6744,6 @@
               </a:rPr>
               <a:t>Competências</a:t>
             </a:r>
-            <a:endParaRPr lang="pt-BR" sz="1100" dirty="0" smtClean="0">
-              <a:solidFill>
-                <a:schemeClr val="bg1"/>
-              </a:solidFill>
-            </a:endParaRPr>
           </a:p>
         </p:txBody>
       </p:sp>
@@ -6832,11 +6800,6 @@
               </a:rPr>
               <a:t>Competências</a:t>
             </a:r>
-            <a:endParaRPr lang="pt-BR" sz="1100" dirty="0" smtClean="0">
-              <a:solidFill>
-                <a:schemeClr val="bg1"/>
-              </a:solidFill>
-            </a:endParaRPr>
           </a:p>
         </p:txBody>
       </p:sp>
@@ -7606,13 +7569,6 @@
               </a:rPr>
               <a:t>Você trabalha? Com oque?</a:t>
             </a:r>
-            <a:endParaRPr lang="pt-BR" sz="1050" dirty="0" smtClean="0">
-              <a:solidFill>
-                <a:schemeClr val="tx2">
-                  <a:lumMod val="75000"/>
-                </a:schemeClr>
-              </a:solidFill>
-            </a:endParaRPr>
           </a:p>
         </p:txBody>
       </p:sp>
@@ -8681,11 +8637,6 @@
               </a:rPr>
               <a:t>Remover</a:t>
             </a:r>
-            <a:endParaRPr lang="pt-BR" sz="1050" dirty="0" smtClean="0">
-              <a:solidFill>
-                <a:schemeClr val="bg1"/>
-              </a:solidFill>
-            </a:endParaRPr>
           </a:p>
         </p:txBody>
       </p:sp>
@@ -8921,11 +8872,6 @@
               </a:rPr>
               <a:t>Competências</a:t>
             </a:r>
-            <a:endParaRPr lang="pt-BR" sz="1100" dirty="0" smtClean="0">
-              <a:solidFill>
-                <a:schemeClr val="bg1"/>
-              </a:solidFill>
-            </a:endParaRPr>
           </a:p>
         </p:txBody>
       </p:sp>
@@ -9150,11 +9096,6 @@
               </a:rPr>
               <a:t>Competências</a:t>
             </a:r>
-            <a:endParaRPr lang="pt-BR" sz="1100" dirty="0" smtClean="0">
-              <a:solidFill>
-                <a:schemeClr val="bg1"/>
-              </a:solidFill>
-            </a:endParaRPr>
           </a:p>
         </p:txBody>
       </p:sp>
@@ -9211,11 +9152,6 @@
               </a:rPr>
               <a:t>Competências</a:t>
             </a:r>
-            <a:endParaRPr lang="pt-BR" sz="1100" dirty="0" smtClean="0">
-              <a:solidFill>
-                <a:schemeClr val="bg1"/>
-              </a:solidFill>
-            </a:endParaRPr>
           </a:p>
         </p:txBody>
       </p:sp>
@@ -9272,11 +9208,6 @@
               </a:rPr>
               <a:t>Competências</a:t>
             </a:r>
-            <a:endParaRPr lang="pt-BR" sz="1100" dirty="0" smtClean="0">
-              <a:solidFill>
-                <a:schemeClr val="bg1"/>
-              </a:solidFill>
-            </a:endParaRPr>
           </a:p>
         </p:txBody>
       </p:sp>
@@ -9449,13 +9380,6 @@
               </a:rPr>
               <a:t>Liderança</a:t>
             </a:r>
-            <a:endParaRPr lang="pt-BR" sz="1000" dirty="0" smtClean="0">
-              <a:solidFill>
-                <a:schemeClr val="tx2">
-                  <a:lumMod val="75000"/>
-                </a:schemeClr>
-              </a:solidFill>
-            </a:endParaRPr>
           </a:p>
         </p:txBody>
       </p:sp>
@@ -9584,18 +9508,7 @@
                 </a:solidFill>
                 <a:latin typeface="+mj-lt"/>
               </a:rPr>
-              <a:t>Competências</a:t>
-            </a:r>
-            <a:r>
-              <a:rPr lang="pt-BR" sz="2000" dirty="0" smtClean="0">
-                <a:solidFill>
-                  <a:schemeClr val="tx2">
-                    <a:lumMod val="50000"/>
-                  </a:schemeClr>
-                </a:solidFill>
-                <a:latin typeface="+mj-lt"/>
-              </a:rPr>
-              <a:t> </a:t>
+              <a:t>Competências </a:t>
             </a:r>
             <a:endParaRPr lang="pt-BR" sz="2800" dirty="0">
               <a:solidFill>
@@ -9854,6 +9767,118 @@
               </a:rPr>
               <a:t>Determinação</a:t>
             </a:r>
+          </a:p>
+        </p:txBody>
+      </p:sp>
+      <p:sp>
+        <p:nvSpPr>
+          <p:cNvPr id="73" name="CaixaDeTexto 72"/>
+          <p:cNvSpPr txBox="1"/>
+          <p:nvPr/>
+        </p:nvSpPr>
+        <p:spPr>
+          <a:xfrm>
+            <a:off x="3563772" y="2692975"/>
+            <a:ext cx="1669934" cy="246221"/>
+          </a:xfrm>
+          <a:prstGeom prst="rect">
+            <a:avLst/>
+          </a:prstGeom>
+          <a:ln w="19050">
+            <a:solidFill>
+              <a:schemeClr val="tx2">
+                <a:lumMod val="75000"/>
+              </a:schemeClr>
+            </a:solidFill>
+          </a:ln>
+          <a:effectLst/>
+        </p:spPr>
+        <p:style>
+          <a:lnRef idx="2">
+            <a:schemeClr val="accent5"/>
+          </a:lnRef>
+          <a:fillRef idx="1">
+            <a:schemeClr val="lt1"/>
+          </a:fillRef>
+          <a:effectRef idx="0">
+            <a:schemeClr val="accent5"/>
+          </a:effectRef>
+          <a:fontRef idx="minor">
+            <a:schemeClr val="dk1"/>
+          </a:fontRef>
+        </p:style>
+        <p:txBody>
+          <a:bodyPr wrap="square" rtlCol="0">
+            <a:spAutoFit/>
+          </a:bodyPr>
+          <a:lstStyle/>
+          <a:p>
+            <a:r>
+              <a:rPr lang="pt-BR" sz="1000" dirty="0" smtClean="0">
+                <a:solidFill>
+                  <a:schemeClr val="tx2">
+                    <a:lumMod val="75000"/>
+                  </a:schemeClr>
+                </a:solidFill>
+              </a:rPr>
+              <a:t>Comunicação</a:t>
+            </a:r>
+          </a:p>
+        </p:txBody>
+      </p:sp>
+      <p:sp>
+        <p:nvSpPr>
+          <p:cNvPr id="74" name="CaixaDeTexto 73"/>
+          <p:cNvSpPr txBox="1"/>
+          <p:nvPr/>
+        </p:nvSpPr>
+        <p:spPr>
+          <a:xfrm>
+            <a:off x="3563772" y="4271599"/>
+            <a:ext cx="1669934" cy="246221"/>
+          </a:xfrm>
+          <a:prstGeom prst="rect">
+            <a:avLst/>
+          </a:prstGeom>
+          <a:ln w="19050">
+            <a:solidFill>
+              <a:schemeClr val="tx2">
+                <a:lumMod val="75000"/>
+              </a:schemeClr>
+            </a:solidFill>
+          </a:ln>
+          <a:effectLst/>
+        </p:spPr>
+        <p:style>
+          <a:lnRef idx="2">
+            <a:schemeClr val="accent5"/>
+          </a:lnRef>
+          <a:fillRef idx="1">
+            <a:schemeClr val="lt1"/>
+          </a:fillRef>
+          <a:effectRef idx="0">
+            <a:schemeClr val="accent5"/>
+          </a:effectRef>
+          <a:fontRef idx="minor">
+            <a:schemeClr val="dk1"/>
+          </a:fontRef>
+        </p:style>
+        <p:txBody>
+          <a:bodyPr wrap="square" rtlCol="0">
+            <a:spAutoFit/>
+          </a:bodyPr>
+          <a:lstStyle/>
+          <a:p>
+            <a:r>
+              <a:rPr lang="pt-BR" sz="1000">
+                <a:solidFill>
+                  <a:schemeClr val="tx2">
+                    <a:lumMod val="75000"/>
+                  </a:schemeClr>
+                </a:solidFill>
+              </a:rPr>
+              <a:t>Gerenciar Tempo </a:t>
+            </a:r>
             <a:endParaRPr lang="pt-BR" sz="1000" dirty="0" smtClean="0">
               <a:solidFill>
                 <a:schemeClr val="tx2">
@@ -9866,13 +9891,13 @@
       </p:sp>
       <p:sp>
         <p:nvSpPr>
-          <p:cNvPr id="73" name="CaixaDeTexto 72"/>
-          <p:cNvSpPr txBox="1"/>
-          <p:nvPr/>
-        </p:nvSpPr>
-        <p:spPr>
-          <a:xfrm>
-            <a:off x="3563772" y="2692975"/>
+          <p:cNvPr id="75" name="CaixaDeTexto 74"/>
+          <p:cNvSpPr txBox="1"/>
+          <p:nvPr/>
+        </p:nvSpPr>
+        <p:spPr>
+          <a:xfrm>
+            <a:off x="3565806" y="3130082"/>
             <a:ext cx="1669934" cy="246221"/>
           </a:xfrm>
           <a:prstGeom prst="rect">
@@ -9915,27 +9940,20 @@
                   </a:schemeClr>
                 </a:solidFill>
               </a:rPr>
-              <a:t>Comunicação</a:t>
-            </a:r>
-            <a:endParaRPr lang="pt-BR" sz="1000" dirty="0" smtClean="0">
-              <a:solidFill>
-                <a:schemeClr val="tx2">
-                  <a:lumMod val="75000"/>
-                </a:schemeClr>
-              </a:solidFill>
-            </a:endParaRPr>
-          </a:p>
-        </p:txBody>
-      </p:sp>
-      <p:sp>
-        <p:nvSpPr>
-          <p:cNvPr id="74" name="CaixaDeTexto 73"/>
-          <p:cNvSpPr txBox="1"/>
-          <p:nvPr/>
-        </p:nvSpPr>
-        <p:spPr>
-          <a:xfrm>
-            <a:off x="3563772" y="4271599"/>
+              <a:t>Trabalho em grupo</a:t>
+            </a:r>
+          </a:p>
+        </p:txBody>
+      </p:sp>
+      <p:sp>
+        <p:nvSpPr>
+          <p:cNvPr id="76" name="CaixaDeTexto 75"/>
+          <p:cNvSpPr txBox="1"/>
+          <p:nvPr/>
+        </p:nvSpPr>
+        <p:spPr>
+          <a:xfrm>
+            <a:off x="3563772" y="3516688"/>
             <a:ext cx="1669934" cy="246221"/>
           </a:xfrm>
           <a:prstGeom prst="rect">
@@ -9971,148 +9989,15 @@
           <a:lstStyle/>
           <a:p>
             <a:r>
-              <a:rPr lang="pt-BR" sz="1000">
+              <a:rPr lang="pt-BR" sz="1000" dirty="0" smtClean="0">
                 <a:solidFill>
                   <a:schemeClr val="tx2">
                     <a:lumMod val="75000"/>
                   </a:schemeClr>
                 </a:solidFill>
               </a:rPr>
-              <a:t>Gerenciar Tempo </a:t>
-            </a:r>
-            <a:endParaRPr lang="pt-BR" sz="1000" dirty="0" smtClean="0">
-              <a:solidFill>
-                <a:schemeClr val="tx2">
-                  <a:lumMod val="75000"/>
-                </a:schemeClr>
-              </a:solidFill>
-            </a:endParaRPr>
-          </a:p>
-        </p:txBody>
-      </p:sp>
-      <p:sp>
-        <p:nvSpPr>
-          <p:cNvPr id="75" name="CaixaDeTexto 74"/>
-          <p:cNvSpPr txBox="1"/>
-          <p:nvPr/>
-        </p:nvSpPr>
-        <p:spPr>
-          <a:xfrm>
-            <a:off x="3565806" y="3130082"/>
-            <a:ext cx="1669934" cy="246221"/>
-          </a:xfrm>
-          <a:prstGeom prst="rect">
-            <a:avLst/>
-          </a:prstGeom>
-          <a:ln w="19050">
-            <a:solidFill>
-              <a:schemeClr val="tx2">
-                <a:lumMod val="75000"/>
-              </a:schemeClr>
-            </a:solidFill>
-          </a:ln>
-          <a:effectLst/>
-        </p:spPr>
-        <p:style>
-          <a:lnRef idx="2">
-            <a:schemeClr val="accent5"/>
-          </a:lnRef>
-          <a:fillRef idx="1">
-            <a:schemeClr val="lt1"/>
-          </a:fillRef>
-          <a:effectRef idx="0">
-            <a:schemeClr val="accent5"/>
-          </a:effectRef>
-          <a:fontRef idx="minor">
-            <a:schemeClr val="dk1"/>
-          </a:fontRef>
-        </p:style>
-        <p:txBody>
-          <a:bodyPr wrap="square" rtlCol="0">
-            <a:spAutoFit/>
-          </a:bodyPr>
-          <a:lstStyle/>
-          <a:p>
-            <a:r>
-              <a:rPr lang="pt-BR" sz="1000" dirty="0" smtClean="0">
-                <a:solidFill>
-                  <a:schemeClr val="tx2">
-                    <a:lumMod val="75000"/>
-                  </a:schemeClr>
-                </a:solidFill>
-              </a:rPr>
-              <a:t>Trabalho em grupo</a:t>
-            </a:r>
-            <a:endParaRPr lang="pt-BR" sz="1000" dirty="0" smtClean="0">
-              <a:solidFill>
-                <a:schemeClr val="tx2">
-                  <a:lumMod val="75000"/>
-                </a:schemeClr>
-              </a:solidFill>
-            </a:endParaRPr>
-          </a:p>
-        </p:txBody>
-      </p:sp>
-      <p:sp>
-        <p:nvSpPr>
-          <p:cNvPr id="76" name="CaixaDeTexto 75"/>
-          <p:cNvSpPr txBox="1"/>
-          <p:nvPr/>
-        </p:nvSpPr>
-        <p:spPr>
-          <a:xfrm>
-            <a:off x="3563772" y="3516688"/>
-            <a:ext cx="1669934" cy="246221"/>
-          </a:xfrm>
-          <a:prstGeom prst="rect">
-            <a:avLst/>
-          </a:prstGeom>
-          <a:ln w="19050">
-            <a:solidFill>
-              <a:schemeClr val="tx2">
-                <a:lumMod val="75000"/>
-              </a:schemeClr>
-            </a:solidFill>
-          </a:ln>
-          <a:effectLst/>
-        </p:spPr>
-        <p:style>
-          <a:lnRef idx="2">
-            <a:schemeClr val="accent5"/>
-          </a:lnRef>
-          <a:fillRef idx="1">
-            <a:schemeClr val="lt1"/>
-          </a:fillRef>
-          <a:effectRef idx="0">
-            <a:schemeClr val="accent5"/>
-          </a:effectRef>
-          <a:fontRef idx="minor">
-            <a:schemeClr val="dk1"/>
-          </a:fontRef>
-        </p:style>
-        <p:txBody>
-          <a:bodyPr wrap="square" rtlCol="0">
-            <a:spAutoFit/>
-          </a:bodyPr>
-          <a:lstStyle/>
-          <a:p>
-            <a:r>
-              <a:rPr lang="pt-BR" sz="1000" dirty="0" smtClean="0">
-                <a:solidFill>
-                  <a:schemeClr val="tx2">
-                    <a:lumMod val="75000"/>
-                  </a:schemeClr>
-                </a:solidFill>
-              </a:rPr>
               <a:t>Criatividade</a:t>
             </a:r>
-            <a:endParaRPr lang="pt-BR" sz="1000" dirty="0" smtClean="0">
-              <a:solidFill>
-                <a:schemeClr val="tx2">
-                  <a:lumMod val="75000"/>
-                </a:schemeClr>
-              </a:solidFill>
-            </a:endParaRPr>
           </a:p>
         </p:txBody>
       </p:sp>
@@ -10383,13 +10268,6 @@
               </a:rPr>
               <a:t>5</a:t>
             </a:r>
-            <a:endParaRPr lang="pt-BR" sz="1000" dirty="0" smtClean="0">
-              <a:solidFill>
-                <a:schemeClr val="tx2">
-                  <a:lumMod val="75000"/>
-                </a:schemeClr>
-              </a:solidFill>
-            </a:endParaRPr>
           </a:p>
         </p:txBody>
       </p:sp>
@@ -10446,13 +10324,6 @@
               </a:rPr>
               <a:t>7</a:t>
             </a:r>
-            <a:endParaRPr lang="pt-BR" sz="1000" dirty="0" smtClean="0">
-              <a:solidFill>
-                <a:schemeClr val="tx2">
-                  <a:lumMod val="75000"/>
-                </a:schemeClr>
-              </a:solidFill>
-            </a:endParaRPr>
           </a:p>
         </p:txBody>
       </p:sp>
@@ -10509,13 +10380,6 @@
               </a:rPr>
               <a:t>10</a:t>
             </a:r>
-            <a:endParaRPr lang="pt-BR" sz="1000" dirty="0" smtClean="0">
-              <a:solidFill>
-                <a:schemeClr val="tx2">
-                  <a:lumMod val="75000"/>
-                </a:schemeClr>
-              </a:solidFill>
-            </a:endParaRPr>
           </a:p>
         </p:txBody>
       </p:sp>
@@ -10572,13 +10436,6 @@
               </a:rPr>
               <a:t>6</a:t>
             </a:r>
-            <a:endParaRPr lang="pt-BR" sz="1000" dirty="0" smtClean="0">
-              <a:solidFill>
-                <a:schemeClr val="tx2">
-                  <a:lumMod val="75000"/>
-                </a:schemeClr>
-              </a:solidFill>
-            </a:endParaRPr>
           </a:p>
         </p:txBody>
       </p:sp>
@@ -10635,13 +10492,6 @@
               </a:rPr>
               <a:t>2</a:t>
             </a:r>
-            <a:endParaRPr lang="pt-BR" sz="1000" dirty="0" smtClean="0">
-              <a:solidFill>
-                <a:schemeClr val="tx2">
-                  <a:lumMod val="75000"/>
-                </a:schemeClr>
-              </a:solidFill>
-            </a:endParaRPr>
           </a:p>
         </p:txBody>
       </p:sp>
@@ -10698,13 +10548,6 @@
               </a:rPr>
               <a:t>0</a:t>
             </a:r>
-            <a:endParaRPr lang="pt-BR" sz="1000" dirty="0" smtClean="0">
-              <a:solidFill>
-                <a:schemeClr val="tx2">
-                  <a:lumMod val="75000"/>
-                </a:schemeClr>
-              </a:solidFill>
-            </a:endParaRPr>
           </a:p>
         </p:txBody>
       </p:sp>
@@ -17952,11 +17795,6 @@
               </a:rPr>
               <a:t>Remover</a:t>
             </a:r>
-            <a:endParaRPr lang="pt-BR" sz="1050" dirty="0" smtClean="0">
-              <a:solidFill>
-                <a:schemeClr val="bg1"/>
-              </a:solidFill>
-            </a:endParaRPr>
           </a:p>
         </p:txBody>
       </p:sp>
@@ -18726,13 +18564,6 @@
               </a:rPr>
               <a:t>Você trabalha? Com oque?</a:t>
             </a:r>
-            <a:endParaRPr lang="pt-BR" sz="1050" dirty="0" smtClean="0">
-              <a:solidFill>
-                <a:schemeClr val="tx2">
-                  <a:lumMod val="75000"/>
-                </a:schemeClr>
-              </a:solidFill>
-            </a:endParaRPr>
           </a:p>
         </p:txBody>
       </p:sp>
@@ -19801,11 +19632,6 @@
               </a:rPr>
               <a:t>Remover</a:t>
             </a:r>
-            <a:endParaRPr lang="pt-BR" sz="1050" dirty="0" smtClean="0">
-              <a:solidFill>
-                <a:schemeClr val="bg1"/>
-              </a:solidFill>
-            </a:endParaRPr>
           </a:p>
         </p:txBody>
       </p:sp>
@@ -20006,17 +19832,7 @@
                   </a:schemeClr>
                 </a:solidFill>
               </a:rPr>
-              <a:t>Alternativa </a:t>
-            </a:r>
-            <a:r>
-              <a:rPr lang="pt-BR" sz="900" dirty="0" smtClean="0">
-                <a:solidFill>
-                  <a:schemeClr val="tx2">
-                    <a:lumMod val="75000"/>
-                  </a:schemeClr>
-                </a:solidFill>
-              </a:rPr>
-              <a:t>D</a:t>
+              <a:t>Alternativa D</a:t>
             </a:r>
             <a:endParaRPr lang="pt-BR" sz="1000" dirty="0" smtClean="0">
               <a:solidFill>
@@ -20081,11 +19897,6 @@
               </a:rPr>
               <a:t>Competências</a:t>
             </a:r>
-            <a:endParaRPr lang="pt-BR" sz="1100" dirty="0" smtClean="0">
-              <a:solidFill>
-                <a:schemeClr val="bg1"/>
-              </a:solidFill>
-            </a:endParaRPr>
           </a:p>
         </p:txBody>
       </p:sp>
@@ -21023,13 +20834,6 @@
               </a:rPr>
               <a:t>Você trabalha? Com oque?</a:t>
             </a:r>
-            <a:endParaRPr lang="pt-BR" sz="1050" dirty="0" smtClean="0">
-              <a:solidFill>
-                <a:schemeClr val="tx2">
-                  <a:lumMod val="75000"/>
-                </a:schemeClr>
-              </a:solidFill>
-            </a:endParaRPr>
           </a:p>
         </p:txBody>
       </p:sp>
@@ -22097,11 +21901,6 @@
               </a:rPr>
               <a:t>Remover</a:t>
             </a:r>
-            <a:endParaRPr lang="pt-BR" sz="1050" dirty="0" smtClean="0">
-              <a:solidFill>
-                <a:schemeClr val="bg1"/>
-              </a:solidFill>
-            </a:endParaRPr>
           </a:p>
         </p:txBody>
       </p:sp>
@@ -22290,17 +22089,7 @@
                   </a:schemeClr>
                 </a:solidFill>
               </a:rPr>
-              <a:t>Alternativa </a:t>
-            </a:r>
-            <a:r>
-              <a:rPr lang="pt-BR" sz="900" dirty="0" smtClean="0">
-                <a:solidFill>
-                  <a:schemeClr val="tx2">
-                    <a:lumMod val="75000"/>
-                  </a:schemeClr>
-                </a:solidFill>
-              </a:rPr>
-              <a:t>D</a:t>
+              <a:t>Alternativa D</a:t>
             </a:r>
             <a:endParaRPr lang="pt-BR" sz="1000" dirty="0" smtClean="0">
               <a:solidFill>
@@ -22365,11 +22154,6 @@
               </a:rPr>
               <a:t>Competências</a:t>
             </a:r>
-            <a:endParaRPr lang="pt-BR" sz="1100" dirty="0" smtClean="0">
-              <a:solidFill>
-                <a:schemeClr val="bg1"/>
-              </a:solidFill>
-            </a:endParaRPr>
           </a:p>
         </p:txBody>
       </p:sp>
@@ -22594,11 +22378,6 @@
               </a:rPr>
               <a:t>Competências</a:t>
             </a:r>
-            <a:endParaRPr lang="pt-BR" sz="1100" dirty="0" smtClean="0">
-              <a:solidFill>
-                <a:schemeClr val="bg1"/>
-              </a:solidFill>
-            </a:endParaRPr>
           </a:p>
         </p:txBody>
       </p:sp>
